--- a/User Guide/Figures.pptx
+++ b/User Guide/Figures.pptx
@@ -15,6 +15,7 @@
     <p:sldId id="264" r:id="rId9"/>
     <p:sldId id="261" r:id="rId10"/>
     <p:sldId id="265" r:id="rId11"/>
+    <p:sldId id="266" r:id="rId12"/>
   </p:sldIdLst>
   <p:sldSz cx="9144000" cy="6858000" type="screen4x3"/>
   <p:notesSz cx="7099300" cy="10234613"/>
@@ -311,7 +312,7 @@
           <a:p>
             <a:fld id="{98D7A7FD-AC4C-4F89-8B40-F1EA51214CCC}" type="datetimeFigureOut">
               <a:rPr lang="fr-FR" smtClean="0"/>
-              <a:t>14/08/2020</a:t>
+              <a:t>16/10/2020</a:t>
             </a:fld>
             <a:endParaRPr lang="fr-FR"/>
           </a:p>
@@ -479,7 +480,7 @@
           <a:p>
             <a:fld id="{98D7A7FD-AC4C-4F89-8B40-F1EA51214CCC}" type="datetimeFigureOut">
               <a:rPr lang="fr-FR" smtClean="0"/>
-              <a:t>14/08/2020</a:t>
+              <a:t>16/10/2020</a:t>
             </a:fld>
             <a:endParaRPr lang="fr-FR"/>
           </a:p>
@@ -657,7 +658,7 @@
           <a:p>
             <a:fld id="{98D7A7FD-AC4C-4F89-8B40-F1EA51214CCC}" type="datetimeFigureOut">
               <a:rPr lang="fr-FR" smtClean="0"/>
-              <a:t>14/08/2020</a:t>
+              <a:t>16/10/2020</a:t>
             </a:fld>
             <a:endParaRPr lang="fr-FR"/>
           </a:p>
@@ -825,7 +826,7 @@
           <a:p>
             <a:fld id="{98D7A7FD-AC4C-4F89-8B40-F1EA51214CCC}" type="datetimeFigureOut">
               <a:rPr lang="fr-FR" smtClean="0"/>
-              <a:t>14/08/2020</a:t>
+              <a:t>16/10/2020</a:t>
             </a:fld>
             <a:endParaRPr lang="fr-FR"/>
           </a:p>
@@ -1070,7 +1071,7 @@
           <a:p>
             <a:fld id="{98D7A7FD-AC4C-4F89-8B40-F1EA51214CCC}" type="datetimeFigureOut">
               <a:rPr lang="fr-FR" smtClean="0"/>
-              <a:t>14/08/2020</a:t>
+              <a:t>16/10/2020</a:t>
             </a:fld>
             <a:endParaRPr lang="fr-FR"/>
           </a:p>
@@ -1355,7 +1356,7 @@
           <a:p>
             <a:fld id="{98D7A7FD-AC4C-4F89-8B40-F1EA51214CCC}" type="datetimeFigureOut">
               <a:rPr lang="fr-FR" smtClean="0"/>
-              <a:t>14/08/2020</a:t>
+              <a:t>16/10/2020</a:t>
             </a:fld>
             <a:endParaRPr lang="fr-FR"/>
           </a:p>
@@ -1774,7 +1775,7 @@
           <a:p>
             <a:fld id="{98D7A7FD-AC4C-4F89-8B40-F1EA51214CCC}" type="datetimeFigureOut">
               <a:rPr lang="fr-FR" smtClean="0"/>
-              <a:t>14/08/2020</a:t>
+              <a:t>16/10/2020</a:t>
             </a:fld>
             <a:endParaRPr lang="fr-FR"/>
           </a:p>
@@ -1891,7 +1892,7 @@
           <a:p>
             <a:fld id="{98D7A7FD-AC4C-4F89-8B40-F1EA51214CCC}" type="datetimeFigureOut">
               <a:rPr lang="fr-FR" smtClean="0"/>
-              <a:t>14/08/2020</a:t>
+              <a:t>16/10/2020</a:t>
             </a:fld>
             <a:endParaRPr lang="fr-FR"/>
           </a:p>
@@ -1986,7 +1987,7 @@
           <a:p>
             <a:fld id="{98D7A7FD-AC4C-4F89-8B40-F1EA51214CCC}" type="datetimeFigureOut">
               <a:rPr lang="fr-FR" smtClean="0"/>
-              <a:t>14/08/2020</a:t>
+              <a:t>16/10/2020</a:t>
             </a:fld>
             <a:endParaRPr lang="fr-FR"/>
           </a:p>
@@ -2261,7 +2262,7 @@
           <a:p>
             <a:fld id="{98D7A7FD-AC4C-4F89-8B40-F1EA51214CCC}" type="datetimeFigureOut">
               <a:rPr lang="fr-FR" smtClean="0"/>
-              <a:t>14/08/2020</a:t>
+              <a:t>16/10/2020</a:t>
             </a:fld>
             <a:endParaRPr lang="fr-FR"/>
           </a:p>
@@ -2513,7 +2514,7 @@
           <a:p>
             <a:fld id="{98D7A7FD-AC4C-4F89-8B40-F1EA51214CCC}" type="datetimeFigureOut">
               <a:rPr lang="fr-FR" smtClean="0"/>
-              <a:t>14/08/2020</a:t>
+              <a:t>16/10/2020</a:t>
             </a:fld>
             <a:endParaRPr lang="fr-FR"/>
           </a:p>
@@ -2724,7 +2725,7 @@
           <a:p>
             <a:fld id="{98D7A7FD-AC4C-4F89-8B40-F1EA51214CCC}" type="datetimeFigureOut">
               <a:rPr lang="fr-FR" smtClean="0"/>
-              <a:t>14/08/2020</a:t>
+              <a:t>16/10/2020</a:t>
             </a:fld>
             <a:endParaRPr lang="fr-FR"/>
           </a:p>
@@ -3774,7 +3775,7 @@
           <p:cNvPr id="20" name="Groupe 19">
             <a:extLst>
               <a:ext uri="{FF2B5EF4-FFF2-40B4-BE49-F238E27FC236}">
-                <a16:creationId xmlns:a16="http://schemas.microsoft.com/office/drawing/2014/main" id="{B59A1C3A-B6DF-4CE9-9D8C-57B3FE79E1E4}"/>
+                <a16:creationId xmlns="" xmlns:a16="http://schemas.microsoft.com/office/drawing/2014/main" id="{B59A1C3A-B6DF-4CE9-9D8C-57B3FE79E1E4}"/>
               </a:ext>
             </a:extLst>
           </p:cNvPr>
@@ -3794,7 +3795,7 @@
             <p:cNvPr id="5" name="Image 4">
               <a:extLst>
                 <a:ext uri="{FF2B5EF4-FFF2-40B4-BE49-F238E27FC236}">
-                  <a16:creationId xmlns:a16="http://schemas.microsoft.com/office/drawing/2014/main" id="{4E58B09F-60E9-44E0-814B-26D8DF125AB0}"/>
+                  <a16:creationId xmlns="" xmlns:a16="http://schemas.microsoft.com/office/drawing/2014/main" id="{4E58B09F-60E9-44E0-814B-26D8DF125AB0}"/>
                 </a:ext>
               </a:extLst>
             </p:cNvPr>
@@ -3829,7 +3830,7 @@
             <p:cNvPr id="7" name="Image 6">
               <a:extLst>
                 <a:ext uri="{FF2B5EF4-FFF2-40B4-BE49-F238E27FC236}">
-                  <a16:creationId xmlns:a16="http://schemas.microsoft.com/office/drawing/2014/main" id="{F0EEE7BD-737D-4F23-A7AB-476FC61C65B3}"/>
+                  <a16:creationId xmlns="" xmlns:a16="http://schemas.microsoft.com/office/drawing/2014/main" id="{F0EEE7BD-737D-4F23-A7AB-476FC61C65B3}"/>
                 </a:ext>
               </a:extLst>
             </p:cNvPr>
@@ -3864,7 +3865,7 @@
             <p:cNvPr id="8" name="Image 7">
               <a:extLst>
                 <a:ext uri="{FF2B5EF4-FFF2-40B4-BE49-F238E27FC236}">
-                  <a16:creationId xmlns:a16="http://schemas.microsoft.com/office/drawing/2014/main" id="{BD3AFA10-8BC6-408A-AC04-5776EFDC2689}"/>
+                  <a16:creationId xmlns="" xmlns:a16="http://schemas.microsoft.com/office/drawing/2014/main" id="{BD3AFA10-8BC6-408A-AC04-5776EFDC2689}"/>
                 </a:ext>
               </a:extLst>
             </p:cNvPr>
@@ -3899,7 +3900,7 @@
             <p:cNvPr id="10" name="Image 9">
               <a:extLst>
                 <a:ext uri="{FF2B5EF4-FFF2-40B4-BE49-F238E27FC236}">
-                  <a16:creationId xmlns:a16="http://schemas.microsoft.com/office/drawing/2014/main" id="{7C2B32FD-AB9E-4222-97B6-CE25985843E2}"/>
+                  <a16:creationId xmlns="" xmlns:a16="http://schemas.microsoft.com/office/drawing/2014/main" id="{7C2B32FD-AB9E-4222-97B6-CE25985843E2}"/>
                 </a:ext>
               </a:extLst>
             </p:cNvPr>
@@ -3934,7 +3935,7 @@
             <p:cNvPr id="17" name="Image 16">
               <a:extLst>
                 <a:ext uri="{FF2B5EF4-FFF2-40B4-BE49-F238E27FC236}">
-                  <a16:creationId xmlns:a16="http://schemas.microsoft.com/office/drawing/2014/main" id="{21F2F573-8AFF-46B8-9B9B-ECD77A89AEA4}"/>
+                  <a16:creationId xmlns="" xmlns:a16="http://schemas.microsoft.com/office/drawing/2014/main" id="{21F2F573-8AFF-46B8-9B9B-ECD77A89AEA4}"/>
                 </a:ext>
               </a:extLst>
             </p:cNvPr>
@@ -3969,7 +3970,7 @@
             <p:cNvPr id="18" name="Image 17">
               <a:extLst>
                 <a:ext uri="{FF2B5EF4-FFF2-40B4-BE49-F238E27FC236}">
-                  <a16:creationId xmlns:a16="http://schemas.microsoft.com/office/drawing/2014/main" id="{22A81E76-6800-4D99-ABD1-B6A27055D4D8}"/>
+                  <a16:creationId xmlns="" xmlns:a16="http://schemas.microsoft.com/office/drawing/2014/main" id="{22A81E76-6800-4D99-ABD1-B6A27055D4D8}"/>
                 </a:ext>
               </a:extLst>
             </p:cNvPr>
@@ -4004,6 +4005,346 @@
     <p:extLst>
       <p:ext uri="{BB962C8B-B14F-4D97-AF65-F5344CB8AC3E}">
         <p14:creationId xmlns:p14="http://schemas.microsoft.com/office/powerpoint/2010/main" val="2216945433"/>
+      </p:ext>
+    </p:extLst>
+  </p:cSld>
+  <p:clrMapOvr>
+    <a:masterClrMapping/>
+  </p:clrMapOvr>
+</p:sld>
+</file>
+
+<file path=ppt/slides/slide11.xml><?xml version="1.0" encoding="utf-8"?>
+<p:sld xmlns:a="http://schemas.openxmlformats.org/drawingml/2006/main" xmlns:r="http://schemas.openxmlformats.org/officeDocument/2006/relationships" xmlns:p="http://schemas.openxmlformats.org/presentationml/2006/main">
+  <p:cSld>
+    <p:spTree>
+      <p:nvGrpSpPr>
+        <p:cNvPr id="1" name=""/>
+        <p:cNvGrpSpPr/>
+        <p:nvPr/>
+      </p:nvGrpSpPr>
+      <p:grpSpPr>
+        <a:xfrm>
+          <a:off x="0" y="0"/>
+          <a:ext cx="0" cy="0"/>
+          <a:chOff x="0" y="0"/>
+          <a:chExt cx="0" cy="0"/>
+        </a:xfrm>
+      </p:grpSpPr>
+      <p:sp>
+        <p:nvSpPr>
+          <p:cNvPr id="13" name="Rectangle 12"/>
+          <p:cNvSpPr/>
+          <p:nvPr/>
+        </p:nvSpPr>
+        <p:spPr>
+          <a:xfrm>
+            <a:off x="4249448" y="1086330"/>
+            <a:ext cx="4787047" cy="3134757"/>
+          </a:xfrm>
+          <a:prstGeom prst="rect">
+            <a:avLst/>
+          </a:prstGeom>
+          <a:solidFill>
+            <a:schemeClr val="bg1"/>
+          </a:solidFill>
+        </p:spPr>
+        <p:style>
+          <a:lnRef idx="2">
+            <a:schemeClr val="accent1">
+              <a:shade val="50000"/>
+            </a:schemeClr>
+          </a:lnRef>
+          <a:fillRef idx="1">
+            <a:schemeClr val="accent1"/>
+          </a:fillRef>
+          <a:effectRef idx="0">
+            <a:schemeClr val="accent1"/>
+          </a:effectRef>
+          <a:fontRef idx="minor">
+            <a:schemeClr val="lt1"/>
+          </a:fontRef>
+        </p:style>
+        <p:txBody>
+          <a:bodyPr rtlCol="0" anchor="ctr"/>
+          <a:lstStyle/>
+          <a:p>
+            <a:pPr algn="ctr"/>
+            <a:endParaRPr lang="fr-FR"/>
+          </a:p>
+        </p:txBody>
+      </p:sp>
+      <p:sp>
+        <p:nvSpPr>
+          <p:cNvPr id="12" name="Rectangle 11"/>
+          <p:cNvSpPr/>
+          <p:nvPr/>
+        </p:nvSpPr>
+        <p:spPr>
+          <a:xfrm>
+            <a:off x="35496" y="1086331"/>
+            <a:ext cx="4104456" cy="3134757"/>
+          </a:xfrm>
+          <a:prstGeom prst="rect">
+            <a:avLst/>
+          </a:prstGeom>
+          <a:solidFill>
+            <a:schemeClr val="bg1"/>
+          </a:solidFill>
+        </p:spPr>
+        <p:style>
+          <a:lnRef idx="2">
+            <a:schemeClr val="accent1">
+              <a:shade val="50000"/>
+            </a:schemeClr>
+          </a:lnRef>
+          <a:fillRef idx="1">
+            <a:schemeClr val="accent1"/>
+          </a:fillRef>
+          <a:effectRef idx="0">
+            <a:schemeClr val="accent1"/>
+          </a:effectRef>
+          <a:fontRef idx="minor">
+            <a:schemeClr val="lt1"/>
+          </a:fontRef>
+        </p:style>
+        <p:txBody>
+          <a:bodyPr rtlCol="0" anchor="ctr"/>
+          <a:lstStyle/>
+          <a:p>
+            <a:pPr algn="ctr"/>
+            <a:endParaRPr lang="fr-FR"/>
+          </a:p>
+        </p:txBody>
+      </p:sp>
+      <p:pic>
+        <p:nvPicPr>
+          <p:cNvPr id="4" name="Image 3"/>
+          <p:cNvPicPr>
+            <a:picLocks noChangeAspect="1"/>
+          </p:cNvPicPr>
+          <p:nvPr/>
+        </p:nvPicPr>
+        <p:blipFill>
+          <a:blip r:embed="rId2"/>
+          <a:stretch>
+            <a:fillRect/>
+          </a:stretch>
+        </p:blipFill>
+        <p:spPr>
+          <a:xfrm>
+            <a:off x="1331640" y="1772816"/>
+            <a:ext cx="2523299" cy="2300327"/>
+          </a:xfrm>
+          <a:prstGeom prst="rect">
+            <a:avLst/>
+          </a:prstGeom>
+        </p:spPr>
+      </p:pic>
+      <p:pic>
+        <p:nvPicPr>
+          <p:cNvPr id="5" name="Image 4"/>
+          <p:cNvPicPr>
+            <a:picLocks noChangeAspect="1"/>
+          </p:cNvPicPr>
+          <p:nvPr/>
+        </p:nvPicPr>
+        <p:blipFill>
+          <a:blip r:embed="rId3"/>
+          <a:stretch>
+            <a:fillRect/>
+          </a:stretch>
+        </p:blipFill>
+        <p:spPr>
+          <a:xfrm>
+            <a:off x="144992" y="1772816"/>
+            <a:ext cx="1047896" cy="2162477"/>
+          </a:xfrm>
+          <a:prstGeom prst="rect">
+            <a:avLst/>
+          </a:prstGeom>
+        </p:spPr>
+      </p:pic>
+      <p:sp>
+        <p:nvSpPr>
+          <p:cNvPr id="7" name="ZoneTexte 6"/>
+          <p:cNvSpPr txBox="1"/>
+          <p:nvPr/>
+        </p:nvSpPr>
+        <p:spPr>
+          <a:xfrm>
+            <a:off x="528125" y="1086331"/>
+            <a:ext cx="2815579" cy="369332"/>
+          </a:xfrm>
+          <a:prstGeom prst="rect">
+            <a:avLst/>
+          </a:prstGeom>
+          <a:noFill/>
+        </p:spPr>
+        <p:txBody>
+          <a:bodyPr wrap="none" rtlCol="0">
+            <a:spAutoFit/>
+          </a:bodyPr>
+          <a:lstStyle/>
+          <a:p>
+            <a:r>
+              <a:rPr lang="fr-FR" dirty="0" smtClean="0"/>
+              <a:t>Laser </a:t>
+            </a:r>
+            <a:r>
+              <a:rPr lang="fr-FR" dirty="0" err="1" smtClean="0"/>
+              <a:t>Intensity</a:t>
+            </a:r>
+            <a:r>
+              <a:rPr lang="fr-FR" dirty="0" smtClean="0"/>
+              <a:t> (versus time)</a:t>
+            </a:r>
+            <a:endParaRPr lang="fr-FR" dirty="0"/>
+          </a:p>
+        </p:txBody>
+      </p:sp>
+      <p:sp>
+        <p:nvSpPr>
+          <p:cNvPr id="8" name="ZoneTexte 7"/>
+          <p:cNvSpPr txBox="1"/>
+          <p:nvPr/>
+        </p:nvSpPr>
+        <p:spPr>
+          <a:xfrm>
+            <a:off x="5772386" y="1187460"/>
+            <a:ext cx="1487971" cy="369332"/>
+          </a:xfrm>
+          <a:prstGeom prst="rect">
+            <a:avLst/>
+          </a:prstGeom>
+          <a:noFill/>
+        </p:spPr>
+        <p:txBody>
+          <a:bodyPr wrap="none" rtlCol="0">
+            <a:spAutoFit/>
+          </a:bodyPr>
+          <a:lstStyle/>
+          <a:p>
+            <a:r>
+              <a:rPr lang="fr-FR" dirty="0" smtClean="0"/>
+              <a:t>Laser </a:t>
+            </a:r>
+            <a:r>
+              <a:rPr lang="fr-FR" dirty="0" err="1" smtClean="0"/>
+              <a:t>Spectra</a:t>
+            </a:r>
+            <a:r>
+              <a:rPr lang="fr-FR" dirty="0" smtClean="0"/>
+              <a:t> </a:t>
+            </a:r>
+            <a:endParaRPr lang="fr-FR" dirty="0"/>
+          </a:p>
+        </p:txBody>
+      </p:sp>
+      <p:sp>
+        <p:nvSpPr>
+          <p:cNvPr id="9" name="ZoneTexte 8"/>
+          <p:cNvSpPr txBox="1"/>
+          <p:nvPr/>
+        </p:nvSpPr>
+        <p:spPr>
+          <a:xfrm>
+            <a:off x="2152003" y="5589240"/>
+            <a:ext cx="3975897" cy="646331"/>
+          </a:xfrm>
+          <a:prstGeom prst="rect">
+            <a:avLst/>
+          </a:prstGeom>
+          <a:noFill/>
+        </p:spPr>
+        <p:txBody>
+          <a:bodyPr wrap="none" rtlCol="0">
+            <a:spAutoFit/>
+          </a:bodyPr>
+          <a:lstStyle/>
+          <a:p>
+            <a:r>
+              <a:rPr lang="fr-FR" dirty="0" smtClean="0"/>
+              <a:t>File by default (</a:t>
+            </a:r>
+            <a:r>
+              <a:rPr lang="fr-FR" dirty="0" err="1" smtClean="0"/>
+              <a:t>this</a:t>
+            </a:r>
+            <a:r>
+              <a:rPr lang="fr-FR" dirty="0" smtClean="0"/>
+              <a:t> </a:t>
+            </a:r>
+            <a:r>
+              <a:rPr lang="fr-FR" dirty="0" err="1" smtClean="0"/>
+              <a:t>is</a:t>
+            </a:r>
+            <a:r>
+              <a:rPr lang="fr-FR" dirty="0" smtClean="0"/>
+              <a:t> the value if no file)</a:t>
+            </a:r>
+          </a:p>
+          <a:p>
+            <a:r>
+              <a:rPr lang="fr-FR" dirty="0" smtClean="0"/>
+              <a:t>0	1</a:t>
+            </a:r>
+            <a:endParaRPr lang="fr-FR" dirty="0"/>
+          </a:p>
+        </p:txBody>
+      </p:sp>
+      <p:pic>
+        <p:nvPicPr>
+          <p:cNvPr id="10" name="Image 9"/>
+          <p:cNvPicPr>
+            <a:picLocks noChangeAspect="1"/>
+          </p:cNvPicPr>
+          <p:nvPr/>
+        </p:nvPicPr>
+        <p:blipFill>
+          <a:blip r:embed="rId4"/>
+          <a:stretch>
+            <a:fillRect/>
+          </a:stretch>
+        </p:blipFill>
+        <p:spPr>
+          <a:xfrm>
+            <a:off x="4399551" y="1991679"/>
+            <a:ext cx="1257475" cy="971686"/>
+          </a:xfrm>
+          <a:prstGeom prst="rect">
+            <a:avLst/>
+          </a:prstGeom>
+        </p:spPr>
+      </p:pic>
+      <p:pic>
+        <p:nvPicPr>
+          <p:cNvPr id="11" name="Image 10"/>
+          <p:cNvPicPr>
+            <a:picLocks noChangeAspect="1"/>
+          </p:cNvPicPr>
+          <p:nvPr/>
+        </p:nvPicPr>
+        <p:blipFill>
+          <a:blip r:embed="rId5"/>
+          <a:stretch>
+            <a:fillRect/>
+          </a:stretch>
+        </p:blipFill>
+        <p:spPr>
+          <a:xfrm>
+            <a:off x="5657026" y="1772816"/>
+            <a:ext cx="3206663" cy="2257723"/>
+          </a:xfrm>
+          <a:prstGeom prst="rect">
+            <a:avLst/>
+          </a:prstGeom>
+        </p:spPr>
+      </p:pic>
+    </p:spTree>
+    <p:extLst>
+      <p:ext uri="{BB962C8B-B14F-4D97-AF65-F5344CB8AC3E}">
+        <p14:creationId xmlns:p14="http://schemas.microsoft.com/office/powerpoint/2010/main" val="1740835818"/>
       </p:ext>
     </p:extLst>
   </p:cSld>
@@ -8869,7 +9210,7 @@
           <p:cNvPr id="20" name="Forme libre : forme 19">
             <a:extLst>
               <a:ext uri="{FF2B5EF4-FFF2-40B4-BE49-F238E27FC236}">
-                <a16:creationId xmlns:a16="http://schemas.microsoft.com/office/drawing/2014/main" id="{10307375-5E05-49A6-A057-4A2535289726}"/>
+                <a16:creationId xmlns="" xmlns:a16="http://schemas.microsoft.com/office/drawing/2014/main" id="{10307375-5E05-49A6-A057-4A2535289726}"/>
               </a:ext>
             </a:extLst>
           </p:cNvPr>
@@ -8980,7 +9321,7 @@
           <p:cNvPr id="41" name="Forme libre : forme 40">
             <a:extLst>
               <a:ext uri="{FF2B5EF4-FFF2-40B4-BE49-F238E27FC236}">
-                <a16:creationId xmlns:a16="http://schemas.microsoft.com/office/drawing/2014/main" id="{F9CFD920-4B1B-4923-8C77-927359173832}"/>
+                <a16:creationId xmlns="" xmlns:a16="http://schemas.microsoft.com/office/drawing/2014/main" id="{F9CFD920-4B1B-4923-8C77-927359173832}"/>
               </a:ext>
             </a:extLst>
           </p:cNvPr>
@@ -9111,7 +9452,7 @@
           <p:cNvPr id="42" name="Forme libre : forme 41">
             <a:extLst>
               <a:ext uri="{FF2B5EF4-FFF2-40B4-BE49-F238E27FC236}">
-                <a16:creationId xmlns:a16="http://schemas.microsoft.com/office/drawing/2014/main" id="{58DEB443-FE98-4490-9FC4-82F84F91CC20}"/>
+                <a16:creationId xmlns="" xmlns:a16="http://schemas.microsoft.com/office/drawing/2014/main" id="{58DEB443-FE98-4490-9FC4-82F84F91CC20}"/>
               </a:ext>
             </a:extLst>
           </p:cNvPr>
@@ -9272,7 +9613,7 @@
           <p:cNvPr id="44" name="Forme libre : forme 43">
             <a:extLst>
               <a:ext uri="{FF2B5EF4-FFF2-40B4-BE49-F238E27FC236}">
-                <a16:creationId xmlns:a16="http://schemas.microsoft.com/office/drawing/2014/main" id="{7F5FFB4D-A5A0-4031-9E0A-BBA0FA1F1CC9}"/>
+                <a16:creationId xmlns="" xmlns:a16="http://schemas.microsoft.com/office/drawing/2014/main" id="{7F5FFB4D-A5A0-4031-9E0A-BBA0FA1F1CC9}"/>
               </a:ext>
             </a:extLst>
           </p:cNvPr>
@@ -9433,7 +9774,7 @@
           <p:cNvPr id="23" name="Connecteur droit avec flèche 22">
             <a:extLst>
               <a:ext uri="{FF2B5EF4-FFF2-40B4-BE49-F238E27FC236}">
-                <a16:creationId xmlns:a16="http://schemas.microsoft.com/office/drawing/2014/main" id="{27C97AB5-9B82-4D58-856D-D83118290F04}"/>
+                <a16:creationId xmlns="" xmlns:a16="http://schemas.microsoft.com/office/drawing/2014/main" id="{27C97AB5-9B82-4D58-856D-D83118290F04}"/>
               </a:ext>
             </a:extLst>
           </p:cNvPr>
@@ -9475,7 +9816,7 @@
           <p:cNvPr id="48" name="Connecteur droit avec flèche 47">
             <a:extLst>
               <a:ext uri="{FF2B5EF4-FFF2-40B4-BE49-F238E27FC236}">
-                <a16:creationId xmlns:a16="http://schemas.microsoft.com/office/drawing/2014/main" id="{CFDDC667-B792-48BD-AC1C-BDA821B697C6}"/>
+                <a16:creationId xmlns="" xmlns:a16="http://schemas.microsoft.com/office/drawing/2014/main" id="{CFDDC667-B792-48BD-AC1C-BDA821B697C6}"/>
               </a:ext>
             </a:extLst>
           </p:cNvPr>
@@ -9519,7 +9860,7 @@
           <p:cNvPr id="49" name="Connecteur droit avec flèche 48">
             <a:extLst>
               <a:ext uri="{FF2B5EF4-FFF2-40B4-BE49-F238E27FC236}">
-                <a16:creationId xmlns:a16="http://schemas.microsoft.com/office/drawing/2014/main" id="{2D90B2F2-3506-4BDE-8ED6-2B868BA65EFE}"/>
+                <a16:creationId xmlns="" xmlns:a16="http://schemas.microsoft.com/office/drawing/2014/main" id="{2D90B2F2-3506-4BDE-8ED6-2B868BA65EFE}"/>
               </a:ext>
             </a:extLst>
           </p:cNvPr>
@@ -9563,7 +9904,7 @@
           <p:cNvPr id="50" name="ZoneTexte 49">
             <a:extLst>
               <a:ext uri="{FF2B5EF4-FFF2-40B4-BE49-F238E27FC236}">
-                <a16:creationId xmlns:a16="http://schemas.microsoft.com/office/drawing/2014/main" id="{C7F77F3B-9123-435F-BC7F-B8BC744C36CF}"/>
+                <a16:creationId xmlns="" xmlns:a16="http://schemas.microsoft.com/office/drawing/2014/main" id="{C7F77F3B-9123-435F-BC7F-B8BC744C36CF}"/>
               </a:ext>
             </a:extLst>
           </p:cNvPr>
@@ -9598,7 +9939,7 @@
           <p:cNvPr id="51" name="ZoneTexte 50">
             <a:extLst>
               <a:ext uri="{FF2B5EF4-FFF2-40B4-BE49-F238E27FC236}">
-                <a16:creationId xmlns:a16="http://schemas.microsoft.com/office/drawing/2014/main" id="{8BB75C32-4D10-4DA1-A955-6F11C96A6557}"/>
+                <a16:creationId xmlns="" xmlns:a16="http://schemas.microsoft.com/office/drawing/2014/main" id="{8BB75C32-4D10-4DA1-A955-6F11C96A6557}"/>
               </a:ext>
             </a:extLst>
           </p:cNvPr>
@@ -9633,7 +9974,7 @@
           <p:cNvPr id="53" name="ZoneTexte 52">
             <a:extLst>
               <a:ext uri="{FF2B5EF4-FFF2-40B4-BE49-F238E27FC236}">
-                <a16:creationId xmlns:a16="http://schemas.microsoft.com/office/drawing/2014/main" id="{66EC1807-F20E-43E1-A10A-80833D5A6202}"/>
+                <a16:creationId xmlns="" xmlns:a16="http://schemas.microsoft.com/office/drawing/2014/main" id="{66EC1807-F20E-43E1-A10A-80833D5A6202}"/>
               </a:ext>
             </a:extLst>
           </p:cNvPr>
@@ -9668,7 +10009,7 @@
           <p:cNvPr id="54" name="Arc 53">
             <a:extLst>
               <a:ext uri="{FF2B5EF4-FFF2-40B4-BE49-F238E27FC236}">
-                <a16:creationId xmlns:a16="http://schemas.microsoft.com/office/drawing/2014/main" id="{2B36D640-8466-43D1-AD2D-83F7F4210693}"/>
+                <a16:creationId xmlns="" xmlns:a16="http://schemas.microsoft.com/office/drawing/2014/main" id="{2B36D640-8466-43D1-AD2D-83F7F4210693}"/>
               </a:ext>
             </a:extLst>
           </p:cNvPr>
@@ -9720,7 +10061,7 @@
           <p:cNvPr id="55" name="Connecteur droit avec flèche 54">
             <a:extLst>
               <a:ext uri="{FF2B5EF4-FFF2-40B4-BE49-F238E27FC236}">
-                <a16:creationId xmlns:a16="http://schemas.microsoft.com/office/drawing/2014/main" id="{16EB6B66-90DF-4AE9-8B13-8ABEE8AB136B}"/>
+                <a16:creationId xmlns="" xmlns:a16="http://schemas.microsoft.com/office/drawing/2014/main" id="{16EB6B66-90DF-4AE9-8B13-8ABEE8AB136B}"/>
               </a:ext>
             </a:extLst>
           </p:cNvPr>
@@ -9765,7 +10106,7 @@
           <p:cNvPr id="58" name="Connecteur droit 57">
             <a:extLst>
               <a:ext uri="{FF2B5EF4-FFF2-40B4-BE49-F238E27FC236}">
-                <a16:creationId xmlns:a16="http://schemas.microsoft.com/office/drawing/2014/main" id="{C1E430C5-576E-4A3E-ABAA-C0C38435D726}"/>
+                <a16:creationId xmlns="" xmlns:a16="http://schemas.microsoft.com/office/drawing/2014/main" id="{C1E430C5-576E-4A3E-ABAA-C0C38435D726}"/>
               </a:ext>
             </a:extLst>
           </p:cNvPr>
@@ -9810,7 +10151,7 @@
           <p:cNvPr id="61" name="Arc 60">
             <a:extLst>
               <a:ext uri="{FF2B5EF4-FFF2-40B4-BE49-F238E27FC236}">
-                <a16:creationId xmlns:a16="http://schemas.microsoft.com/office/drawing/2014/main" id="{5122B73C-468C-408E-B0BF-A26E3081556F}"/>
+                <a16:creationId xmlns="" xmlns:a16="http://schemas.microsoft.com/office/drawing/2014/main" id="{5122B73C-468C-408E-B0BF-A26E3081556F}"/>
               </a:ext>
             </a:extLst>
           </p:cNvPr>
@@ -9862,7 +10203,7 @@
           <p:cNvPr id="62" name="ZoneTexte 61">
             <a:extLst>
               <a:ext uri="{FF2B5EF4-FFF2-40B4-BE49-F238E27FC236}">
-                <a16:creationId xmlns:a16="http://schemas.microsoft.com/office/drawing/2014/main" id="{411FDB64-6510-4A34-9EC4-AFD5C3C4EC40}"/>
+                <a16:creationId xmlns="" xmlns:a16="http://schemas.microsoft.com/office/drawing/2014/main" id="{411FDB64-6510-4A34-9EC4-AFD5C3C4EC40}"/>
               </a:ext>
             </a:extLst>
           </p:cNvPr>
@@ -9900,7 +10241,7 @@
           <p:cNvPr id="63" name="ZoneTexte 62">
             <a:extLst>
               <a:ext uri="{FF2B5EF4-FFF2-40B4-BE49-F238E27FC236}">
-                <a16:creationId xmlns:a16="http://schemas.microsoft.com/office/drawing/2014/main" id="{6E6AB492-B285-4C73-9EB1-04F448FA98DA}"/>
+                <a16:creationId xmlns="" xmlns:a16="http://schemas.microsoft.com/office/drawing/2014/main" id="{6E6AB492-B285-4C73-9EB1-04F448FA98DA}"/>
               </a:ext>
             </a:extLst>
           </p:cNvPr>
@@ -13021,7 +13362,7 @@
           <p:cNvPr id="6" name="Connecteur droit avec flèche 5">
             <a:extLst>
               <a:ext uri="{FF2B5EF4-FFF2-40B4-BE49-F238E27FC236}">
-                <a16:creationId xmlns:a16="http://schemas.microsoft.com/office/drawing/2014/main" id="{4FF06059-17DE-46BD-BD7D-C5176EF526C0}"/>
+                <a16:creationId xmlns="" xmlns:a16="http://schemas.microsoft.com/office/drawing/2014/main" id="{4FF06059-17DE-46BD-BD7D-C5176EF526C0}"/>
               </a:ext>
             </a:extLst>
           </p:cNvPr>
@@ -13065,7 +13406,7 @@
           <p:cNvPr id="7" name="Connecteur droit avec flèche 6">
             <a:extLst>
               <a:ext uri="{FF2B5EF4-FFF2-40B4-BE49-F238E27FC236}">
-                <a16:creationId xmlns:a16="http://schemas.microsoft.com/office/drawing/2014/main" id="{7B7939D3-CA72-40F5-9A7C-34120B33B6F9}"/>
+                <a16:creationId xmlns="" xmlns:a16="http://schemas.microsoft.com/office/drawing/2014/main" id="{7B7939D3-CA72-40F5-9A7C-34120B33B6F9}"/>
               </a:ext>
             </a:extLst>
           </p:cNvPr>
@@ -13109,7 +13450,7 @@
           <p:cNvPr id="9" name="ZoneTexte 8">
             <a:extLst>
               <a:ext uri="{FF2B5EF4-FFF2-40B4-BE49-F238E27FC236}">
-                <a16:creationId xmlns:a16="http://schemas.microsoft.com/office/drawing/2014/main" id="{F95B4FFA-7802-4347-868D-05F6A945F794}"/>
+                <a16:creationId xmlns="" xmlns:a16="http://schemas.microsoft.com/office/drawing/2014/main" id="{F95B4FFA-7802-4347-868D-05F6A945F794}"/>
               </a:ext>
             </a:extLst>
           </p:cNvPr>
@@ -13144,7 +13485,7 @@
           <p:cNvPr id="12" name="Forme libre : forme 11">
             <a:extLst>
               <a:ext uri="{FF2B5EF4-FFF2-40B4-BE49-F238E27FC236}">
-                <a16:creationId xmlns:a16="http://schemas.microsoft.com/office/drawing/2014/main" id="{A0F2B8C1-7A0A-401B-AF43-EE9ECFDFD2C0}"/>
+                <a16:creationId xmlns="" xmlns:a16="http://schemas.microsoft.com/office/drawing/2014/main" id="{A0F2B8C1-7A0A-401B-AF43-EE9ECFDFD2C0}"/>
               </a:ext>
             </a:extLst>
           </p:cNvPr>
@@ -13234,7 +13575,7 @@
           <p:cNvPr id="13" name="ZoneTexte 12">
             <a:extLst>
               <a:ext uri="{FF2B5EF4-FFF2-40B4-BE49-F238E27FC236}">
-                <a16:creationId xmlns:a16="http://schemas.microsoft.com/office/drawing/2014/main" id="{3FB98CF9-C97C-46BB-B318-A0C908EFDD90}"/>
+                <a16:creationId xmlns="" xmlns:a16="http://schemas.microsoft.com/office/drawing/2014/main" id="{3FB98CF9-C97C-46BB-B318-A0C908EFDD90}"/>
               </a:ext>
             </a:extLst>
           </p:cNvPr>
@@ -13273,7 +13614,7 @@
           <p:cNvPr id="14" name="Forme libre : forme 13">
             <a:extLst>
               <a:ext uri="{FF2B5EF4-FFF2-40B4-BE49-F238E27FC236}">
-                <a16:creationId xmlns:a16="http://schemas.microsoft.com/office/drawing/2014/main" id="{39BEBB99-8264-43FB-9BD0-60715DBE98C8}"/>
+                <a16:creationId xmlns="" xmlns:a16="http://schemas.microsoft.com/office/drawing/2014/main" id="{39BEBB99-8264-43FB-9BD0-60715DBE98C8}"/>
               </a:ext>
             </a:extLst>
           </p:cNvPr>
@@ -13366,7 +13707,7 @@
           <p:cNvPr id="15" name="ZoneTexte 14">
             <a:extLst>
               <a:ext uri="{FF2B5EF4-FFF2-40B4-BE49-F238E27FC236}">
-                <a16:creationId xmlns:a16="http://schemas.microsoft.com/office/drawing/2014/main" id="{BB3789BC-11AF-4D89-AAD0-F4FE2856790E}"/>
+                <a16:creationId xmlns="" xmlns:a16="http://schemas.microsoft.com/office/drawing/2014/main" id="{BB3789BC-11AF-4D89-AAD0-F4FE2856790E}"/>
               </a:ext>
             </a:extLst>
           </p:cNvPr>
@@ -13405,7 +13746,7 @@
           <p:cNvPr id="18" name="ZoneTexte 17">
             <a:extLst>
               <a:ext uri="{FF2B5EF4-FFF2-40B4-BE49-F238E27FC236}">
-                <a16:creationId xmlns:a16="http://schemas.microsoft.com/office/drawing/2014/main" id="{5564E055-8FA6-49D3-AE60-21FF4D93D10E}"/>
+                <a16:creationId xmlns="" xmlns:a16="http://schemas.microsoft.com/office/drawing/2014/main" id="{5564E055-8FA6-49D3-AE60-21FF4D93D10E}"/>
               </a:ext>
             </a:extLst>
           </p:cNvPr>
@@ -13444,7 +13785,7 @@
           <p:cNvPr id="20" name="ZoneTexte 19">
             <a:extLst>
               <a:ext uri="{FF2B5EF4-FFF2-40B4-BE49-F238E27FC236}">
-                <a16:creationId xmlns:a16="http://schemas.microsoft.com/office/drawing/2014/main" id="{E67A79F0-ABD6-4881-9D23-672BE8B990CD}"/>
+                <a16:creationId xmlns="" xmlns:a16="http://schemas.microsoft.com/office/drawing/2014/main" id="{E67A79F0-ABD6-4881-9D23-672BE8B990CD}"/>
               </a:ext>
             </a:extLst>
           </p:cNvPr>
@@ -13483,7 +13824,7 @@
           <p:cNvPr id="21" name="Forme libre : forme 20">
             <a:extLst>
               <a:ext uri="{FF2B5EF4-FFF2-40B4-BE49-F238E27FC236}">
-                <a16:creationId xmlns:a16="http://schemas.microsoft.com/office/drawing/2014/main" id="{51CA3D23-224D-4EA3-A73A-C12619FC9A73}"/>
+                <a16:creationId xmlns="" xmlns:a16="http://schemas.microsoft.com/office/drawing/2014/main" id="{51CA3D23-224D-4EA3-A73A-C12619FC9A73}"/>
               </a:ext>
             </a:extLst>
           </p:cNvPr>
@@ -13573,7 +13914,7 @@
           <p:cNvPr id="22" name="ZoneTexte 21">
             <a:extLst>
               <a:ext uri="{FF2B5EF4-FFF2-40B4-BE49-F238E27FC236}">
-                <a16:creationId xmlns:a16="http://schemas.microsoft.com/office/drawing/2014/main" id="{F386C697-34C4-4865-8961-B0A6C92443A8}"/>
+                <a16:creationId xmlns="" xmlns:a16="http://schemas.microsoft.com/office/drawing/2014/main" id="{F386C697-34C4-4865-8961-B0A6C92443A8}"/>
               </a:ext>
             </a:extLst>
           </p:cNvPr>
@@ -13612,7 +13953,7 @@
           <p:cNvPr id="24" name="Connecteur droit 23">
             <a:extLst>
               <a:ext uri="{FF2B5EF4-FFF2-40B4-BE49-F238E27FC236}">
-                <a16:creationId xmlns:a16="http://schemas.microsoft.com/office/drawing/2014/main" id="{A2CC8DDC-A66E-484C-AB5D-1FECC16D05E0}"/>
+                <a16:creationId xmlns="" xmlns:a16="http://schemas.microsoft.com/office/drawing/2014/main" id="{A2CC8DDC-A66E-484C-AB5D-1FECC16D05E0}"/>
               </a:ext>
             </a:extLst>
           </p:cNvPr>
@@ -13653,7 +13994,7 @@
           <p:cNvPr id="25" name="Connecteur droit 24">
             <a:extLst>
               <a:ext uri="{FF2B5EF4-FFF2-40B4-BE49-F238E27FC236}">
-                <a16:creationId xmlns:a16="http://schemas.microsoft.com/office/drawing/2014/main" id="{D664E9A0-ADD8-464C-9889-B8FC6ECB3255}"/>
+                <a16:creationId xmlns="" xmlns:a16="http://schemas.microsoft.com/office/drawing/2014/main" id="{D664E9A0-ADD8-464C-9889-B8FC6ECB3255}"/>
               </a:ext>
             </a:extLst>
           </p:cNvPr>
@@ -13694,7 +14035,7 @@
           <p:cNvPr id="26" name="Connecteur droit 25">
             <a:extLst>
               <a:ext uri="{FF2B5EF4-FFF2-40B4-BE49-F238E27FC236}">
-                <a16:creationId xmlns:a16="http://schemas.microsoft.com/office/drawing/2014/main" id="{D2638DE9-FB4D-48F1-B690-9E5E5630049F}"/>
+                <a16:creationId xmlns="" xmlns:a16="http://schemas.microsoft.com/office/drawing/2014/main" id="{D2638DE9-FB4D-48F1-B690-9E5E5630049F}"/>
               </a:ext>
             </a:extLst>
           </p:cNvPr>
@@ -13735,7 +14076,7 @@
           <p:cNvPr id="29" name="Image 28">
             <a:extLst>
               <a:ext uri="{FF2B5EF4-FFF2-40B4-BE49-F238E27FC236}">
-                <a16:creationId xmlns:a16="http://schemas.microsoft.com/office/drawing/2014/main" id="{89A31570-84FF-4DDA-8967-A26EE8AE06C0}"/>
+                <a16:creationId xmlns="" xmlns:a16="http://schemas.microsoft.com/office/drawing/2014/main" id="{89A31570-84FF-4DDA-8967-A26EE8AE06C0}"/>
               </a:ext>
             </a:extLst>
           </p:cNvPr>
@@ -13775,7 +14116,7 @@
           <p:cNvPr id="32" name="Image 31">
             <a:extLst>
               <a:ext uri="{FF2B5EF4-FFF2-40B4-BE49-F238E27FC236}">
-                <a16:creationId xmlns:a16="http://schemas.microsoft.com/office/drawing/2014/main" id="{B767CF56-1D55-455F-9A38-05D865EF4997}"/>
+                <a16:creationId xmlns="" xmlns:a16="http://schemas.microsoft.com/office/drawing/2014/main" id="{B767CF56-1D55-455F-9A38-05D865EF4997}"/>
               </a:ext>
             </a:extLst>
           </p:cNvPr>
@@ -13815,7 +14156,7 @@
           <p:cNvPr id="35" name="Image 34">
             <a:extLst>
               <a:ext uri="{FF2B5EF4-FFF2-40B4-BE49-F238E27FC236}">
-                <a16:creationId xmlns:a16="http://schemas.microsoft.com/office/drawing/2014/main" id="{0DF7EF11-FE3A-4A25-A3D8-48C9BDCBB729}"/>
+                <a16:creationId xmlns="" xmlns:a16="http://schemas.microsoft.com/office/drawing/2014/main" id="{0DF7EF11-FE3A-4A25-A3D8-48C9BDCBB729}"/>
               </a:ext>
             </a:extLst>
           </p:cNvPr>
@@ -13855,7 +14196,7 @@
           <p:cNvPr id="37" name="ZoneTexte 36">
             <a:extLst>
               <a:ext uri="{FF2B5EF4-FFF2-40B4-BE49-F238E27FC236}">
-                <a16:creationId xmlns:a16="http://schemas.microsoft.com/office/drawing/2014/main" id="{79304FA4-2681-46A9-A736-0D1B7DD4365A}"/>
+                <a16:creationId xmlns="" xmlns:a16="http://schemas.microsoft.com/office/drawing/2014/main" id="{79304FA4-2681-46A9-A736-0D1B7DD4365A}"/>
               </a:ext>
             </a:extLst>
           </p:cNvPr>
@@ -13919,7 +14260,7 @@
           <p:cNvPr id="39" name="ZoneTexte 38">
             <a:extLst>
               <a:ext uri="{FF2B5EF4-FFF2-40B4-BE49-F238E27FC236}">
-                <a16:creationId xmlns:a16="http://schemas.microsoft.com/office/drawing/2014/main" id="{D9A702B5-C22D-4604-AD4A-FFA6B1688852}"/>
+                <a16:creationId xmlns="" xmlns:a16="http://schemas.microsoft.com/office/drawing/2014/main" id="{D9A702B5-C22D-4604-AD4A-FFA6B1688852}"/>
               </a:ext>
             </a:extLst>
           </p:cNvPr>
@@ -13997,7 +14338,7 @@
           <p:cNvPr id="40" name="Ellipse 39">
             <a:extLst>
               <a:ext uri="{FF2B5EF4-FFF2-40B4-BE49-F238E27FC236}">
-                <a16:creationId xmlns:a16="http://schemas.microsoft.com/office/drawing/2014/main" id="{C85FE7DE-A9F5-42B5-9C79-5D7927A43C27}"/>
+                <a16:creationId xmlns="" xmlns:a16="http://schemas.microsoft.com/office/drawing/2014/main" id="{C85FE7DE-A9F5-42B5-9C79-5D7927A43C27}"/>
               </a:ext>
             </a:extLst>
           </p:cNvPr>
@@ -14043,7 +14384,7 @@
           <p:cNvPr id="44" name="Connecteur droit avec flèche 43">
             <a:extLst>
               <a:ext uri="{FF2B5EF4-FFF2-40B4-BE49-F238E27FC236}">
-                <a16:creationId xmlns:a16="http://schemas.microsoft.com/office/drawing/2014/main" id="{5106E0DE-6C3C-4997-BA8A-6A5F646BAF3E}"/>
+                <a16:creationId xmlns="" xmlns:a16="http://schemas.microsoft.com/office/drawing/2014/main" id="{5106E0DE-6C3C-4997-BA8A-6A5F646BAF3E}"/>
               </a:ext>
             </a:extLst>
           </p:cNvPr>
@@ -14087,7 +14428,7 @@
           <p:cNvPr id="46" name="Connecteur droit 45">
             <a:extLst>
               <a:ext uri="{FF2B5EF4-FFF2-40B4-BE49-F238E27FC236}">
-                <a16:creationId xmlns:a16="http://schemas.microsoft.com/office/drawing/2014/main" id="{58780EA6-458F-493E-9572-19492EB81984}"/>
+                <a16:creationId xmlns="" xmlns:a16="http://schemas.microsoft.com/office/drawing/2014/main" id="{58780EA6-458F-493E-9572-19492EB81984}"/>
               </a:ext>
             </a:extLst>
           </p:cNvPr>
@@ -14125,7 +14466,7 @@
           <p:cNvPr id="48" name="Connecteur droit 47">
             <a:extLst>
               <a:ext uri="{FF2B5EF4-FFF2-40B4-BE49-F238E27FC236}">
-                <a16:creationId xmlns:a16="http://schemas.microsoft.com/office/drawing/2014/main" id="{ECC5066C-DBE3-446D-8D95-6F4D04E08FBB}"/>
+                <a16:creationId xmlns="" xmlns:a16="http://schemas.microsoft.com/office/drawing/2014/main" id="{ECC5066C-DBE3-446D-8D95-6F4D04E08FBB}"/>
               </a:ext>
             </a:extLst>
           </p:cNvPr>
@@ -14163,7 +14504,7 @@
           <p:cNvPr id="49" name="Connecteur droit 48">
             <a:extLst>
               <a:ext uri="{FF2B5EF4-FFF2-40B4-BE49-F238E27FC236}">
-                <a16:creationId xmlns:a16="http://schemas.microsoft.com/office/drawing/2014/main" id="{EC7283C2-D279-4287-9B45-688C9EB3425F}"/>
+                <a16:creationId xmlns="" xmlns:a16="http://schemas.microsoft.com/office/drawing/2014/main" id="{EC7283C2-D279-4287-9B45-688C9EB3425F}"/>
               </a:ext>
             </a:extLst>
           </p:cNvPr>
@@ -14201,7 +14542,7 @@
           <p:cNvPr id="51" name="Forme libre : forme 50">
             <a:extLst>
               <a:ext uri="{FF2B5EF4-FFF2-40B4-BE49-F238E27FC236}">
-                <a16:creationId xmlns:a16="http://schemas.microsoft.com/office/drawing/2014/main" id="{AB18260E-ACF5-4162-9591-5C5826A59A1B}"/>
+                <a16:creationId xmlns="" xmlns:a16="http://schemas.microsoft.com/office/drawing/2014/main" id="{AB18260E-ACF5-4162-9591-5C5826A59A1B}"/>
               </a:ext>
             </a:extLst>
           </p:cNvPr>
@@ -14291,7 +14632,7 @@
           <p:cNvPr id="52" name="Forme libre : forme 51">
             <a:extLst>
               <a:ext uri="{FF2B5EF4-FFF2-40B4-BE49-F238E27FC236}">
-                <a16:creationId xmlns:a16="http://schemas.microsoft.com/office/drawing/2014/main" id="{4D21A2E9-25E0-4581-BCE8-3EE85FBA896F}"/>
+                <a16:creationId xmlns="" xmlns:a16="http://schemas.microsoft.com/office/drawing/2014/main" id="{4D21A2E9-25E0-4581-BCE8-3EE85FBA896F}"/>
               </a:ext>
             </a:extLst>
           </p:cNvPr>
@@ -14381,7 +14722,7 @@
           <p:cNvPr id="53" name="ZoneTexte 52">
             <a:extLst>
               <a:ext uri="{FF2B5EF4-FFF2-40B4-BE49-F238E27FC236}">
-                <a16:creationId xmlns:a16="http://schemas.microsoft.com/office/drawing/2014/main" id="{AF57DE33-8409-4BFF-93E5-42E6B8222EE9}"/>
+                <a16:creationId xmlns="" xmlns:a16="http://schemas.microsoft.com/office/drawing/2014/main" id="{AF57DE33-8409-4BFF-93E5-42E6B8222EE9}"/>
               </a:ext>
             </a:extLst>
           </p:cNvPr>
@@ -14439,7 +14780,7 @@
           <p:cNvPr id="55" name="ZoneTexte 54">
             <a:extLst>
               <a:ext uri="{FF2B5EF4-FFF2-40B4-BE49-F238E27FC236}">
-                <a16:creationId xmlns:a16="http://schemas.microsoft.com/office/drawing/2014/main" id="{C288C2A1-DCFE-4CFF-A74A-88C4281D82AB}"/>
+                <a16:creationId xmlns="" xmlns:a16="http://schemas.microsoft.com/office/drawing/2014/main" id="{C288C2A1-DCFE-4CFF-A74A-88C4281D82AB}"/>
               </a:ext>
             </a:extLst>
           </p:cNvPr>
@@ -14478,7 +14819,7 @@
           <p:cNvPr id="56" name="ZoneTexte 55">
             <a:extLst>
               <a:ext uri="{FF2B5EF4-FFF2-40B4-BE49-F238E27FC236}">
-                <a16:creationId xmlns:a16="http://schemas.microsoft.com/office/drawing/2014/main" id="{B5E21BA3-9442-411C-9B4F-48976046F47D}"/>
+                <a16:creationId xmlns="" xmlns:a16="http://schemas.microsoft.com/office/drawing/2014/main" id="{B5E21BA3-9442-411C-9B4F-48976046F47D}"/>
               </a:ext>
             </a:extLst>
           </p:cNvPr>
@@ -14517,7 +14858,7 @@
           <p:cNvPr id="57" name="ZoneTexte 56">
             <a:extLst>
               <a:ext uri="{FF2B5EF4-FFF2-40B4-BE49-F238E27FC236}">
-                <a16:creationId xmlns:a16="http://schemas.microsoft.com/office/drawing/2014/main" id="{C73D9360-D15E-440F-970B-0F3C42E66125}"/>
+                <a16:creationId xmlns="" xmlns:a16="http://schemas.microsoft.com/office/drawing/2014/main" id="{C73D9360-D15E-440F-970B-0F3C42E66125}"/>
               </a:ext>
             </a:extLst>
           </p:cNvPr>
@@ -14556,7 +14897,7 @@
           <p:cNvPr id="58" name="ZoneTexte 57">
             <a:extLst>
               <a:ext uri="{FF2B5EF4-FFF2-40B4-BE49-F238E27FC236}">
-                <a16:creationId xmlns:a16="http://schemas.microsoft.com/office/drawing/2014/main" id="{D01BC792-626A-4AEF-A17A-CE4B1BFACBB1}"/>
+                <a16:creationId xmlns="" xmlns:a16="http://schemas.microsoft.com/office/drawing/2014/main" id="{D01BC792-626A-4AEF-A17A-CE4B1BFACBB1}"/>
               </a:ext>
             </a:extLst>
           </p:cNvPr>
@@ -14595,7 +14936,7 @@
           <p:cNvPr id="59" name="ZoneTexte 58">
             <a:extLst>
               <a:ext uri="{FF2B5EF4-FFF2-40B4-BE49-F238E27FC236}">
-                <a16:creationId xmlns:a16="http://schemas.microsoft.com/office/drawing/2014/main" id="{4448A02C-494C-4C71-831D-06B4136717CF}"/>
+                <a16:creationId xmlns="" xmlns:a16="http://schemas.microsoft.com/office/drawing/2014/main" id="{4448A02C-494C-4C71-831D-06B4136717CF}"/>
               </a:ext>
             </a:extLst>
           </p:cNvPr>
@@ -14634,7 +14975,7 @@
           <p:cNvPr id="64" name="ZoneTexte 63">
             <a:extLst>
               <a:ext uri="{FF2B5EF4-FFF2-40B4-BE49-F238E27FC236}">
-                <a16:creationId xmlns:a16="http://schemas.microsoft.com/office/drawing/2014/main" id="{A694A29A-5C87-4D9F-A2F8-F66E4758C021}"/>
+                <a16:creationId xmlns="" xmlns:a16="http://schemas.microsoft.com/office/drawing/2014/main" id="{A694A29A-5C87-4D9F-A2F8-F66E4758C021}"/>
               </a:ext>
             </a:extLst>
           </p:cNvPr>
@@ -14814,7 +15155,7 @@
           <p:cNvPr id="65" name="Forme libre : forme 64">
             <a:extLst>
               <a:ext uri="{FF2B5EF4-FFF2-40B4-BE49-F238E27FC236}">
-                <a16:creationId xmlns:a16="http://schemas.microsoft.com/office/drawing/2014/main" id="{0362CFB2-21B5-4368-AB5F-5A4E2902AC29}"/>
+                <a16:creationId xmlns="" xmlns:a16="http://schemas.microsoft.com/office/drawing/2014/main" id="{0362CFB2-21B5-4368-AB5F-5A4E2902AC29}"/>
               </a:ext>
             </a:extLst>
           </p:cNvPr>
@@ -14908,7 +15249,7 @@
           <p:cNvPr id="66" name="ZoneTexte 65">
             <a:extLst>
               <a:ext uri="{FF2B5EF4-FFF2-40B4-BE49-F238E27FC236}">
-                <a16:creationId xmlns:a16="http://schemas.microsoft.com/office/drawing/2014/main" id="{2AF2D19B-D8A0-4A1B-AA85-C6966F93A4D6}"/>
+                <a16:creationId xmlns="" xmlns:a16="http://schemas.microsoft.com/office/drawing/2014/main" id="{2AF2D19B-D8A0-4A1B-AA85-C6966F93A4D6}"/>
               </a:ext>
             </a:extLst>
           </p:cNvPr>
@@ -14943,7 +15284,7 @@
           <p:cNvPr id="67" name="ZoneTexte 66">
             <a:extLst>
               <a:ext uri="{FF2B5EF4-FFF2-40B4-BE49-F238E27FC236}">
-                <a16:creationId xmlns:a16="http://schemas.microsoft.com/office/drawing/2014/main" id="{B121DC86-6D58-488E-89E4-219851CD9629}"/>
+                <a16:creationId xmlns="" xmlns:a16="http://schemas.microsoft.com/office/drawing/2014/main" id="{B121DC86-6D58-488E-89E4-219851CD9629}"/>
               </a:ext>
             </a:extLst>
           </p:cNvPr>
@@ -14983,7 +15324,7 @@
           <p:cNvPr id="69" name="ZoneTexte 68">
             <a:extLst>
               <a:ext uri="{FF2B5EF4-FFF2-40B4-BE49-F238E27FC236}">
-                <a16:creationId xmlns:a16="http://schemas.microsoft.com/office/drawing/2014/main" id="{CBAD9420-C3D7-4469-A613-60A18381904A}"/>
+                <a16:creationId xmlns="" xmlns:a16="http://schemas.microsoft.com/office/drawing/2014/main" id="{CBAD9420-C3D7-4469-A613-60A18381904A}"/>
               </a:ext>
             </a:extLst>
           </p:cNvPr>
@@ -15079,7 +15420,7 @@
           <p:cNvPr id="70" name="Ellipse 69">
             <a:extLst>
               <a:ext uri="{FF2B5EF4-FFF2-40B4-BE49-F238E27FC236}">
-                <a16:creationId xmlns:a16="http://schemas.microsoft.com/office/drawing/2014/main" id="{361CF3E7-1A99-47CF-85BD-A8C5EB75D824}"/>
+                <a16:creationId xmlns="" xmlns:a16="http://schemas.microsoft.com/office/drawing/2014/main" id="{361CF3E7-1A99-47CF-85BD-A8C5EB75D824}"/>
               </a:ext>
             </a:extLst>
           </p:cNvPr>
@@ -15125,7 +15466,7 @@
           <p:cNvPr id="71" name="Connecteur droit avec flèche 70">
             <a:extLst>
               <a:ext uri="{FF2B5EF4-FFF2-40B4-BE49-F238E27FC236}">
-                <a16:creationId xmlns:a16="http://schemas.microsoft.com/office/drawing/2014/main" id="{6FF5868D-9DD9-445B-91E7-ABFC8D926883}"/>
+                <a16:creationId xmlns="" xmlns:a16="http://schemas.microsoft.com/office/drawing/2014/main" id="{6FF5868D-9DD9-445B-91E7-ABFC8D926883}"/>
               </a:ext>
             </a:extLst>
           </p:cNvPr>
@@ -15170,7 +15511,7 @@
           <p:cNvPr id="75" name="Connecteur droit avec flèche 74">
             <a:extLst>
               <a:ext uri="{FF2B5EF4-FFF2-40B4-BE49-F238E27FC236}">
-                <a16:creationId xmlns:a16="http://schemas.microsoft.com/office/drawing/2014/main" id="{CAD029DD-2181-4700-92F5-FCE049F4A1EB}"/>
+                <a16:creationId xmlns="" xmlns:a16="http://schemas.microsoft.com/office/drawing/2014/main" id="{CAD029DD-2181-4700-92F5-FCE049F4A1EB}"/>
               </a:ext>
             </a:extLst>
           </p:cNvPr>
@@ -15215,7 +15556,7 @@
           <p:cNvPr id="80" name="Connecteur droit avec flèche 79">
             <a:extLst>
               <a:ext uri="{FF2B5EF4-FFF2-40B4-BE49-F238E27FC236}">
-                <a16:creationId xmlns:a16="http://schemas.microsoft.com/office/drawing/2014/main" id="{B302DEA1-1643-4501-9BA5-6233A16533ED}"/>
+                <a16:creationId xmlns="" xmlns:a16="http://schemas.microsoft.com/office/drawing/2014/main" id="{B302DEA1-1643-4501-9BA5-6233A16533ED}"/>
               </a:ext>
             </a:extLst>
           </p:cNvPr>
@@ -15261,7 +15602,7 @@
           <p:cNvPr id="83" name="ZoneTexte 82">
             <a:extLst>
               <a:ext uri="{FF2B5EF4-FFF2-40B4-BE49-F238E27FC236}">
-                <a16:creationId xmlns:a16="http://schemas.microsoft.com/office/drawing/2014/main" id="{2CA6501C-593B-4EFF-98F8-86E687F8763C}"/>
+                <a16:creationId xmlns="" xmlns:a16="http://schemas.microsoft.com/office/drawing/2014/main" id="{2CA6501C-593B-4EFF-98F8-86E687F8763C}"/>
               </a:ext>
             </a:extLst>
           </p:cNvPr>
@@ -15362,7 +15703,7 @@
           <p:cNvPr id="2" name="Rectangle : coins arrondis 1">
             <a:extLst>
               <a:ext uri="{FF2B5EF4-FFF2-40B4-BE49-F238E27FC236}">
-                <a16:creationId xmlns:a16="http://schemas.microsoft.com/office/drawing/2014/main" id="{1E019399-4D78-4B8C-8BDD-6A5C1219B9DA}"/>
+                <a16:creationId xmlns="" xmlns:a16="http://schemas.microsoft.com/office/drawing/2014/main" id="{1E019399-4D78-4B8C-8BDD-6A5C1219B9DA}"/>
               </a:ext>
             </a:extLst>
           </p:cNvPr>
@@ -15414,7 +15755,7 @@
           <p:cNvPr id="45" name="Rectangle : coins arrondis 44">
             <a:extLst>
               <a:ext uri="{FF2B5EF4-FFF2-40B4-BE49-F238E27FC236}">
-                <a16:creationId xmlns:a16="http://schemas.microsoft.com/office/drawing/2014/main" id="{57CCEA9F-3D49-455D-AA0E-F1C37123599C}"/>
+                <a16:creationId xmlns="" xmlns:a16="http://schemas.microsoft.com/office/drawing/2014/main" id="{57CCEA9F-3D49-455D-AA0E-F1C37123599C}"/>
               </a:ext>
             </a:extLst>
           </p:cNvPr>
@@ -15466,7 +15807,7 @@
           <p:cNvPr id="47" name="Image 46">
             <a:extLst>
               <a:ext uri="{FF2B5EF4-FFF2-40B4-BE49-F238E27FC236}">
-                <a16:creationId xmlns:a16="http://schemas.microsoft.com/office/drawing/2014/main" id="{24893E6E-370B-44C8-8557-2828FAF439AD}"/>
+                <a16:creationId xmlns="" xmlns:a16="http://schemas.microsoft.com/office/drawing/2014/main" id="{24893E6E-370B-44C8-8557-2828FAF439AD}"/>
               </a:ext>
             </a:extLst>
           </p:cNvPr>
@@ -15506,7 +15847,7 @@
           <p:cNvPr id="50" name="Image 49">
             <a:extLst>
               <a:ext uri="{FF2B5EF4-FFF2-40B4-BE49-F238E27FC236}">
-                <a16:creationId xmlns:a16="http://schemas.microsoft.com/office/drawing/2014/main" id="{9D3CE698-E738-4A75-96FC-F72CA4455D17}"/>
+                <a16:creationId xmlns="" xmlns:a16="http://schemas.microsoft.com/office/drawing/2014/main" id="{9D3CE698-E738-4A75-96FC-F72CA4455D17}"/>
               </a:ext>
             </a:extLst>
           </p:cNvPr>
@@ -15546,7 +15887,7 @@
           <p:cNvPr id="54" name="Connecteur droit avec flèche 53">
             <a:extLst>
               <a:ext uri="{FF2B5EF4-FFF2-40B4-BE49-F238E27FC236}">
-                <a16:creationId xmlns:a16="http://schemas.microsoft.com/office/drawing/2014/main" id="{EB17F3AE-35A1-47E3-9048-9EDF124635AC}"/>
+                <a16:creationId xmlns="" xmlns:a16="http://schemas.microsoft.com/office/drawing/2014/main" id="{EB17F3AE-35A1-47E3-9048-9EDF124635AC}"/>
               </a:ext>
             </a:extLst>
           </p:cNvPr>
@@ -15592,7 +15933,7 @@
           <p:cNvPr id="60" name="Connecteur droit avec flèche 59">
             <a:extLst>
               <a:ext uri="{FF2B5EF4-FFF2-40B4-BE49-F238E27FC236}">
-                <a16:creationId xmlns:a16="http://schemas.microsoft.com/office/drawing/2014/main" id="{CBE5B9FB-D986-477A-B66E-B70EB86523FE}"/>
+                <a16:creationId xmlns="" xmlns:a16="http://schemas.microsoft.com/office/drawing/2014/main" id="{CBE5B9FB-D986-477A-B66E-B70EB86523FE}"/>
               </a:ext>
             </a:extLst>
           </p:cNvPr>
@@ -15668,7 +16009,7 @@
           <p:cNvPr id="42" name="Image 41">
             <a:extLst>
               <a:ext uri="{FF2B5EF4-FFF2-40B4-BE49-F238E27FC236}">
-                <a16:creationId xmlns:a16="http://schemas.microsoft.com/office/drawing/2014/main" id="{6D398A6B-9620-4554-B619-AF0DFEBE5B58}"/>
+                <a16:creationId xmlns="" xmlns:a16="http://schemas.microsoft.com/office/drawing/2014/main" id="{6D398A6B-9620-4554-B619-AF0DFEBE5B58}"/>
               </a:ext>
             </a:extLst>
           </p:cNvPr>
@@ -15708,7 +16049,7 @@
           <p:cNvPr id="78" name="Image 77">
             <a:extLst>
               <a:ext uri="{FF2B5EF4-FFF2-40B4-BE49-F238E27FC236}">
-                <a16:creationId xmlns:a16="http://schemas.microsoft.com/office/drawing/2014/main" id="{B21E5EA5-B78C-440D-B5EC-B831355B2021}"/>
+                <a16:creationId xmlns="" xmlns:a16="http://schemas.microsoft.com/office/drawing/2014/main" id="{B21E5EA5-B78C-440D-B5EC-B831355B2021}"/>
               </a:ext>
             </a:extLst>
           </p:cNvPr>
@@ -15748,7 +16089,7 @@
           <p:cNvPr id="89" name="Image 88">
             <a:extLst>
               <a:ext uri="{FF2B5EF4-FFF2-40B4-BE49-F238E27FC236}">
-                <a16:creationId xmlns:a16="http://schemas.microsoft.com/office/drawing/2014/main" id="{E525D31E-A0A0-4442-870E-D9A96E29027F}"/>
+                <a16:creationId xmlns="" xmlns:a16="http://schemas.microsoft.com/office/drawing/2014/main" id="{E525D31E-A0A0-4442-870E-D9A96E29027F}"/>
               </a:ext>
             </a:extLst>
           </p:cNvPr>
@@ -15788,7 +16129,7 @@
           <p:cNvPr id="47" name="Image 46">
             <a:extLst>
               <a:ext uri="{FF2B5EF4-FFF2-40B4-BE49-F238E27FC236}">
-                <a16:creationId xmlns:a16="http://schemas.microsoft.com/office/drawing/2014/main" id="{ECFB1A2E-C338-4660-8776-128BA7E7532B}"/>
+                <a16:creationId xmlns="" xmlns:a16="http://schemas.microsoft.com/office/drawing/2014/main" id="{ECFB1A2E-C338-4660-8776-128BA7E7532B}"/>
               </a:ext>
             </a:extLst>
           </p:cNvPr>
@@ -15828,7 +16169,7 @@
           <p:cNvPr id="52" name="Image 51">
             <a:extLst>
               <a:ext uri="{FF2B5EF4-FFF2-40B4-BE49-F238E27FC236}">
-                <a16:creationId xmlns:a16="http://schemas.microsoft.com/office/drawing/2014/main" id="{B08051D3-DFEE-48A5-927C-759D36F3B207}"/>
+                <a16:creationId xmlns="" xmlns:a16="http://schemas.microsoft.com/office/drawing/2014/main" id="{B08051D3-DFEE-48A5-927C-759D36F3B207}"/>
               </a:ext>
             </a:extLst>
           </p:cNvPr>
@@ -15868,7 +16209,7 @@
           <p:cNvPr id="63" name="Image 62">
             <a:extLst>
               <a:ext uri="{FF2B5EF4-FFF2-40B4-BE49-F238E27FC236}">
-                <a16:creationId xmlns:a16="http://schemas.microsoft.com/office/drawing/2014/main" id="{F9E903D9-C33F-46A6-A3D3-1C136733EB54}"/>
+                <a16:creationId xmlns="" xmlns:a16="http://schemas.microsoft.com/office/drawing/2014/main" id="{F9E903D9-C33F-46A6-A3D3-1C136733EB54}"/>
               </a:ext>
             </a:extLst>
           </p:cNvPr>
@@ -15908,7 +16249,7 @@
           <p:cNvPr id="64" name="ZoneTexte 63">
             <a:extLst>
               <a:ext uri="{FF2B5EF4-FFF2-40B4-BE49-F238E27FC236}">
-                <a16:creationId xmlns:a16="http://schemas.microsoft.com/office/drawing/2014/main" id="{567889A0-A021-4D2C-8223-A469E3261465}"/>
+                <a16:creationId xmlns="" xmlns:a16="http://schemas.microsoft.com/office/drawing/2014/main" id="{567889A0-A021-4D2C-8223-A469E3261465}"/>
               </a:ext>
             </a:extLst>
           </p:cNvPr>
@@ -16015,7 +16356,7 @@
           <p:cNvPr id="67" name="ZoneTexte 66">
             <a:extLst>
               <a:ext uri="{FF2B5EF4-FFF2-40B4-BE49-F238E27FC236}">
-                <a16:creationId xmlns:a16="http://schemas.microsoft.com/office/drawing/2014/main" id="{F2FA95C6-DDCE-49A7-9345-6170D185AA9D}"/>
+                <a16:creationId xmlns="" xmlns:a16="http://schemas.microsoft.com/office/drawing/2014/main" id="{F2FA95C6-DDCE-49A7-9345-6170D185AA9D}"/>
               </a:ext>
             </a:extLst>
           </p:cNvPr>
@@ -16067,7 +16408,7 @@
           <p:cNvPr id="68" name="Image 67">
             <a:extLst>
               <a:ext uri="{FF2B5EF4-FFF2-40B4-BE49-F238E27FC236}">
-                <a16:creationId xmlns:a16="http://schemas.microsoft.com/office/drawing/2014/main" id="{10E09D83-BEBA-40D0-A3EE-EC5ECA66F417}"/>
+                <a16:creationId xmlns="" xmlns:a16="http://schemas.microsoft.com/office/drawing/2014/main" id="{10E09D83-BEBA-40D0-A3EE-EC5ECA66F417}"/>
               </a:ext>
             </a:extLst>
           </p:cNvPr>
@@ -16102,7 +16443,7 @@
           <p:cNvPr id="69" name="ZoneTexte 68">
             <a:extLst>
               <a:ext uri="{FF2B5EF4-FFF2-40B4-BE49-F238E27FC236}">
-                <a16:creationId xmlns:a16="http://schemas.microsoft.com/office/drawing/2014/main" id="{EFDBE0B1-705E-4705-8056-F6FDFBB9A84B}"/>
+                <a16:creationId xmlns="" xmlns:a16="http://schemas.microsoft.com/office/drawing/2014/main" id="{EFDBE0B1-705E-4705-8056-F6FDFBB9A84B}"/>
               </a:ext>
             </a:extLst>
           </p:cNvPr>
@@ -16207,7 +16548,7 @@
           <p:cNvPr id="70" name="ZoneTexte 69">
             <a:extLst>
               <a:ext uri="{FF2B5EF4-FFF2-40B4-BE49-F238E27FC236}">
-                <a16:creationId xmlns:a16="http://schemas.microsoft.com/office/drawing/2014/main" id="{B921A7C0-1B5A-44DC-9B8F-B859D03F18B5}"/>
+                <a16:creationId xmlns="" xmlns:a16="http://schemas.microsoft.com/office/drawing/2014/main" id="{B921A7C0-1B5A-44DC-9B8F-B859D03F18B5}"/>
               </a:ext>
             </a:extLst>
           </p:cNvPr>
@@ -16342,7 +16683,7 @@
           <p:cNvPr id="71" name="ZoneTexte 70">
             <a:extLst>
               <a:ext uri="{FF2B5EF4-FFF2-40B4-BE49-F238E27FC236}">
-                <a16:creationId xmlns:a16="http://schemas.microsoft.com/office/drawing/2014/main" id="{A6F996DC-3659-4F61-BBE3-3B7F40B7FCC8}"/>
+                <a16:creationId xmlns="" xmlns:a16="http://schemas.microsoft.com/office/drawing/2014/main" id="{A6F996DC-3659-4F61-BBE3-3B7F40B7FCC8}"/>
               </a:ext>
             </a:extLst>
           </p:cNvPr>
@@ -16442,7 +16783,7 @@
           <p:cNvPr id="91" name="Image 90">
             <a:extLst>
               <a:ext uri="{FF2B5EF4-FFF2-40B4-BE49-F238E27FC236}">
-                <a16:creationId xmlns:a16="http://schemas.microsoft.com/office/drawing/2014/main" id="{9B56E63F-FA24-4599-953E-7E19EC65AC44}"/>
+                <a16:creationId xmlns="" xmlns:a16="http://schemas.microsoft.com/office/drawing/2014/main" id="{9B56E63F-FA24-4599-953E-7E19EC65AC44}"/>
               </a:ext>
             </a:extLst>
           </p:cNvPr>
@@ -16482,7 +16823,7 @@
           <p:cNvPr id="76" name="Image 75">
             <a:extLst>
               <a:ext uri="{FF2B5EF4-FFF2-40B4-BE49-F238E27FC236}">
-                <a16:creationId xmlns:a16="http://schemas.microsoft.com/office/drawing/2014/main" id="{D8FD60E6-6BF1-4DCC-B6A0-23D96A7AB987}"/>
+                <a16:creationId xmlns="" xmlns:a16="http://schemas.microsoft.com/office/drawing/2014/main" id="{D8FD60E6-6BF1-4DCC-B6A0-23D96A7AB987}"/>
               </a:ext>
             </a:extLst>
           </p:cNvPr>
@@ -16512,7 +16853,7 @@
           <p:cNvPr id="80" name="Image 79">
             <a:extLst>
               <a:ext uri="{FF2B5EF4-FFF2-40B4-BE49-F238E27FC236}">
-                <a16:creationId xmlns:a16="http://schemas.microsoft.com/office/drawing/2014/main" id="{31313999-8238-4C58-9E61-70180115F202}"/>
+                <a16:creationId xmlns="" xmlns:a16="http://schemas.microsoft.com/office/drawing/2014/main" id="{31313999-8238-4C58-9E61-70180115F202}"/>
               </a:ext>
             </a:extLst>
           </p:cNvPr>
@@ -16552,7 +16893,7 @@
           <p:cNvPr id="3" name="Image 2">
             <a:extLst>
               <a:ext uri="{FF2B5EF4-FFF2-40B4-BE49-F238E27FC236}">
-                <a16:creationId xmlns:a16="http://schemas.microsoft.com/office/drawing/2014/main" id="{D920BF15-90E0-4D0B-94E6-5C84AA9BDD15}"/>
+                <a16:creationId xmlns="" xmlns:a16="http://schemas.microsoft.com/office/drawing/2014/main" id="{D920BF15-90E0-4D0B-94E6-5C84AA9BDD15}"/>
               </a:ext>
             </a:extLst>
           </p:cNvPr>
@@ -16592,7 +16933,7 @@
           <p:cNvPr id="96" name="Image 95">
             <a:extLst>
               <a:ext uri="{FF2B5EF4-FFF2-40B4-BE49-F238E27FC236}">
-                <a16:creationId xmlns:a16="http://schemas.microsoft.com/office/drawing/2014/main" id="{E680829F-742D-4F56-B6C7-49EEB73618B9}"/>
+                <a16:creationId xmlns="" xmlns:a16="http://schemas.microsoft.com/office/drawing/2014/main" id="{E680829F-742D-4F56-B6C7-49EEB73618B9}"/>
               </a:ext>
             </a:extLst>
           </p:cNvPr>
@@ -16632,7 +16973,7 @@
           <p:cNvPr id="105" name="Rectangle 104">
             <a:extLst>
               <a:ext uri="{FF2B5EF4-FFF2-40B4-BE49-F238E27FC236}">
-                <a16:creationId xmlns:a16="http://schemas.microsoft.com/office/drawing/2014/main" id="{E8EFF9F4-E542-45EA-AB81-53614F2625B4}"/>
+                <a16:creationId xmlns="" xmlns:a16="http://schemas.microsoft.com/office/drawing/2014/main" id="{E8EFF9F4-E542-45EA-AB81-53614F2625B4}"/>
               </a:ext>
             </a:extLst>
           </p:cNvPr>
@@ -16685,7 +17026,7 @@
           <p:cNvPr id="20" name="Rectangle 19">
             <a:extLst>
               <a:ext uri="{FF2B5EF4-FFF2-40B4-BE49-F238E27FC236}">
-                <a16:creationId xmlns:a16="http://schemas.microsoft.com/office/drawing/2014/main" id="{7623C33D-6730-4940-8BF5-217728A27888}"/>
+                <a16:creationId xmlns="" xmlns:a16="http://schemas.microsoft.com/office/drawing/2014/main" id="{7623C33D-6730-4940-8BF5-217728A27888}"/>
               </a:ext>
             </a:extLst>
           </p:cNvPr>
@@ -16840,7 +17181,7 @@
           <p:cNvPr id="4" name="Rectangle 3">
             <a:extLst>
               <a:ext uri="{FF2B5EF4-FFF2-40B4-BE49-F238E27FC236}">
-                <a16:creationId xmlns:a16="http://schemas.microsoft.com/office/drawing/2014/main" id="{29624CCF-C634-42D5-9AE7-6FD44C6CEE5A}"/>
+                <a16:creationId xmlns="" xmlns:a16="http://schemas.microsoft.com/office/drawing/2014/main" id="{29624CCF-C634-42D5-9AE7-6FD44C6CEE5A}"/>
               </a:ext>
             </a:extLst>
           </p:cNvPr>
@@ -16880,7 +17221,7 @@
           <p:cNvPr id="5" name="Rectangle 4">
             <a:extLst>
               <a:ext uri="{FF2B5EF4-FFF2-40B4-BE49-F238E27FC236}">
-                <a16:creationId xmlns:a16="http://schemas.microsoft.com/office/drawing/2014/main" id="{4AAC3DFA-219C-4022-AA88-01B9DDAC9785}"/>
+                <a16:creationId xmlns="" xmlns:a16="http://schemas.microsoft.com/office/drawing/2014/main" id="{4AAC3DFA-219C-4022-AA88-01B9DDAC9785}"/>
               </a:ext>
             </a:extLst>
           </p:cNvPr>
@@ -16920,7 +17261,7 @@
           <p:cNvPr id="6" name="Rectangle 5">
             <a:extLst>
               <a:ext uri="{FF2B5EF4-FFF2-40B4-BE49-F238E27FC236}">
-                <a16:creationId xmlns:a16="http://schemas.microsoft.com/office/drawing/2014/main" id="{156CFB43-A758-4C91-92CF-CE16FD9510C5}"/>
+                <a16:creationId xmlns="" xmlns:a16="http://schemas.microsoft.com/office/drawing/2014/main" id="{156CFB43-A758-4C91-92CF-CE16FD9510C5}"/>
               </a:ext>
             </a:extLst>
           </p:cNvPr>
@@ -16960,7 +17301,7 @@
           <p:cNvPr id="7" name="Rectangle 6">
             <a:extLst>
               <a:ext uri="{FF2B5EF4-FFF2-40B4-BE49-F238E27FC236}">
-                <a16:creationId xmlns:a16="http://schemas.microsoft.com/office/drawing/2014/main" id="{6DBC621D-0104-4A55-9CA6-708AA45577CF}"/>
+                <a16:creationId xmlns="" xmlns:a16="http://schemas.microsoft.com/office/drawing/2014/main" id="{6DBC621D-0104-4A55-9CA6-708AA45577CF}"/>
               </a:ext>
             </a:extLst>
           </p:cNvPr>
@@ -17000,7 +17341,7 @@
           <p:cNvPr id="9" name="Connecteur droit avec flèche 8">
             <a:extLst>
               <a:ext uri="{FF2B5EF4-FFF2-40B4-BE49-F238E27FC236}">
-                <a16:creationId xmlns:a16="http://schemas.microsoft.com/office/drawing/2014/main" id="{6A9351DB-7B43-4246-B546-38DD0F44CA71}"/>
+                <a16:creationId xmlns="" xmlns:a16="http://schemas.microsoft.com/office/drawing/2014/main" id="{6A9351DB-7B43-4246-B546-38DD0F44CA71}"/>
               </a:ext>
             </a:extLst>
           </p:cNvPr>
@@ -17044,7 +17385,7 @@
           <p:cNvPr id="10" name="ZoneTexte 9">
             <a:extLst>
               <a:ext uri="{FF2B5EF4-FFF2-40B4-BE49-F238E27FC236}">
-                <a16:creationId xmlns:a16="http://schemas.microsoft.com/office/drawing/2014/main" id="{F70E61E1-5B45-400D-9A21-97440A88D143}"/>
+                <a16:creationId xmlns="" xmlns:a16="http://schemas.microsoft.com/office/drawing/2014/main" id="{F70E61E1-5B45-400D-9A21-97440A88D143}"/>
               </a:ext>
             </a:extLst>
           </p:cNvPr>
@@ -17096,7 +17437,7 @@
           <p:cNvPr id="11" name="Rectangle 10">
             <a:extLst>
               <a:ext uri="{FF2B5EF4-FFF2-40B4-BE49-F238E27FC236}">
-                <a16:creationId xmlns:a16="http://schemas.microsoft.com/office/drawing/2014/main" id="{AD8F2615-543F-4AAE-ADFC-D4C8A1FC70CB}"/>
+                <a16:creationId xmlns="" xmlns:a16="http://schemas.microsoft.com/office/drawing/2014/main" id="{AD8F2615-543F-4AAE-ADFC-D4C8A1FC70CB}"/>
               </a:ext>
             </a:extLst>
           </p:cNvPr>
@@ -17136,7 +17477,7 @@
           <p:cNvPr id="12" name="Rectangle 11">
             <a:extLst>
               <a:ext uri="{FF2B5EF4-FFF2-40B4-BE49-F238E27FC236}">
-                <a16:creationId xmlns:a16="http://schemas.microsoft.com/office/drawing/2014/main" id="{CD3967B8-9C66-4FC7-ACFC-C27C7C0A8A92}"/>
+                <a16:creationId xmlns="" xmlns:a16="http://schemas.microsoft.com/office/drawing/2014/main" id="{CD3967B8-9C66-4FC7-ACFC-C27C7C0A8A92}"/>
               </a:ext>
             </a:extLst>
           </p:cNvPr>
@@ -17176,7 +17517,7 @@
           <p:cNvPr id="13" name="Connecteur droit avec flèche 12">
             <a:extLst>
               <a:ext uri="{FF2B5EF4-FFF2-40B4-BE49-F238E27FC236}">
-                <a16:creationId xmlns:a16="http://schemas.microsoft.com/office/drawing/2014/main" id="{80EEE1CB-2C56-41A1-BAF1-26BEED32A73A}"/>
+                <a16:creationId xmlns="" xmlns:a16="http://schemas.microsoft.com/office/drawing/2014/main" id="{80EEE1CB-2C56-41A1-BAF1-26BEED32A73A}"/>
               </a:ext>
             </a:extLst>
           </p:cNvPr>
@@ -17220,7 +17561,7 @@
           <p:cNvPr id="14" name="ZoneTexte 13">
             <a:extLst>
               <a:ext uri="{FF2B5EF4-FFF2-40B4-BE49-F238E27FC236}">
-                <a16:creationId xmlns:a16="http://schemas.microsoft.com/office/drawing/2014/main" id="{296964F9-A51A-4A26-970E-15DF1157E452}"/>
+                <a16:creationId xmlns="" xmlns:a16="http://schemas.microsoft.com/office/drawing/2014/main" id="{296964F9-A51A-4A26-970E-15DF1157E452}"/>
               </a:ext>
             </a:extLst>
           </p:cNvPr>
@@ -17269,7 +17610,7 @@
           <p:cNvPr id="15" name="Connecteur droit avec flèche 14">
             <a:extLst>
               <a:ext uri="{FF2B5EF4-FFF2-40B4-BE49-F238E27FC236}">
-                <a16:creationId xmlns:a16="http://schemas.microsoft.com/office/drawing/2014/main" id="{BE3E30F0-EB16-4137-B1AE-754B29D77618}"/>
+                <a16:creationId xmlns="" xmlns:a16="http://schemas.microsoft.com/office/drawing/2014/main" id="{BE3E30F0-EB16-4137-B1AE-754B29D77618}"/>
               </a:ext>
             </a:extLst>
           </p:cNvPr>
@@ -17310,7 +17651,7 @@
           <p:cNvPr id="17" name="ZoneTexte 16">
             <a:extLst>
               <a:ext uri="{FF2B5EF4-FFF2-40B4-BE49-F238E27FC236}">
-                <a16:creationId xmlns:a16="http://schemas.microsoft.com/office/drawing/2014/main" id="{9E94760C-13EF-4F9C-B4AC-AA93BC4616BC}"/>
+                <a16:creationId xmlns="" xmlns:a16="http://schemas.microsoft.com/office/drawing/2014/main" id="{9E94760C-13EF-4F9C-B4AC-AA93BC4616BC}"/>
               </a:ext>
             </a:extLst>
           </p:cNvPr>
@@ -17363,7 +17704,7 @@
           <p:cNvPr id="19" name="Rectangle 18">
             <a:extLst>
               <a:ext uri="{FF2B5EF4-FFF2-40B4-BE49-F238E27FC236}">
-                <a16:creationId xmlns:a16="http://schemas.microsoft.com/office/drawing/2014/main" id="{BF62C291-9599-43B4-90AC-89CB3B4BB296}"/>
+                <a16:creationId xmlns="" xmlns:a16="http://schemas.microsoft.com/office/drawing/2014/main" id="{BF62C291-9599-43B4-90AC-89CB3B4BB296}"/>
               </a:ext>
             </a:extLst>
           </p:cNvPr>
@@ -17403,7 +17744,7 @@
           <p:cNvPr id="20" name="Rectangle 19">
             <a:extLst>
               <a:ext uri="{FF2B5EF4-FFF2-40B4-BE49-F238E27FC236}">
-                <a16:creationId xmlns:a16="http://schemas.microsoft.com/office/drawing/2014/main" id="{9E8DE3A5-4995-4CEA-9A3F-E63D9292C62A}"/>
+                <a16:creationId xmlns="" xmlns:a16="http://schemas.microsoft.com/office/drawing/2014/main" id="{9E8DE3A5-4995-4CEA-9A3F-E63D9292C62A}"/>
               </a:ext>
             </a:extLst>
           </p:cNvPr>
@@ -17443,7 +17784,7 @@
           <p:cNvPr id="22" name="ZoneTexte 21">
             <a:extLst>
               <a:ext uri="{FF2B5EF4-FFF2-40B4-BE49-F238E27FC236}">
-                <a16:creationId xmlns:a16="http://schemas.microsoft.com/office/drawing/2014/main" id="{099B2D03-0904-4C6A-B5E1-4F0E98635895}"/>
+                <a16:creationId xmlns="" xmlns:a16="http://schemas.microsoft.com/office/drawing/2014/main" id="{099B2D03-0904-4C6A-B5E1-4F0E98635895}"/>
               </a:ext>
             </a:extLst>
           </p:cNvPr>
@@ -17498,7 +17839,7 @@
           <p:cNvPr id="24" name="Rectangle 23">
             <a:extLst>
               <a:ext uri="{FF2B5EF4-FFF2-40B4-BE49-F238E27FC236}">
-                <a16:creationId xmlns:a16="http://schemas.microsoft.com/office/drawing/2014/main" id="{19EEA85B-5263-4248-9D79-772B3C66C301}"/>
+                <a16:creationId xmlns="" xmlns:a16="http://schemas.microsoft.com/office/drawing/2014/main" id="{19EEA85B-5263-4248-9D79-772B3C66C301}"/>
               </a:ext>
             </a:extLst>
           </p:cNvPr>
@@ -17656,7 +17997,7 @@
           <p:cNvPr id="2" name="Rectangle 1">
             <a:extLst>
               <a:ext uri="{FF2B5EF4-FFF2-40B4-BE49-F238E27FC236}">
-                <a16:creationId xmlns:a16="http://schemas.microsoft.com/office/drawing/2014/main" id="{6F66FF20-22EB-4493-B1EF-AB51D0FBE262}"/>
+                <a16:creationId xmlns="" xmlns:a16="http://schemas.microsoft.com/office/drawing/2014/main" id="{6F66FF20-22EB-4493-B1EF-AB51D0FBE262}"/>
               </a:ext>
             </a:extLst>
           </p:cNvPr>
@@ -17696,7 +18037,7 @@
           <p:cNvPr id="21" name="Connecteur droit avec flèche 20">
             <a:extLst>
               <a:ext uri="{FF2B5EF4-FFF2-40B4-BE49-F238E27FC236}">
-                <a16:creationId xmlns:a16="http://schemas.microsoft.com/office/drawing/2014/main" id="{1B9E9DBE-C1EA-475F-9225-5F5575DCAC7C}"/>
+                <a16:creationId xmlns="" xmlns:a16="http://schemas.microsoft.com/office/drawing/2014/main" id="{1B9E9DBE-C1EA-475F-9225-5F5575DCAC7C}"/>
               </a:ext>
             </a:extLst>
           </p:cNvPr>
@@ -17740,7 +18081,7 @@
           <p:cNvPr id="23" name="ZoneTexte 22">
             <a:extLst>
               <a:ext uri="{FF2B5EF4-FFF2-40B4-BE49-F238E27FC236}">
-                <a16:creationId xmlns:a16="http://schemas.microsoft.com/office/drawing/2014/main" id="{ED10DB8B-C81C-4D19-88F1-3EBA338CB700}"/>
+                <a16:creationId xmlns="" xmlns:a16="http://schemas.microsoft.com/office/drawing/2014/main" id="{ED10DB8B-C81C-4D19-88F1-3EBA338CB700}"/>
               </a:ext>
             </a:extLst>
           </p:cNvPr>
@@ -17787,7 +18128,7 @@
           <p:cNvPr id="3" name="Rectangle 2">
             <a:extLst>
               <a:ext uri="{FF2B5EF4-FFF2-40B4-BE49-F238E27FC236}">
-                <a16:creationId xmlns:a16="http://schemas.microsoft.com/office/drawing/2014/main" id="{DEBDC273-6406-438D-B9C0-08C52FB26D90}"/>
+                <a16:creationId xmlns="" xmlns:a16="http://schemas.microsoft.com/office/drawing/2014/main" id="{DEBDC273-6406-438D-B9C0-08C52FB26D90}"/>
               </a:ext>
             </a:extLst>
           </p:cNvPr>
@@ -17849,7 +18190,7 @@
           <p:cNvPr id="8" name="Rectangle 7">
             <a:extLst>
               <a:ext uri="{FF2B5EF4-FFF2-40B4-BE49-F238E27FC236}">
-                <a16:creationId xmlns:a16="http://schemas.microsoft.com/office/drawing/2014/main" id="{989BD6F3-E2EA-4273-803B-DAE20BB92BD3}"/>
+                <a16:creationId xmlns="" xmlns:a16="http://schemas.microsoft.com/office/drawing/2014/main" id="{989BD6F3-E2EA-4273-803B-DAE20BB92BD3}"/>
               </a:ext>
             </a:extLst>
           </p:cNvPr>
@@ -17889,7 +18230,7 @@
           <p:cNvPr id="18" name="Rectangle 17">
             <a:extLst>
               <a:ext uri="{FF2B5EF4-FFF2-40B4-BE49-F238E27FC236}">
-                <a16:creationId xmlns:a16="http://schemas.microsoft.com/office/drawing/2014/main" id="{1969E49F-0E16-4B9D-9102-54F7A1921F43}"/>
+                <a16:creationId xmlns="" xmlns:a16="http://schemas.microsoft.com/office/drawing/2014/main" id="{1969E49F-0E16-4B9D-9102-54F7A1921F43}"/>
               </a:ext>
             </a:extLst>
           </p:cNvPr>
@@ -18016,7 +18357,7 @@
           <p:cNvPr id="25" name="Rectangle 24">
             <a:extLst>
               <a:ext uri="{FF2B5EF4-FFF2-40B4-BE49-F238E27FC236}">
-                <a16:creationId xmlns:a16="http://schemas.microsoft.com/office/drawing/2014/main" id="{68B81455-9A5D-45A2-84BC-ABCBA7A75CEA}"/>
+                <a16:creationId xmlns="" xmlns:a16="http://schemas.microsoft.com/office/drawing/2014/main" id="{68B81455-9A5D-45A2-84BC-ABCBA7A75CEA}"/>
               </a:ext>
             </a:extLst>
           </p:cNvPr>
@@ -18102,7 +18443,7 @@
           <p:cNvPr id="26" name="Rectangle 25">
             <a:extLst>
               <a:ext uri="{FF2B5EF4-FFF2-40B4-BE49-F238E27FC236}">
-                <a16:creationId xmlns:a16="http://schemas.microsoft.com/office/drawing/2014/main" id="{0D1F2B18-A2F1-48DC-B472-FD556AC4C1C2}"/>
+                <a16:creationId xmlns="" xmlns:a16="http://schemas.microsoft.com/office/drawing/2014/main" id="{0D1F2B18-A2F1-48DC-B472-FD556AC4C1C2}"/>
               </a:ext>
             </a:extLst>
           </p:cNvPr>
@@ -18188,7 +18529,7 @@
           <p:cNvPr id="28" name="Rectangle 27">
             <a:extLst>
               <a:ext uri="{FF2B5EF4-FFF2-40B4-BE49-F238E27FC236}">
-                <a16:creationId xmlns:a16="http://schemas.microsoft.com/office/drawing/2014/main" id="{DC1C173E-6052-4EE1-AD7F-905A78456CFA}"/>
+                <a16:creationId xmlns="" xmlns:a16="http://schemas.microsoft.com/office/drawing/2014/main" id="{DC1C173E-6052-4EE1-AD7F-905A78456CFA}"/>
               </a:ext>
             </a:extLst>
           </p:cNvPr>
@@ -18274,7 +18615,7 @@
           <p:cNvPr id="30" name="Rectangle 29">
             <a:extLst>
               <a:ext uri="{FF2B5EF4-FFF2-40B4-BE49-F238E27FC236}">
-                <a16:creationId xmlns:a16="http://schemas.microsoft.com/office/drawing/2014/main" id="{E698C044-0226-4EF1-AA75-A4AF2938EEE4}"/>
+                <a16:creationId xmlns="" xmlns:a16="http://schemas.microsoft.com/office/drawing/2014/main" id="{E698C044-0226-4EF1-AA75-A4AF2938EEE4}"/>
               </a:ext>
             </a:extLst>
           </p:cNvPr>

--- a/User Guide/Figures.pptx
+++ b/User Guide/Figures.pptx
@@ -312,7 +312,7 @@
           <a:p>
             <a:fld id="{98D7A7FD-AC4C-4F89-8B40-F1EA51214CCC}" type="datetimeFigureOut">
               <a:rPr lang="fr-FR" smtClean="0"/>
-              <a:t>16/10/2020</a:t>
+              <a:t>23/10/2020</a:t>
             </a:fld>
             <a:endParaRPr lang="fr-FR"/>
           </a:p>
@@ -480,7 +480,7 @@
           <a:p>
             <a:fld id="{98D7A7FD-AC4C-4F89-8B40-F1EA51214CCC}" type="datetimeFigureOut">
               <a:rPr lang="fr-FR" smtClean="0"/>
-              <a:t>16/10/2020</a:t>
+              <a:t>23/10/2020</a:t>
             </a:fld>
             <a:endParaRPr lang="fr-FR"/>
           </a:p>
@@ -658,7 +658,7 @@
           <a:p>
             <a:fld id="{98D7A7FD-AC4C-4F89-8B40-F1EA51214CCC}" type="datetimeFigureOut">
               <a:rPr lang="fr-FR" smtClean="0"/>
-              <a:t>16/10/2020</a:t>
+              <a:t>23/10/2020</a:t>
             </a:fld>
             <a:endParaRPr lang="fr-FR"/>
           </a:p>
@@ -826,7 +826,7 @@
           <a:p>
             <a:fld id="{98D7A7FD-AC4C-4F89-8B40-F1EA51214CCC}" type="datetimeFigureOut">
               <a:rPr lang="fr-FR" smtClean="0"/>
-              <a:t>16/10/2020</a:t>
+              <a:t>23/10/2020</a:t>
             </a:fld>
             <a:endParaRPr lang="fr-FR"/>
           </a:p>
@@ -1071,7 +1071,7 @@
           <a:p>
             <a:fld id="{98D7A7FD-AC4C-4F89-8B40-F1EA51214CCC}" type="datetimeFigureOut">
               <a:rPr lang="fr-FR" smtClean="0"/>
-              <a:t>16/10/2020</a:t>
+              <a:t>23/10/2020</a:t>
             </a:fld>
             <a:endParaRPr lang="fr-FR"/>
           </a:p>
@@ -1356,7 +1356,7 @@
           <a:p>
             <a:fld id="{98D7A7FD-AC4C-4F89-8B40-F1EA51214CCC}" type="datetimeFigureOut">
               <a:rPr lang="fr-FR" smtClean="0"/>
-              <a:t>16/10/2020</a:t>
+              <a:t>23/10/2020</a:t>
             </a:fld>
             <a:endParaRPr lang="fr-FR"/>
           </a:p>
@@ -1775,7 +1775,7 @@
           <a:p>
             <a:fld id="{98D7A7FD-AC4C-4F89-8B40-F1EA51214CCC}" type="datetimeFigureOut">
               <a:rPr lang="fr-FR" smtClean="0"/>
-              <a:t>16/10/2020</a:t>
+              <a:t>23/10/2020</a:t>
             </a:fld>
             <a:endParaRPr lang="fr-FR"/>
           </a:p>
@@ -1892,7 +1892,7 @@
           <a:p>
             <a:fld id="{98D7A7FD-AC4C-4F89-8B40-F1EA51214CCC}" type="datetimeFigureOut">
               <a:rPr lang="fr-FR" smtClean="0"/>
-              <a:t>16/10/2020</a:t>
+              <a:t>23/10/2020</a:t>
             </a:fld>
             <a:endParaRPr lang="fr-FR"/>
           </a:p>
@@ -1987,7 +1987,7 @@
           <a:p>
             <a:fld id="{98D7A7FD-AC4C-4F89-8B40-F1EA51214CCC}" type="datetimeFigureOut">
               <a:rPr lang="fr-FR" smtClean="0"/>
-              <a:t>16/10/2020</a:t>
+              <a:t>23/10/2020</a:t>
             </a:fld>
             <a:endParaRPr lang="fr-FR"/>
           </a:p>
@@ -2262,7 +2262,7 @@
           <a:p>
             <a:fld id="{98D7A7FD-AC4C-4F89-8B40-F1EA51214CCC}" type="datetimeFigureOut">
               <a:rPr lang="fr-FR" smtClean="0"/>
-              <a:t>16/10/2020</a:t>
+              <a:t>23/10/2020</a:t>
             </a:fld>
             <a:endParaRPr lang="fr-FR"/>
           </a:p>
@@ -2514,7 +2514,7 @@
           <a:p>
             <a:fld id="{98D7A7FD-AC4C-4F89-8B40-F1EA51214CCC}" type="datetimeFigureOut">
               <a:rPr lang="fr-FR" smtClean="0"/>
-              <a:t>16/10/2020</a:t>
+              <a:t>23/10/2020</a:t>
             </a:fld>
             <a:endParaRPr lang="fr-FR"/>
           </a:p>
@@ -2725,7 +2725,7 @@
           <a:p>
             <a:fld id="{98D7A7FD-AC4C-4F89-8B40-F1EA51214CCC}" type="datetimeFigureOut">
               <a:rPr lang="fr-FR" smtClean="0"/>
-              <a:t>16/10/2020</a:t>
+              <a:t>23/10/2020</a:t>
             </a:fld>
             <a:endParaRPr lang="fr-FR"/>
           </a:p>
@@ -3775,7 +3775,7 @@
           <p:cNvPr id="20" name="Groupe 19">
             <a:extLst>
               <a:ext uri="{FF2B5EF4-FFF2-40B4-BE49-F238E27FC236}">
-                <a16:creationId xmlns="" xmlns:a16="http://schemas.microsoft.com/office/drawing/2014/main" id="{B59A1C3A-B6DF-4CE9-9D8C-57B3FE79E1E4}"/>
+                <a16:creationId xmlns:a16="http://schemas.microsoft.com/office/drawing/2014/main" xmlns="" id="{B59A1C3A-B6DF-4CE9-9D8C-57B3FE79E1E4}"/>
               </a:ext>
             </a:extLst>
           </p:cNvPr>
@@ -3795,7 +3795,7 @@
             <p:cNvPr id="5" name="Image 4">
               <a:extLst>
                 <a:ext uri="{FF2B5EF4-FFF2-40B4-BE49-F238E27FC236}">
-                  <a16:creationId xmlns="" xmlns:a16="http://schemas.microsoft.com/office/drawing/2014/main" id="{4E58B09F-60E9-44E0-814B-26D8DF125AB0}"/>
+                  <a16:creationId xmlns:a16="http://schemas.microsoft.com/office/drawing/2014/main" xmlns="" id="{4E58B09F-60E9-44E0-814B-26D8DF125AB0}"/>
                 </a:ext>
               </a:extLst>
             </p:cNvPr>
@@ -3830,7 +3830,7 @@
             <p:cNvPr id="7" name="Image 6">
               <a:extLst>
                 <a:ext uri="{FF2B5EF4-FFF2-40B4-BE49-F238E27FC236}">
-                  <a16:creationId xmlns="" xmlns:a16="http://schemas.microsoft.com/office/drawing/2014/main" id="{F0EEE7BD-737D-4F23-A7AB-476FC61C65B3}"/>
+                  <a16:creationId xmlns:a16="http://schemas.microsoft.com/office/drawing/2014/main" xmlns="" id="{F0EEE7BD-737D-4F23-A7AB-476FC61C65B3}"/>
                 </a:ext>
               </a:extLst>
             </p:cNvPr>
@@ -3865,7 +3865,7 @@
             <p:cNvPr id="8" name="Image 7">
               <a:extLst>
                 <a:ext uri="{FF2B5EF4-FFF2-40B4-BE49-F238E27FC236}">
-                  <a16:creationId xmlns="" xmlns:a16="http://schemas.microsoft.com/office/drawing/2014/main" id="{BD3AFA10-8BC6-408A-AC04-5776EFDC2689}"/>
+                  <a16:creationId xmlns:a16="http://schemas.microsoft.com/office/drawing/2014/main" xmlns="" id="{BD3AFA10-8BC6-408A-AC04-5776EFDC2689}"/>
                 </a:ext>
               </a:extLst>
             </p:cNvPr>
@@ -3900,7 +3900,7 @@
             <p:cNvPr id="10" name="Image 9">
               <a:extLst>
                 <a:ext uri="{FF2B5EF4-FFF2-40B4-BE49-F238E27FC236}">
-                  <a16:creationId xmlns="" xmlns:a16="http://schemas.microsoft.com/office/drawing/2014/main" id="{7C2B32FD-AB9E-4222-97B6-CE25985843E2}"/>
+                  <a16:creationId xmlns:a16="http://schemas.microsoft.com/office/drawing/2014/main" xmlns="" id="{7C2B32FD-AB9E-4222-97B6-CE25985843E2}"/>
                 </a:ext>
               </a:extLst>
             </p:cNvPr>
@@ -3935,7 +3935,7 @@
             <p:cNvPr id="17" name="Image 16">
               <a:extLst>
                 <a:ext uri="{FF2B5EF4-FFF2-40B4-BE49-F238E27FC236}">
-                  <a16:creationId xmlns="" xmlns:a16="http://schemas.microsoft.com/office/drawing/2014/main" id="{21F2F573-8AFF-46B8-9B9B-ECD77A89AEA4}"/>
+                  <a16:creationId xmlns:a16="http://schemas.microsoft.com/office/drawing/2014/main" xmlns="" id="{21F2F573-8AFF-46B8-9B9B-ECD77A89AEA4}"/>
                 </a:ext>
               </a:extLst>
             </p:cNvPr>
@@ -3970,7 +3970,7 @@
             <p:cNvPr id="18" name="Image 17">
               <a:extLst>
                 <a:ext uri="{FF2B5EF4-FFF2-40B4-BE49-F238E27FC236}">
-                  <a16:creationId xmlns="" xmlns:a16="http://schemas.microsoft.com/office/drawing/2014/main" id="{22A81E76-6800-4D99-ABD1-B6A27055D4D8}"/>
+                  <a16:creationId xmlns:a16="http://schemas.microsoft.com/office/drawing/2014/main" xmlns="" id="{22A81E76-6800-4D99-ABD1-B6A27055D4D8}"/>
                 </a:ext>
               </a:extLst>
             </p:cNvPr>
@@ -4125,16 +4125,15 @@
           </p:cNvPicPr>
           <p:nvPr/>
         </p:nvPicPr>
-        <p:blipFill>
+        <p:blipFill rotWithShape="1">
           <a:blip r:embed="rId2"/>
-          <a:stretch>
-            <a:fillRect/>
-          </a:stretch>
+          <a:srcRect t="12522"/>
+          <a:stretch/>
         </p:blipFill>
         <p:spPr>
           <a:xfrm>
-            <a:off x="1331640" y="1772816"/>
-            <a:ext cx="2523299" cy="2300327"/>
+            <a:off x="1331640" y="2060848"/>
+            <a:ext cx="2523299" cy="2012295"/>
           </a:xfrm>
           <a:prstGeom prst="rect">
             <a:avLst/>
@@ -4317,9 +4316,59 @@
           </a:prstGeom>
         </p:spPr>
       </p:pic>
+      <p:sp>
+        <p:nvSpPr>
+          <p:cNvPr id="6" name="ZoneTexte 5"/>
+          <p:cNvSpPr txBox="1"/>
+          <p:nvPr/>
+        </p:nvSpPr>
+        <p:spPr>
+          <a:xfrm>
+            <a:off x="2380659" y="1674298"/>
+            <a:ext cx="1386918" cy="338554"/>
+          </a:xfrm>
+          <a:prstGeom prst="rect">
+            <a:avLst/>
+          </a:prstGeom>
+          <a:solidFill>
+            <a:schemeClr val="bg1"/>
+          </a:solidFill>
+        </p:spPr>
+        <p:txBody>
+          <a:bodyPr wrap="none" rtlCol="0">
+            <a:spAutoFit/>
+          </a:bodyPr>
+          <a:lstStyle/>
+          <a:p>
+            <a:r>
+              <a:rPr lang="fr-FR" sz="800" dirty="0" smtClean="0">
+                <a:solidFill>
+                  <a:srgbClr val="FF0000"/>
+                </a:solidFill>
+              </a:rPr>
+              <a:t>Transmission points in file</a:t>
+            </a:r>
+          </a:p>
+          <a:p>
+            <a:r>
+              <a:rPr lang="fr-FR" sz="800" dirty="0" smtClean="0"/>
+              <a:t>Transmission </a:t>
+            </a:r>
+            <a:r>
+              <a:rPr lang="fr-FR" sz="800" dirty="0" err="1" smtClean="0"/>
+              <a:t>see</a:t>
+            </a:r>
+            <a:r>
+              <a:rPr lang="fr-FR" sz="800" dirty="0" smtClean="0"/>
+              <a:t> in the code</a:t>
+            </a:r>
+            <a:endParaRPr lang="fr-FR" sz="800" dirty="0"/>
+          </a:p>
+        </p:txBody>
+      </p:sp>
       <p:pic>
         <p:nvPicPr>
-          <p:cNvPr id="11" name="Image 10"/>
+          <p:cNvPr id="15" name="Image 14"/>
           <p:cNvPicPr>
             <a:picLocks noChangeAspect="1"/>
           </p:cNvPicPr>
@@ -4333,14 +4382,74 @@
         </p:blipFill>
         <p:spPr>
           <a:xfrm>
-            <a:off x="5657026" y="1772816"/>
-            <a:ext cx="3206663" cy="2257723"/>
+            <a:off x="2209988" y="1754803"/>
+            <a:ext cx="253214" cy="210053"/>
           </a:xfrm>
           <a:prstGeom prst="rect">
             <a:avLst/>
           </a:prstGeom>
         </p:spPr>
       </p:pic>
+      <p:pic>
+        <p:nvPicPr>
+          <p:cNvPr id="16" name="Image 15"/>
+          <p:cNvPicPr>
+            <a:picLocks noChangeAspect="1"/>
+          </p:cNvPicPr>
+          <p:nvPr/>
+        </p:nvPicPr>
+        <p:blipFill>
+          <a:blip r:embed="rId6"/>
+          <a:stretch>
+            <a:fillRect/>
+          </a:stretch>
+        </p:blipFill>
+        <p:spPr>
+          <a:xfrm>
+            <a:off x="5980563" y="1694116"/>
+            <a:ext cx="3055931" cy="2465939"/>
+          </a:xfrm>
+          <a:prstGeom prst="rect">
+            <a:avLst/>
+          </a:prstGeom>
+        </p:spPr>
+      </p:pic>
+      <p:sp>
+        <p:nvSpPr>
+          <p:cNvPr id="17" name="ZoneTexte 16"/>
+          <p:cNvSpPr txBox="1"/>
+          <p:nvPr/>
+        </p:nvSpPr>
+        <p:spPr>
+          <a:xfrm rot="16200000">
+            <a:off x="880808" y="2730653"/>
+            <a:ext cx="947695" cy="215444"/>
+          </a:xfrm>
+          <a:prstGeom prst="rect">
+            <a:avLst/>
+          </a:prstGeom>
+          <a:solidFill>
+            <a:schemeClr val="bg1"/>
+          </a:solidFill>
+        </p:spPr>
+        <p:txBody>
+          <a:bodyPr wrap="none" rtlCol="0">
+            <a:spAutoFit/>
+          </a:bodyPr>
+          <a:lstStyle/>
+          <a:p>
+            <a:r>
+              <a:rPr lang="fr-FR" sz="800" dirty="0" err="1" smtClean="0"/>
+              <a:t>Intensity</a:t>
+            </a:r>
+            <a:r>
+              <a:rPr lang="fr-FR" sz="800" dirty="0" smtClean="0"/>
+              <a:t> (relative)</a:t>
+            </a:r>
+            <a:endParaRPr lang="fr-FR" sz="800" dirty="0"/>
+          </a:p>
+        </p:txBody>
+      </p:sp>
     </p:spTree>
     <p:extLst>
       <p:ext uri="{BB962C8B-B14F-4D97-AF65-F5344CB8AC3E}">
@@ -9210,7 +9319,7 @@
           <p:cNvPr id="20" name="Forme libre : forme 19">
             <a:extLst>
               <a:ext uri="{FF2B5EF4-FFF2-40B4-BE49-F238E27FC236}">
-                <a16:creationId xmlns="" xmlns:a16="http://schemas.microsoft.com/office/drawing/2014/main" id="{10307375-5E05-49A6-A057-4A2535289726}"/>
+                <a16:creationId xmlns:a16="http://schemas.microsoft.com/office/drawing/2014/main" xmlns="" id="{10307375-5E05-49A6-A057-4A2535289726}"/>
               </a:ext>
             </a:extLst>
           </p:cNvPr>
@@ -9321,7 +9430,7 @@
           <p:cNvPr id="41" name="Forme libre : forme 40">
             <a:extLst>
               <a:ext uri="{FF2B5EF4-FFF2-40B4-BE49-F238E27FC236}">
-                <a16:creationId xmlns="" xmlns:a16="http://schemas.microsoft.com/office/drawing/2014/main" id="{F9CFD920-4B1B-4923-8C77-927359173832}"/>
+                <a16:creationId xmlns:a16="http://schemas.microsoft.com/office/drawing/2014/main" xmlns="" id="{F9CFD920-4B1B-4923-8C77-927359173832}"/>
               </a:ext>
             </a:extLst>
           </p:cNvPr>
@@ -9452,7 +9561,7 @@
           <p:cNvPr id="42" name="Forme libre : forme 41">
             <a:extLst>
               <a:ext uri="{FF2B5EF4-FFF2-40B4-BE49-F238E27FC236}">
-                <a16:creationId xmlns="" xmlns:a16="http://schemas.microsoft.com/office/drawing/2014/main" id="{58DEB443-FE98-4490-9FC4-82F84F91CC20}"/>
+                <a16:creationId xmlns:a16="http://schemas.microsoft.com/office/drawing/2014/main" xmlns="" id="{58DEB443-FE98-4490-9FC4-82F84F91CC20}"/>
               </a:ext>
             </a:extLst>
           </p:cNvPr>
@@ -9613,7 +9722,7 @@
           <p:cNvPr id="44" name="Forme libre : forme 43">
             <a:extLst>
               <a:ext uri="{FF2B5EF4-FFF2-40B4-BE49-F238E27FC236}">
-                <a16:creationId xmlns="" xmlns:a16="http://schemas.microsoft.com/office/drawing/2014/main" id="{7F5FFB4D-A5A0-4031-9E0A-BBA0FA1F1CC9}"/>
+                <a16:creationId xmlns:a16="http://schemas.microsoft.com/office/drawing/2014/main" xmlns="" id="{7F5FFB4D-A5A0-4031-9E0A-BBA0FA1F1CC9}"/>
               </a:ext>
             </a:extLst>
           </p:cNvPr>
@@ -9774,7 +9883,7 @@
           <p:cNvPr id="23" name="Connecteur droit avec flèche 22">
             <a:extLst>
               <a:ext uri="{FF2B5EF4-FFF2-40B4-BE49-F238E27FC236}">
-                <a16:creationId xmlns="" xmlns:a16="http://schemas.microsoft.com/office/drawing/2014/main" id="{27C97AB5-9B82-4D58-856D-D83118290F04}"/>
+                <a16:creationId xmlns:a16="http://schemas.microsoft.com/office/drawing/2014/main" xmlns="" id="{27C97AB5-9B82-4D58-856D-D83118290F04}"/>
               </a:ext>
             </a:extLst>
           </p:cNvPr>
@@ -9816,7 +9925,7 @@
           <p:cNvPr id="48" name="Connecteur droit avec flèche 47">
             <a:extLst>
               <a:ext uri="{FF2B5EF4-FFF2-40B4-BE49-F238E27FC236}">
-                <a16:creationId xmlns="" xmlns:a16="http://schemas.microsoft.com/office/drawing/2014/main" id="{CFDDC667-B792-48BD-AC1C-BDA821B697C6}"/>
+                <a16:creationId xmlns:a16="http://schemas.microsoft.com/office/drawing/2014/main" xmlns="" id="{CFDDC667-B792-48BD-AC1C-BDA821B697C6}"/>
               </a:ext>
             </a:extLst>
           </p:cNvPr>
@@ -9860,7 +9969,7 @@
           <p:cNvPr id="49" name="Connecteur droit avec flèche 48">
             <a:extLst>
               <a:ext uri="{FF2B5EF4-FFF2-40B4-BE49-F238E27FC236}">
-                <a16:creationId xmlns="" xmlns:a16="http://schemas.microsoft.com/office/drawing/2014/main" id="{2D90B2F2-3506-4BDE-8ED6-2B868BA65EFE}"/>
+                <a16:creationId xmlns:a16="http://schemas.microsoft.com/office/drawing/2014/main" xmlns="" id="{2D90B2F2-3506-4BDE-8ED6-2B868BA65EFE}"/>
               </a:ext>
             </a:extLst>
           </p:cNvPr>
@@ -9904,7 +10013,7 @@
           <p:cNvPr id="50" name="ZoneTexte 49">
             <a:extLst>
               <a:ext uri="{FF2B5EF4-FFF2-40B4-BE49-F238E27FC236}">
-                <a16:creationId xmlns="" xmlns:a16="http://schemas.microsoft.com/office/drawing/2014/main" id="{C7F77F3B-9123-435F-BC7F-B8BC744C36CF}"/>
+                <a16:creationId xmlns:a16="http://schemas.microsoft.com/office/drawing/2014/main" xmlns="" id="{C7F77F3B-9123-435F-BC7F-B8BC744C36CF}"/>
               </a:ext>
             </a:extLst>
           </p:cNvPr>
@@ -9939,7 +10048,7 @@
           <p:cNvPr id="51" name="ZoneTexte 50">
             <a:extLst>
               <a:ext uri="{FF2B5EF4-FFF2-40B4-BE49-F238E27FC236}">
-                <a16:creationId xmlns="" xmlns:a16="http://schemas.microsoft.com/office/drawing/2014/main" id="{8BB75C32-4D10-4DA1-A955-6F11C96A6557}"/>
+                <a16:creationId xmlns:a16="http://schemas.microsoft.com/office/drawing/2014/main" xmlns="" id="{8BB75C32-4D10-4DA1-A955-6F11C96A6557}"/>
               </a:ext>
             </a:extLst>
           </p:cNvPr>
@@ -9974,7 +10083,7 @@
           <p:cNvPr id="53" name="ZoneTexte 52">
             <a:extLst>
               <a:ext uri="{FF2B5EF4-FFF2-40B4-BE49-F238E27FC236}">
-                <a16:creationId xmlns="" xmlns:a16="http://schemas.microsoft.com/office/drawing/2014/main" id="{66EC1807-F20E-43E1-A10A-80833D5A6202}"/>
+                <a16:creationId xmlns:a16="http://schemas.microsoft.com/office/drawing/2014/main" xmlns="" id="{66EC1807-F20E-43E1-A10A-80833D5A6202}"/>
               </a:ext>
             </a:extLst>
           </p:cNvPr>
@@ -10009,7 +10118,7 @@
           <p:cNvPr id="54" name="Arc 53">
             <a:extLst>
               <a:ext uri="{FF2B5EF4-FFF2-40B4-BE49-F238E27FC236}">
-                <a16:creationId xmlns="" xmlns:a16="http://schemas.microsoft.com/office/drawing/2014/main" id="{2B36D640-8466-43D1-AD2D-83F7F4210693}"/>
+                <a16:creationId xmlns:a16="http://schemas.microsoft.com/office/drawing/2014/main" xmlns="" id="{2B36D640-8466-43D1-AD2D-83F7F4210693}"/>
               </a:ext>
             </a:extLst>
           </p:cNvPr>
@@ -10061,7 +10170,7 @@
           <p:cNvPr id="55" name="Connecteur droit avec flèche 54">
             <a:extLst>
               <a:ext uri="{FF2B5EF4-FFF2-40B4-BE49-F238E27FC236}">
-                <a16:creationId xmlns="" xmlns:a16="http://schemas.microsoft.com/office/drawing/2014/main" id="{16EB6B66-90DF-4AE9-8B13-8ABEE8AB136B}"/>
+                <a16:creationId xmlns:a16="http://schemas.microsoft.com/office/drawing/2014/main" xmlns="" id="{16EB6B66-90DF-4AE9-8B13-8ABEE8AB136B}"/>
               </a:ext>
             </a:extLst>
           </p:cNvPr>
@@ -10106,7 +10215,7 @@
           <p:cNvPr id="58" name="Connecteur droit 57">
             <a:extLst>
               <a:ext uri="{FF2B5EF4-FFF2-40B4-BE49-F238E27FC236}">
-                <a16:creationId xmlns="" xmlns:a16="http://schemas.microsoft.com/office/drawing/2014/main" id="{C1E430C5-576E-4A3E-ABAA-C0C38435D726}"/>
+                <a16:creationId xmlns:a16="http://schemas.microsoft.com/office/drawing/2014/main" xmlns="" id="{C1E430C5-576E-4A3E-ABAA-C0C38435D726}"/>
               </a:ext>
             </a:extLst>
           </p:cNvPr>
@@ -10151,7 +10260,7 @@
           <p:cNvPr id="61" name="Arc 60">
             <a:extLst>
               <a:ext uri="{FF2B5EF4-FFF2-40B4-BE49-F238E27FC236}">
-                <a16:creationId xmlns="" xmlns:a16="http://schemas.microsoft.com/office/drawing/2014/main" id="{5122B73C-468C-408E-B0BF-A26E3081556F}"/>
+                <a16:creationId xmlns:a16="http://schemas.microsoft.com/office/drawing/2014/main" xmlns="" id="{5122B73C-468C-408E-B0BF-A26E3081556F}"/>
               </a:ext>
             </a:extLst>
           </p:cNvPr>
@@ -10203,7 +10312,7 @@
           <p:cNvPr id="62" name="ZoneTexte 61">
             <a:extLst>
               <a:ext uri="{FF2B5EF4-FFF2-40B4-BE49-F238E27FC236}">
-                <a16:creationId xmlns="" xmlns:a16="http://schemas.microsoft.com/office/drawing/2014/main" id="{411FDB64-6510-4A34-9EC4-AFD5C3C4EC40}"/>
+                <a16:creationId xmlns:a16="http://schemas.microsoft.com/office/drawing/2014/main" xmlns="" id="{411FDB64-6510-4A34-9EC4-AFD5C3C4EC40}"/>
               </a:ext>
             </a:extLst>
           </p:cNvPr>
@@ -10241,7 +10350,7 @@
           <p:cNvPr id="63" name="ZoneTexte 62">
             <a:extLst>
               <a:ext uri="{FF2B5EF4-FFF2-40B4-BE49-F238E27FC236}">
-                <a16:creationId xmlns="" xmlns:a16="http://schemas.microsoft.com/office/drawing/2014/main" id="{6E6AB492-B285-4C73-9EB1-04F448FA98DA}"/>
+                <a16:creationId xmlns:a16="http://schemas.microsoft.com/office/drawing/2014/main" xmlns="" id="{6E6AB492-B285-4C73-9EB1-04F448FA98DA}"/>
               </a:ext>
             </a:extLst>
           </p:cNvPr>
@@ -13362,7 +13471,7 @@
           <p:cNvPr id="6" name="Connecteur droit avec flèche 5">
             <a:extLst>
               <a:ext uri="{FF2B5EF4-FFF2-40B4-BE49-F238E27FC236}">
-                <a16:creationId xmlns="" xmlns:a16="http://schemas.microsoft.com/office/drawing/2014/main" id="{4FF06059-17DE-46BD-BD7D-C5176EF526C0}"/>
+                <a16:creationId xmlns:a16="http://schemas.microsoft.com/office/drawing/2014/main" xmlns="" id="{4FF06059-17DE-46BD-BD7D-C5176EF526C0}"/>
               </a:ext>
             </a:extLst>
           </p:cNvPr>
@@ -13406,7 +13515,7 @@
           <p:cNvPr id="7" name="Connecteur droit avec flèche 6">
             <a:extLst>
               <a:ext uri="{FF2B5EF4-FFF2-40B4-BE49-F238E27FC236}">
-                <a16:creationId xmlns="" xmlns:a16="http://schemas.microsoft.com/office/drawing/2014/main" id="{7B7939D3-CA72-40F5-9A7C-34120B33B6F9}"/>
+                <a16:creationId xmlns:a16="http://schemas.microsoft.com/office/drawing/2014/main" xmlns="" id="{7B7939D3-CA72-40F5-9A7C-34120B33B6F9}"/>
               </a:ext>
             </a:extLst>
           </p:cNvPr>
@@ -13450,7 +13559,7 @@
           <p:cNvPr id="9" name="ZoneTexte 8">
             <a:extLst>
               <a:ext uri="{FF2B5EF4-FFF2-40B4-BE49-F238E27FC236}">
-                <a16:creationId xmlns="" xmlns:a16="http://schemas.microsoft.com/office/drawing/2014/main" id="{F95B4FFA-7802-4347-868D-05F6A945F794}"/>
+                <a16:creationId xmlns:a16="http://schemas.microsoft.com/office/drawing/2014/main" xmlns="" id="{F95B4FFA-7802-4347-868D-05F6A945F794}"/>
               </a:ext>
             </a:extLst>
           </p:cNvPr>
@@ -13485,7 +13594,7 @@
           <p:cNvPr id="12" name="Forme libre : forme 11">
             <a:extLst>
               <a:ext uri="{FF2B5EF4-FFF2-40B4-BE49-F238E27FC236}">
-                <a16:creationId xmlns="" xmlns:a16="http://schemas.microsoft.com/office/drawing/2014/main" id="{A0F2B8C1-7A0A-401B-AF43-EE9ECFDFD2C0}"/>
+                <a16:creationId xmlns:a16="http://schemas.microsoft.com/office/drawing/2014/main" xmlns="" id="{A0F2B8C1-7A0A-401B-AF43-EE9ECFDFD2C0}"/>
               </a:ext>
             </a:extLst>
           </p:cNvPr>
@@ -13575,7 +13684,7 @@
           <p:cNvPr id="13" name="ZoneTexte 12">
             <a:extLst>
               <a:ext uri="{FF2B5EF4-FFF2-40B4-BE49-F238E27FC236}">
-                <a16:creationId xmlns="" xmlns:a16="http://schemas.microsoft.com/office/drawing/2014/main" id="{3FB98CF9-C97C-46BB-B318-A0C908EFDD90}"/>
+                <a16:creationId xmlns:a16="http://schemas.microsoft.com/office/drawing/2014/main" xmlns="" id="{3FB98CF9-C97C-46BB-B318-A0C908EFDD90}"/>
               </a:ext>
             </a:extLst>
           </p:cNvPr>
@@ -13614,7 +13723,7 @@
           <p:cNvPr id="14" name="Forme libre : forme 13">
             <a:extLst>
               <a:ext uri="{FF2B5EF4-FFF2-40B4-BE49-F238E27FC236}">
-                <a16:creationId xmlns="" xmlns:a16="http://schemas.microsoft.com/office/drawing/2014/main" id="{39BEBB99-8264-43FB-9BD0-60715DBE98C8}"/>
+                <a16:creationId xmlns:a16="http://schemas.microsoft.com/office/drawing/2014/main" xmlns="" id="{39BEBB99-8264-43FB-9BD0-60715DBE98C8}"/>
               </a:ext>
             </a:extLst>
           </p:cNvPr>
@@ -13707,7 +13816,7 @@
           <p:cNvPr id="15" name="ZoneTexte 14">
             <a:extLst>
               <a:ext uri="{FF2B5EF4-FFF2-40B4-BE49-F238E27FC236}">
-                <a16:creationId xmlns="" xmlns:a16="http://schemas.microsoft.com/office/drawing/2014/main" id="{BB3789BC-11AF-4D89-AAD0-F4FE2856790E}"/>
+                <a16:creationId xmlns:a16="http://schemas.microsoft.com/office/drawing/2014/main" xmlns="" id="{BB3789BC-11AF-4D89-AAD0-F4FE2856790E}"/>
               </a:ext>
             </a:extLst>
           </p:cNvPr>
@@ -13746,7 +13855,7 @@
           <p:cNvPr id="18" name="ZoneTexte 17">
             <a:extLst>
               <a:ext uri="{FF2B5EF4-FFF2-40B4-BE49-F238E27FC236}">
-                <a16:creationId xmlns="" xmlns:a16="http://schemas.microsoft.com/office/drawing/2014/main" id="{5564E055-8FA6-49D3-AE60-21FF4D93D10E}"/>
+                <a16:creationId xmlns:a16="http://schemas.microsoft.com/office/drawing/2014/main" xmlns="" id="{5564E055-8FA6-49D3-AE60-21FF4D93D10E}"/>
               </a:ext>
             </a:extLst>
           </p:cNvPr>
@@ -13785,7 +13894,7 @@
           <p:cNvPr id="20" name="ZoneTexte 19">
             <a:extLst>
               <a:ext uri="{FF2B5EF4-FFF2-40B4-BE49-F238E27FC236}">
-                <a16:creationId xmlns="" xmlns:a16="http://schemas.microsoft.com/office/drawing/2014/main" id="{E67A79F0-ABD6-4881-9D23-672BE8B990CD}"/>
+                <a16:creationId xmlns:a16="http://schemas.microsoft.com/office/drawing/2014/main" xmlns="" id="{E67A79F0-ABD6-4881-9D23-672BE8B990CD}"/>
               </a:ext>
             </a:extLst>
           </p:cNvPr>
@@ -13824,7 +13933,7 @@
           <p:cNvPr id="21" name="Forme libre : forme 20">
             <a:extLst>
               <a:ext uri="{FF2B5EF4-FFF2-40B4-BE49-F238E27FC236}">
-                <a16:creationId xmlns="" xmlns:a16="http://schemas.microsoft.com/office/drawing/2014/main" id="{51CA3D23-224D-4EA3-A73A-C12619FC9A73}"/>
+                <a16:creationId xmlns:a16="http://schemas.microsoft.com/office/drawing/2014/main" xmlns="" id="{51CA3D23-224D-4EA3-A73A-C12619FC9A73}"/>
               </a:ext>
             </a:extLst>
           </p:cNvPr>
@@ -13914,7 +14023,7 @@
           <p:cNvPr id="22" name="ZoneTexte 21">
             <a:extLst>
               <a:ext uri="{FF2B5EF4-FFF2-40B4-BE49-F238E27FC236}">
-                <a16:creationId xmlns="" xmlns:a16="http://schemas.microsoft.com/office/drawing/2014/main" id="{F386C697-34C4-4865-8961-B0A6C92443A8}"/>
+                <a16:creationId xmlns:a16="http://schemas.microsoft.com/office/drawing/2014/main" xmlns="" id="{F386C697-34C4-4865-8961-B0A6C92443A8}"/>
               </a:ext>
             </a:extLst>
           </p:cNvPr>
@@ -13953,7 +14062,7 @@
           <p:cNvPr id="24" name="Connecteur droit 23">
             <a:extLst>
               <a:ext uri="{FF2B5EF4-FFF2-40B4-BE49-F238E27FC236}">
-                <a16:creationId xmlns="" xmlns:a16="http://schemas.microsoft.com/office/drawing/2014/main" id="{A2CC8DDC-A66E-484C-AB5D-1FECC16D05E0}"/>
+                <a16:creationId xmlns:a16="http://schemas.microsoft.com/office/drawing/2014/main" xmlns="" id="{A2CC8DDC-A66E-484C-AB5D-1FECC16D05E0}"/>
               </a:ext>
             </a:extLst>
           </p:cNvPr>
@@ -13994,7 +14103,7 @@
           <p:cNvPr id="25" name="Connecteur droit 24">
             <a:extLst>
               <a:ext uri="{FF2B5EF4-FFF2-40B4-BE49-F238E27FC236}">
-                <a16:creationId xmlns="" xmlns:a16="http://schemas.microsoft.com/office/drawing/2014/main" id="{D664E9A0-ADD8-464C-9889-B8FC6ECB3255}"/>
+                <a16:creationId xmlns:a16="http://schemas.microsoft.com/office/drawing/2014/main" xmlns="" id="{D664E9A0-ADD8-464C-9889-B8FC6ECB3255}"/>
               </a:ext>
             </a:extLst>
           </p:cNvPr>
@@ -14035,7 +14144,7 @@
           <p:cNvPr id="26" name="Connecteur droit 25">
             <a:extLst>
               <a:ext uri="{FF2B5EF4-FFF2-40B4-BE49-F238E27FC236}">
-                <a16:creationId xmlns="" xmlns:a16="http://schemas.microsoft.com/office/drawing/2014/main" id="{D2638DE9-FB4D-48F1-B690-9E5E5630049F}"/>
+                <a16:creationId xmlns:a16="http://schemas.microsoft.com/office/drawing/2014/main" xmlns="" id="{D2638DE9-FB4D-48F1-B690-9E5E5630049F}"/>
               </a:ext>
             </a:extLst>
           </p:cNvPr>
@@ -14076,7 +14185,7 @@
           <p:cNvPr id="29" name="Image 28">
             <a:extLst>
               <a:ext uri="{FF2B5EF4-FFF2-40B4-BE49-F238E27FC236}">
-                <a16:creationId xmlns="" xmlns:a16="http://schemas.microsoft.com/office/drawing/2014/main" id="{89A31570-84FF-4DDA-8967-A26EE8AE06C0}"/>
+                <a16:creationId xmlns:a16="http://schemas.microsoft.com/office/drawing/2014/main" xmlns="" id="{89A31570-84FF-4DDA-8967-A26EE8AE06C0}"/>
               </a:ext>
             </a:extLst>
           </p:cNvPr>
@@ -14116,7 +14225,7 @@
           <p:cNvPr id="32" name="Image 31">
             <a:extLst>
               <a:ext uri="{FF2B5EF4-FFF2-40B4-BE49-F238E27FC236}">
-                <a16:creationId xmlns="" xmlns:a16="http://schemas.microsoft.com/office/drawing/2014/main" id="{B767CF56-1D55-455F-9A38-05D865EF4997}"/>
+                <a16:creationId xmlns:a16="http://schemas.microsoft.com/office/drawing/2014/main" xmlns="" id="{B767CF56-1D55-455F-9A38-05D865EF4997}"/>
               </a:ext>
             </a:extLst>
           </p:cNvPr>
@@ -14156,7 +14265,7 @@
           <p:cNvPr id="35" name="Image 34">
             <a:extLst>
               <a:ext uri="{FF2B5EF4-FFF2-40B4-BE49-F238E27FC236}">
-                <a16:creationId xmlns="" xmlns:a16="http://schemas.microsoft.com/office/drawing/2014/main" id="{0DF7EF11-FE3A-4A25-A3D8-48C9BDCBB729}"/>
+                <a16:creationId xmlns:a16="http://schemas.microsoft.com/office/drawing/2014/main" xmlns="" id="{0DF7EF11-FE3A-4A25-A3D8-48C9BDCBB729}"/>
               </a:ext>
             </a:extLst>
           </p:cNvPr>
@@ -14196,7 +14305,7 @@
           <p:cNvPr id="37" name="ZoneTexte 36">
             <a:extLst>
               <a:ext uri="{FF2B5EF4-FFF2-40B4-BE49-F238E27FC236}">
-                <a16:creationId xmlns="" xmlns:a16="http://schemas.microsoft.com/office/drawing/2014/main" id="{79304FA4-2681-46A9-A736-0D1B7DD4365A}"/>
+                <a16:creationId xmlns:a16="http://schemas.microsoft.com/office/drawing/2014/main" xmlns="" id="{79304FA4-2681-46A9-A736-0D1B7DD4365A}"/>
               </a:ext>
             </a:extLst>
           </p:cNvPr>
@@ -14260,7 +14369,7 @@
           <p:cNvPr id="39" name="ZoneTexte 38">
             <a:extLst>
               <a:ext uri="{FF2B5EF4-FFF2-40B4-BE49-F238E27FC236}">
-                <a16:creationId xmlns="" xmlns:a16="http://schemas.microsoft.com/office/drawing/2014/main" id="{D9A702B5-C22D-4604-AD4A-FFA6B1688852}"/>
+                <a16:creationId xmlns:a16="http://schemas.microsoft.com/office/drawing/2014/main" xmlns="" id="{D9A702B5-C22D-4604-AD4A-FFA6B1688852}"/>
               </a:ext>
             </a:extLst>
           </p:cNvPr>
@@ -14338,7 +14447,7 @@
           <p:cNvPr id="40" name="Ellipse 39">
             <a:extLst>
               <a:ext uri="{FF2B5EF4-FFF2-40B4-BE49-F238E27FC236}">
-                <a16:creationId xmlns="" xmlns:a16="http://schemas.microsoft.com/office/drawing/2014/main" id="{C85FE7DE-A9F5-42B5-9C79-5D7927A43C27}"/>
+                <a16:creationId xmlns:a16="http://schemas.microsoft.com/office/drawing/2014/main" xmlns="" id="{C85FE7DE-A9F5-42B5-9C79-5D7927A43C27}"/>
               </a:ext>
             </a:extLst>
           </p:cNvPr>
@@ -14384,7 +14493,7 @@
           <p:cNvPr id="44" name="Connecteur droit avec flèche 43">
             <a:extLst>
               <a:ext uri="{FF2B5EF4-FFF2-40B4-BE49-F238E27FC236}">
-                <a16:creationId xmlns="" xmlns:a16="http://schemas.microsoft.com/office/drawing/2014/main" id="{5106E0DE-6C3C-4997-BA8A-6A5F646BAF3E}"/>
+                <a16:creationId xmlns:a16="http://schemas.microsoft.com/office/drawing/2014/main" xmlns="" id="{5106E0DE-6C3C-4997-BA8A-6A5F646BAF3E}"/>
               </a:ext>
             </a:extLst>
           </p:cNvPr>
@@ -14428,7 +14537,7 @@
           <p:cNvPr id="46" name="Connecteur droit 45">
             <a:extLst>
               <a:ext uri="{FF2B5EF4-FFF2-40B4-BE49-F238E27FC236}">
-                <a16:creationId xmlns="" xmlns:a16="http://schemas.microsoft.com/office/drawing/2014/main" id="{58780EA6-458F-493E-9572-19492EB81984}"/>
+                <a16:creationId xmlns:a16="http://schemas.microsoft.com/office/drawing/2014/main" xmlns="" id="{58780EA6-458F-493E-9572-19492EB81984}"/>
               </a:ext>
             </a:extLst>
           </p:cNvPr>
@@ -14466,7 +14575,7 @@
           <p:cNvPr id="48" name="Connecteur droit 47">
             <a:extLst>
               <a:ext uri="{FF2B5EF4-FFF2-40B4-BE49-F238E27FC236}">
-                <a16:creationId xmlns="" xmlns:a16="http://schemas.microsoft.com/office/drawing/2014/main" id="{ECC5066C-DBE3-446D-8D95-6F4D04E08FBB}"/>
+                <a16:creationId xmlns:a16="http://schemas.microsoft.com/office/drawing/2014/main" xmlns="" id="{ECC5066C-DBE3-446D-8D95-6F4D04E08FBB}"/>
               </a:ext>
             </a:extLst>
           </p:cNvPr>
@@ -14504,7 +14613,7 @@
           <p:cNvPr id="49" name="Connecteur droit 48">
             <a:extLst>
               <a:ext uri="{FF2B5EF4-FFF2-40B4-BE49-F238E27FC236}">
-                <a16:creationId xmlns="" xmlns:a16="http://schemas.microsoft.com/office/drawing/2014/main" id="{EC7283C2-D279-4287-9B45-688C9EB3425F}"/>
+                <a16:creationId xmlns:a16="http://schemas.microsoft.com/office/drawing/2014/main" xmlns="" id="{EC7283C2-D279-4287-9B45-688C9EB3425F}"/>
               </a:ext>
             </a:extLst>
           </p:cNvPr>
@@ -14542,7 +14651,7 @@
           <p:cNvPr id="51" name="Forme libre : forme 50">
             <a:extLst>
               <a:ext uri="{FF2B5EF4-FFF2-40B4-BE49-F238E27FC236}">
-                <a16:creationId xmlns="" xmlns:a16="http://schemas.microsoft.com/office/drawing/2014/main" id="{AB18260E-ACF5-4162-9591-5C5826A59A1B}"/>
+                <a16:creationId xmlns:a16="http://schemas.microsoft.com/office/drawing/2014/main" xmlns="" id="{AB18260E-ACF5-4162-9591-5C5826A59A1B}"/>
               </a:ext>
             </a:extLst>
           </p:cNvPr>
@@ -14632,7 +14741,7 @@
           <p:cNvPr id="52" name="Forme libre : forme 51">
             <a:extLst>
               <a:ext uri="{FF2B5EF4-FFF2-40B4-BE49-F238E27FC236}">
-                <a16:creationId xmlns="" xmlns:a16="http://schemas.microsoft.com/office/drawing/2014/main" id="{4D21A2E9-25E0-4581-BCE8-3EE85FBA896F}"/>
+                <a16:creationId xmlns:a16="http://schemas.microsoft.com/office/drawing/2014/main" xmlns="" id="{4D21A2E9-25E0-4581-BCE8-3EE85FBA896F}"/>
               </a:ext>
             </a:extLst>
           </p:cNvPr>
@@ -14722,7 +14831,7 @@
           <p:cNvPr id="53" name="ZoneTexte 52">
             <a:extLst>
               <a:ext uri="{FF2B5EF4-FFF2-40B4-BE49-F238E27FC236}">
-                <a16:creationId xmlns="" xmlns:a16="http://schemas.microsoft.com/office/drawing/2014/main" id="{AF57DE33-8409-4BFF-93E5-42E6B8222EE9}"/>
+                <a16:creationId xmlns:a16="http://schemas.microsoft.com/office/drawing/2014/main" xmlns="" id="{AF57DE33-8409-4BFF-93E5-42E6B8222EE9}"/>
               </a:ext>
             </a:extLst>
           </p:cNvPr>
@@ -14780,7 +14889,7 @@
           <p:cNvPr id="55" name="ZoneTexte 54">
             <a:extLst>
               <a:ext uri="{FF2B5EF4-FFF2-40B4-BE49-F238E27FC236}">
-                <a16:creationId xmlns="" xmlns:a16="http://schemas.microsoft.com/office/drawing/2014/main" id="{C288C2A1-DCFE-4CFF-A74A-88C4281D82AB}"/>
+                <a16:creationId xmlns:a16="http://schemas.microsoft.com/office/drawing/2014/main" xmlns="" id="{C288C2A1-DCFE-4CFF-A74A-88C4281D82AB}"/>
               </a:ext>
             </a:extLst>
           </p:cNvPr>
@@ -14819,7 +14928,7 @@
           <p:cNvPr id="56" name="ZoneTexte 55">
             <a:extLst>
               <a:ext uri="{FF2B5EF4-FFF2-40B4-BE49-F238E27FC236}">
-                <a16:creationId xmlns="" xmlns:a16="http://schemas.microsoft.com/office/drawing/2014/main" id="{B5E21BA3-9442-411C-9B4F-48976046F47D}"/>
+                <a16:creationId xmlns:a16="http://schemas.microsoft.com/office/drawing/2014/main" xmlns="" id="{B5E21BA3-9442-411C-9B4F-48976046F47D}"/>
               </a:ext>
             </a:extLst>
           </p:cNvPr>
@@ -14858,7 +14967,7 @@
           <p:cNvPr id="57" name="ZoneTexte 56">
             <a:extLst>
               <a:ext uri="{FF2B5EF4-FFF2-40B4-BE49-F238E27FC236}">
-                <a16:creationId xmlns="" xmlns:a16="http://schemas.microsoft.com/office/drawing/2014/main" id="{C73D9360-D15E-440F-970B-0F3C42E66125}"/>
+                <a16:creationId xmlns:a16="http://schemas.microsoft.com/office/drawing/2014/main" xmlns="" id="{C73D9360-D15E-440F-970B-0F3C42E66125}"/>
               </a:ext>
             </a:extLst>
           </p:cNvPr>
@@ -14897,7 +15006,7 @@
           <p:cNvPr id="58" name="ZoneTexte 57">
             <a:extLst>
               <a:ext uri="{FF2B5EF4-FFF2-40B4-BE49-F238E27FC236}">
-                <a16:creationId xmlns="" xmlns:a16="http://schemas.microsoft.com/office/drawing/2014/main" id="{D01BC792-626A-4AEF-A17A-CE4B1BFACBB1}"/>
+                <a16:creationId xmlns:a16="http://schemas.microsoft.com/office/drawing/2014/main" xmlns="" id="{D01BC792-626A-4AEF-A17A-CE4B1BFACBB1}"/>
               </a:ext>
             </a:extLst>
           </p:cNvPr>
@@ -14936,7 +15045,7 @@
           <p:cNvPr id="59" name="ZoneTexte 58">
             <a:extLst>
               <a:ext uri="{FF2B5EF4-FFF2-40B4-BE49-F238E27FC236}">
-                <a16:creationId xmlns="" xmlns:a16="http://schemas.microsoft.com/office/drawing/2014/main" id="{4448A02C-494C-4C71-831D-06B4136717CF}"/>
+                <a16:creationId xmlns:a16="http://schemas.microsoft.com/office/drawing/2014/main" xmlns="" id="{4448A02C-494C-4C71-831D-06B4136717CF}"/>
               </a:ext>
             </a:extLst>
           </p:cNvPr>
@@ -14975,7 +15084,7 @@
           <p:cNvPr id="64" name="ZoneTexte 63">
             <a:extLst>
               <a:ext uri="{FF2B5EF4-FFF2-40B4-BE49-F238E27FC236}">
-                <a16:creationId xmlns="" xmlns:a16="http://schemas.microsoft.com/office/drawing/2014/main" id="{A694A29A-5C87-4D9F-A2F8-F66E4758C021}"/>
+                <a16:creationId xmlns:a16="http://schemas.microsoft.com/office/drawing/2014/main" xmlns="" id="{A694A29A-5C87-4D9F-A2F8-F66E4758C021}"/>
               </a:ext>
             </a:extLst>
           </p:cNvPr>
@@ -15155,7 +15264,7 @@
           <p:cNvPr id="65" name="Forme libre : forme 64">
             <a:extLst>
               <a:ext uri="{FF2B5EF4-FFF2-40B4-BE49-F238E27FC236}">
-                <a16:creationId xmlns="" xmlns:a16="http://schemas.microsoft.com/office/drawing/2014/main" id="{0362CFB2-21B5-4368-AB5F-5A4E2902AC29}"/>
+                <a16:creationId xmlns:a16="http://schemas.microsoft.com/office/drawing/2014/main" xmlns="" id="{0362CFB2-21B5-4368-AB5F-5A4E2902AC29}"/>
               </a:ext>
             </a:extLst>
           </p:cNvPr>
@@ -15249,7 +15358,7 @@
           <p:cNvPr id="66" name="ZoneTexte 65">
             <a:extLst>
               <a:ext uri="{FF2B5EF4-FFF2-40B4-BE49-F238E27FC236}">
-                <a16:creationId xmlns="" xmlns:a16="http://schemas.microsoft.com/office/drawing/2014/main" id="{2AF2D19B-D8A0-4A1B-AA85-C6966F93A4D6}"/>
+                <a16:creationId xmlns:a16="http://schemas.microsoft.com/office/drawing/2014/main" xmlns="" id="{2AF2D19B-D8A0-4A1B-AA85-C6966F93A4D6}"/>
               </a:ext>
             </a:extLst>
           </p:cNvPr>
@@ -15284,7 +15393,7 @@
           <p:cNvPr id="67" name="ZoneTexte 66">
             <a:extLst>
               <a:ext uri="{FF2B5EF4-FFF2-40B4-BE49-F238E27FC236}">
-                <a16:creationId xmlns="" xmlns:a16="http://schemas.microsoft.com/office/drawing/2014/main" id="{B121DC86-6D58-488E-89E4-219851CD9629}"/>
+                <a16:creationId xmlns:a16="http://schemas.microsoft.com/office/drawing/2014/main" xmlns="" id="{B121DC86-6D58-488E-89E4-219851CD9629}"/>
               </a:ext>
             </a:extLst>
           </p:cNvPr>
@@ -15324,7 +15433,7 @@
           <p:cNvPr id="69" name="ZoneTexte 68">
             <a:extLst>
               <a:ext uri="{FF2B5EF4-FFF2-40B4-BE49-F238E27FC236}">
-                <a16:creationId xmlns="" xmlns:a16="http://schemas.microsoft.com/office/drawing/2014/main" id="{CBAD9420-C3D7-4469-A613-60A18381904A}"/>
+                <a16:creationId xmlns:a16="http://schemas.microsoft.com/office/drawing/2014/main" xmlns="" id="{CBAD9420-C3D7-4469-A613-60A18381904A}"/>
               </a:ext>
             </a:extLst>
           </p:cNvPr>
@@ -15420,7 +15529,7 @@
           <p:cNvPr id="70" name="Ellipse 69">
             <a:extLst>
               <a:ext uri="{FF2B5EF4-FFF2-40B4-BE49-F238E27FC236}">
-                <a16:creationId xmlns="" xmlns:a16="http://schemas.microsoft.com/office/drawing/2014/main" id="{361CF3E7-1A99-47CF-85BD-A8C5EB75D824}"/>
+                <a16:creationId xmlns:a16="http://schemas.microsoft.com/office/drawing/2014/main" xmlns="" id="{361CF3E7-1A99-47CF-85BD-A8C5EB75D824}"/>
               </a:ext>
             </a:extLst>
           </p:cNvPr>
@@ -15466,7 +15575,7 @@
           <p:cNvPr id="71" name="Connecteur droit avec flèche 70">
             <a:extLst>
               <a:ext uri="{FF2B5EF4-FFF2-40B4-BE49-F238E27FC236}">
-                <a16:creationId xmlns="" xmlns:a16="http://schemas.microsoft.com/office/drawing/2014/main" id="{6FF5868D-9DD9-445B-91E7-ABFC8D926883}"/>
+                <a16:creationId xmlns:a16="http://schemas.microsoft.com/office/drawing/2014/main" xmlns="" id="{6FF5868D-9DD9-445B-91E7-ABFC8D926883}"/>
               </a:ext>
             </a:extLst>
           </p:cNvPr>
@@ -15511,7 +15620,7 @@
           <p:cNvPr id="75" name="Connecteur droit avec flèche 74">
             <a:extLst>
               <a:ext uri="{FF2B5EF4-FFF2-40B4-BE49-F238E27FC236}">
-                <a16:creationId xmlns="" xmlns:a16="http://schemas.microsoft.com/office/drawing/2014/main" id="{CAD029DD-2181-4700-92F5-FCE049F4A1EB}"/>
+                <a16:creationId xmlns:a16="http://schemas.microsoft.com/office/drawing/2014/main" xmlns="" id="{CAD029DD-2181-4700-92F5-FCE049F4A1EB}"/>
               </a:ext>
             </a:extLst>
           </p:cNvPr>
@@ -15556,7 +15665,7 @@
           <p:cNvPr id="80" name="Connecteur droit avec flèche 79">
             <a:extLst>
               <a:ext uri="{FF2B5EF4-FFF2-40B4-BE49-F238E27FC236}">
-                <a16:creationId xmlns="" xmlns:a16="http://schemas.microsoft.com/office/drawing/2014/main" id="{B302DEA1-1643-4501-9BA5-6233A16533ED}"/>
+                <a16:creationId xmlns:a16="http://schemas.microsoft.com/office/drawing/2014/main" xmlns="" id="{B302DEA1-1643-4501-9BA5-6233A16533ED}"/>
               </a:ext>
             </a:extLst>
           </p:cNvPr>
@@ -15602,7 +15711,7 @@
           <p:cNvPr id="83" name="ZoneTexte 82">
             <a:extLst>
               <a:ext uri="{FF2B5EF4-FFF2-40B4-BE49-F238E27FC236}">
-                <a16:creationId xmlns="" xmlns:a16="http://schemas.microsoft.com/office/drawing/2014/main" id="{2CA6501C-593B-4EFF-98F8-86E687F8763C}"/>
+                <a16:creationId xmlns:a16="http://schemas.microsoft.com/office/drawing/2014/main" xmlns="" id="{2CA6501C-593B-4EFF-98F8-86E687F8763C}"/>
               </a:ext>
             </a:extLst>
           </p:cNvPr>
@@ -15703,7 +15812,7 @@
           <p:cNvPr id="2" name="Rectangle : coins arrondis 1">
             <a:extLst>
               <a:ext uri="{FF2B5EF4-FFF2-40B4-BE49-F238E27FC236}">
-                <a16:creationId xmlns="" xmlns:a16="http://schemas.microsoft.com/office/drawing/2014/main" id="{1E019399-4D78-4B8C-8BDD-6A5C1219B9DA}"/>
+                <a16:creationId xmlns:a16="http://schemas.microsoft.com/office/drawing/2014/main" xmlns="" id="{1E019399-4D78-4B8C-8BDD-6A5C1219B9DA}"/>
               </a:ext>
             </a:extLst>
           </p:cNvPr>
@@ -15755,7 +15864,7 @@
           <p:cNvPr id="45" name="Rectangle : coins arrondis 44">
             <a:extLst>
               <a:ext uri="{FF2B5EF4-FFF2-40B4-BE49-F238E27FC236}">
-                <a16:creationId xmlns="" xmlns:a16="http://schemas.microsoft.com/office/drawing/2014/main" id="{57CCEA9F-3D49-455D-AA0E-F1C37123599C}"/>
+                <a16:creationId xmlns:a16="http://schemas.microsoft.com/office/drawing/2014/main" xmlns="" id="{57CCEA9F-3D49-455D-AA0E-F1C37123599C}"/>
               </a:ext>
             </a:extLst>
           </p:cNvPr>
@@ -15807,7 +15916,7 @@
           <p:cNvPr id="47" name="Image 46">
             <a:extLst>
               <a:ext uri="{FF2B5EF4-FFF2-40B4-BE49-F238E27FC236}">
-                <a16:creationId xmlns="" xmlns:a16="http://schemas.microsoft.com/office/drawing/2014/main" id="{24893E6E-370B-44C8-8557-2828FAF439AD}"/>
+                <a16:creationId xmlns:a16="http://schemas.microsoft.com/office/drawing/2014/main" xmlns="" id="{24893E6E-370B-44C8-8557-2828FAF439AD}"/>
               </a:ext>
             </a:extLst>
           </p:cNvPr>
@@ -15847,7 +15956,7 @@
           <p:cNvPr id="50" name="Image 49">
             <a:extLst>
               <a:ext uri="{FF2B5EF4-FFF2-40B4-BE49-F238E27FC236}">
-                <a16:creationId xmlns="" xmlns:a16="http://schemas.microsoft.com/office/drawing/2014/main" id="{9D3CE698-E738-4A75-96FC-F72CA4455D17}"/>
+                <a16:creationId xmlns:a16="http://schemas.microsoft.com/office/drawing/2014/main" xmlns="" id="{9D3CE698-E738-4A75-96FC-F72CA4455D17}"/>
               </a:ext>
             </a:extLst>
           </p:cNvPr>
@@ -15887,7 +15996,7 @@
           <p:cNvPr id="54" name="Connecteur droit avec flèche 53">
             <a:extLst>
               <a:ext uri="{FF2B5EF4-FFF2-40B4-BE49-F238E27FC236}">
-                <a16:creationId xmlns="" xmlns:a16="http://schemas.microsoft.com/office/drawing/2014/main" id="{EB17F3AE-35A1-47E3-9048-9EDF124635AC}"/>
+                <a16:creationId xmlns:a16="http://schemas.microsoft.com/office/drawing/2014/main" xmlns="" id="{EB17F3AE-35A1-47E3-9048-9EDF124635AC}"/>
               </a:ext>
             </a:extLst>
           </p:cNvPr>
@@ -15933,7 +16042,7 @@
           <p:cNvPr id="60" name="Connecteur droit avec flèche 59">
             <a:extLst>
               <a:ext uri="{FF2B5EF4-FFF2-40B4-BE49-F238E27FC236}">
-                <a16:creationId xmlns="" xmlns:a16="http://schemas.microsoft.com/office/drawing/2014/main" id="{CBE5B9FB-D986-477A-B66E-B70EB86523FE}"/>
+                <a16:creationId xmlns:a16="http://schemas.microsoft.com/office/drawing/2014/main" xmlns="" id="{CBE5B9FB-D986-477A-B66E-B70EB86523FE}"/>
               </a:ext>
             </a:extLst>
           </p:cNvPr>
@@ -16009,7 +16118,7 @@
           <p:cNvPr id="42" name="Image 41">
             <a:extLst>
               <a:ext uri="{FF2B5EF4-FFF2-40B4-BE49-F238E27FC236}">
-                <a16:creationId xmlns="" xmlns:a16="http://schemas.microsoft.com/office/drawing/2014/main" id="{6D398A6B-9620-4554-B619-AF0DFEBE5B58}"/>
+                <a16:creationId xmlns:a16="http://schemas.microsoft.com/office/drawing/2014/main" xmlns="" id="{6D398A6B-9620-4554-B619-AF0DFEBE5B58}"/>
               </a:ext>
             </a:extLst>
           </p:cNvPr>
@@ -16049,7 +16158,7 @@
           <p:cNvPr id="78" name="Image 77">
             <a:extLst>
               <a:ext uri="{FF2B5EF4-FFF2-40B4-BE49-F238E27FC236}">
-                <a16:creationId xmlns="" xmlns:a16="http://schemas.microsoft.com/office/drawing/2014/main" id="{B21E5EA5-B78C-440D-B5EC-B831355B2021}"/>
+                <a16:creationId xmlns:a16="http://schemas.microsoft.com/office/drawing/2014/main" xmlns="" id="{B21E5EA5-B78C-440D-B5EC-B831355B2021}"/>
               </a:ext>
             </a:extLst>
           </p:cNvPr>
@@ -16089,7 +16198,7 @@
           <p:cNvPr id="89" name="Image 88">
             <a:extLst>
               <a:ext uri="{FF2B5EF4-FFF2-40B4-BE49-F238E27FC236}">
-                <a16:creationId xmlns="" xmlns:a16="http://schemas.microsoft.com/office/drawing/2014/main" id="{E525D31E-A0A0-4442-870E-D9A96E29027F}"/>
+                <a16:creationId xmlns:a16="http://schemas.microsoft.com/office/drawing/2014/main" xmlns="" id="{E525D31E-A0A0-4442-870E-D9A96E29027F}"/>
               </a:ext>
             </a:extLst>
           </p:cNvPr>
@@ -16129,7 +16238,7 @@
           <p:cNvPr id="47" name="Image 46">
             <a:extLst>
               <a:ext uri="{FF2B5EF4-FFF2-40B4-BE49-F238E27FC236}">
-                <a16:creationId xmlns="" xmlns:a16="http://schemas.microsoft.com/office/drawing/2014/main" id="{ECFB1A2E-C338-4660-8776-128BA7E7532B}"/>
+                <a16:creationId xmlns:a16="http://schemas.microsoft.com/office/drawing/2014/main" xmlns="" id="{ECFB1A2E-C338-4660-8776-128BA7E7532B}"/>
               </a:ext>
             </a:extLst>
           </p:cNvPr>
@@ -16169,7 +16278,7 @@
           <p:cNvPr id="52" name="Image 51">
             <a:extLst>
               <a:ext uri="{FF2B5EF4-FFF2-40B4-BE49-F238E27FC236}">
-                <a16:creationId xmlns="" xmlns:a16="http://schemas.microsoft.com/office/drawing/2014/main" id="{B08051D3-DFEE-48A5-927C-759D36F3B207}"/>
+                <a16:creationId xmlns:a16="http://schemas.microsoft.com/office/drawing/2014/main" xmlns="" id="{B08051D3-DFEE-48A5-927C-759D36F3B207}"/>
               </a:ext>
             </a:extLst>
           </p:cNvPr>
@@ -16209,7 +16318,7 @@
           <p:cNvPr id="63" name="Image 62">
             <a:extLst>
               <a:ext uri="{FF2B5EF4-FFF2-40B4-BE49-F238E27FC236}">
-                <a16:creationId xmlns="" xmlns:a16="http://schemas.microsoft.com/office/drawing/2014/main" id="{F9E903D9-C33F-46A6-A3D3-1C136733EB54}"/>
+                <a16:creationId xmlns:a16="http://schemas.microsoft.com/office/drawing/2014/main" xmlns="" id="{F9E903D9-C33F-46A6-A3D3-1C136733EB54}"/>
               </a:ext>
             </a:extLst>
           </p:cNvPr>
@@ -16249,7 +16358,7 @@
           <p:cNvPr id="64" name="ZoneTexte 63">
             <a:extLst>
               <a:ext uri="{FF2B5EF4-FFF2-40B4-BE49-F238E27FC236}">
-                <a16:creationId xmlns="" xmlns:a16="http://schemas.microsoft.com/office/drawing/2014/main" id="{567889A0-A021-4D2C-8223-A469E3261465}"/>
+                <a16:creationId xmlns:a16="http://schemas.microsoft.com/office/drawing/2014/main" xmlns="" id="{567889A0-A021-4D2C-8223-A469E3261465}"/>
               </a:ext>
             </a:extLst>
           </p:cNvPr>
@@ -16356,7 +16465,7 @@
           <p:cNvPr id="67" name="ZoneTexte 66">
             <a:extLst>
               <a:ext uri="{FF2B5EF4-FFF2-40B4-BE49-F238E27FC236}">
-                <a16:creationId xmlns="" xmlns:a16="http://schemas.microsoft.com/office/drawing/2014/main" id="{F2FA95C6-DDCE-49A7-9345-6170D185AA9D}"/>
+                <a16:creationId xmlns:a16="http://schemas.microsoft.com/office/drawing/2014/main" xmlns="" id="{F2FA95C6-DDCE-49A7-9345-6170D185AA9D}"/>
               </a:ext>
             </a:extLst>
           </p:cNvPr>
@@ -16408,7 +16517,7 @@
           <p:cNvPr id="68" name="Image 67">
             <a:extLst>
               <a:ext uri="{FF2B5EF4-FFF2-40B4-BE49-F238E27FC236}">
-                <a16:creationId xmlns="" xmlns:a16="http://schemas.microsoft.com/office/drawing/2014/main" id="{10E09D83-BEBA-40D0-A3EE-EC5ECA66F417}"/>
+                <a16:creationId xmlns:a16="http://schemas.microsoft.com/office/drawing/2014/main" xmlns="" id="{10E09D83-BEBA-40D0-A3EE-EC5ECA66F417}"/>
               </a:ext>
             </a:extLst>
           </p:cNvPr>
@@ -16443,7 +16552,7 @@
           <p:cNvPr id="69" name="ZoneTexte 68">
             <a:extLst>
               <a:ext uri="{FF2B5EF4-FFF2-40B4-BE49-F238E27FC236}">
-                <a16:creationId xmlns="" xmlns:a16="http://schemas.microsoft.com/office/drawing/2014/main" id="{EFDBE0B1-705E-4705-8056-F6FDFBB9A84B}"/>
+                <a16:creationId xmlns:a16="http://schemas.microsoft.com/office/drawing/2014/main" xmlns="" id="{EFDBE0B1-705E-4705-8056-F6FDFBB9A84B}"/>
               </a:ext>
             </a:extLst>
           </p:cNvPr>
@@ -16548,7 +16657,7 @@
           <p:cNvPr id="70" name="ZoneTexte 69">
             <a:extLst>
               <a:ext uri="{FF2B5EF4-FFF2-40B4-BE49-F238E27FC236}">
-                <a16:creationId xmlns="" xmlns:a16="http://schemas.microsoft.com/office/drawing/2014/main" id="{B921A7C0-1B5A-44DC-9B8F-B859D03F18B5}"/>
+                <a16:creationId xmlns:a16="http://schemas.microsoft.com/office/drawing/2014/main" xmlns="" id="{B921A7C0-1B5A-44DC-9B8F-B859D03F18B5}"/>
               </a:ext>
             </a:extLst>
           </p:cNvPr>
@@ -16683,7 +16792,7 @@
           <p:cNvPr id="71" name="ZoneTexte 70">
             <a:extLst>
               <a:ext uri="{FF2B5EF4-FFF2-40B4-BE49-F238E27FC236}">
-                <a16:creationId xmlns="" xmlns:a16="http://schemas.microsoft.com/office/drawing/2014/main" id="{A6F996DC-3659-4F61-BBE3-3B7F40B7FCC8}"/>
+                <a16:creationId xmlns:a16="http://schemas.microsoft.com/office/drawing/2014/main" xmlns="" id="{A6F996DC-3659-4F61-BBE3-3B7F40B7FCC8}"/>
               </a:ext>
             </a:extLst>
           </p:cNvPr>
@@ -16783,7 +16892,7 @@
           <p:cNvPr id="91" name="Image 90">
             <a:extLst>
               <a:ext uri="{FF2B5EF4-FFF2-40B4-BE49-F238E27FC236}">
-                <a16:creationId xmlns="" xmlns:a16="http://schemas.microsoft.com/office/drawing/2014/main" id="{9B56E63F-FA24-4599-953E-7E19EC65AC44}"/>
+                <a16:creationId xmlns:a16="http://schemas.microsoft.com/office/drawing/2014/main" xmlns="" id="{9B56E63F-FA24-4599-953E-7E19EC65AC44}"/>
               </a:ext>
             </a:extLst>
           </p:cNvPr>
@@ -16823,7 +16932,7 @@
           <p:cNvPr id="76" name="Image 75">
             <a:extLst>
               <a:ext uri="{FF2B5EF4-FFF2-40B4-BE49-F238E27FC236}">
-                <a16:creationId xmlns="" xmlns:a16="http://schemas.microsoft.com/office/drawing/2014/main" id="{D8FD60E6-6BF1-4DCC-B6A0-23D96A7AB987}"/>
+                <a16:creationId xmlns:a16="http://schemas.microsoft.com/office/drawing/2014/main" xmlns="" id="{D8FD60E6-6BF1-4DCC-B6A0-23D96A7AB987}"/>
               </a:ext>
             </a:extLst>
           </p:cNvPr>
@@ -16853,7 +16962,7 @@
           <p:cNvPr id="80" name="Image 79">
             <a:extLst>
               <a:ext uri="{FF2B5EF4-FFF2-40B4-BE49-F238E27FC236}">
-                <a16:creationId xmlns="" xmlns:a16="http://schemas.microsoft.com/office/drawing/2014/main" id="{31313999-8238-4C58-9E61-70180115F202}"/>
+                <a16:creationId xmlns:a16="http://schemas.microsoft.com/office/drawing/2014/main" xmlns="" id="{31313999-8238-4C58-9E61-70180115F202}"/>
               </a:ext>
             </a:extLst>
           </p:cNvPr>
@@ -16893,7 +17002,7 @@
           <p:cNvPr id="3" name="Image 2">
             <a:extLst>
               <a:ext uri="{FF2B5EF4-FFF2-40B4-BE49-F238E27FC236}">
-                <a16:creationId xmlns="" xmlns:a16="http://schemas.microsoft.com/office/drawing/2014/main" id="{D920BF15-90E0-4D0B-94E6-5C84AA9BDD15}"/>
+                <a16:creationId xmlns:a16="http://schemas.microsoft.com/office/drawing/2014/main" xmlns="" id="{D920BF15-90E0-4D0B-94E6-5C84AA9BDD15}"/>
               </a:ext>
             </a:extLst>
           </p:cNvPr>
@@ -16933,7 +17042,7 @@
           <p:cNvPr id="96" name="Image 95">
             <a:extLst>
               <a:ext uri="{FF2B5EF4-FFF2-40B4-BE49-F238E27FC236}">
-                <a16:creationId xmlns="" xmlns:a16="http://schemas.microsoft.com/office/drawing/2014/main" id="{E680829F-742D-4F56-B6C7-49EEB73618B9}"/>
+                <a16:creationId xmlns:a16="http://schemas.microsoft.com/office/drawing/2014/main" xmlns="" id="{E680829F-742D-4F56-B6C7-49EEB73618B9}"/>
               </a:ext>
             </a:extLst>
           </p:cNvPr>
@@ -16973,7 +17082,7 @@
           <p:cNvPr id="105" name="Rectangle 104">
             <a:extLst>
               <a:ext uri="{FF2B5EF4-FFF2-40B4-BE49-F238E27FC236}">
-                <a16:creationId xmlns="" xmlns:a16="http://schemas.microsoft.com/office/drawing/2014/main" id="{E8EFF9F4-E542-45EA-AB81-53614F2625B4}"/>
+                <a16:creationId xmlns:a16="http://schemas.microsoft.com/office/drawing/2014/main" xmlns="" id="{E8EFF9F4-E542-45EA-AB81-53614F2625B4}"/>
               </a:ext>
             </a:extLst>
           </p:cNvPr>
@@ -17026,7 +17135,7 @@
           <p:cNvPr id="20" name="Rectangle 19">
             <a:extLst>
               <a:ext uri="{FF2B5EF4-FFF2-40B4-BE49-F238E27FC236}">
-                <a16:creationId xmlns="" xmlns:a16="http://schemas.microsoft.com/office/drawing/2014/main" id="{7623C33D-6730-4940-8BF5-217728A27888}"/>
+                <a16:creationId xmlns:a16="http://schemas.microsoft.com/office/drawing/2014/main" xmlns="" id="{7623C33D-6730-4940-8BF5-217728A27888}"/>
               </a:ext>
             </a:extLst>
           </p:cNvPr>
@@ -17181,7 +17290,7 @@
           <p:cNvPr id="4" name="Rectangle 3">
             <a:extLst>
               <a:ext uri="{FF2B5EF4-FFF2-40B4-BE49-F238E27FC236}">
-                <a16:creationId xmlns="" xmlns:a16="http://schemas.microsoft.com/office/drawing/2014/main" id="{29624CCF-C634-42D5-9AE7-6FD44C6CEE5A}"/>
+                <a16:creationId xmlns:a16="http://schemas.microsoft.com/office/drawing/2014/main" xmlns="" id="{29624CCF-C634-42D5-9AE7-6FD44C6CEE5A}"/>
               </a:ext>
             </a:extLst>
           </p:cNvPr>
@@ -17221,7 +17330,7 @@
           <p:cNvPr id="5" name="Rectangle 4">
             <a:extLst>
               <a:ext uri="{FF2B5EF4-FFF2-40B4-BE49-F238E27FC236}">
-                <a16:creationId xmlns="" xmlns:a16="http://schemas.microsoft.com/office/drawing/2014/main" id="{4AAC3DFA-219C-4022-AA88-01B9DDAC9785}"/>
+                <a16:creationId xmlns:a16="http://schemas.microsoft.com/office/drawing/2014/main" xmlns="" id="{4AAC3DFA-219C-4022-AA88-01B9DDAC9785}"/>
               </a:ext>
             </a:extLst>
           </p:cNvPr>
@@ -17261,7 +17370,7 @@
           <p:cNvPr id="6" name="Rectangle 5">
             <a:extLst>
               <a:ext uri="{FF2B5EF4-FFF2-40B4-BE49-F238E27FC236}">
-                <a16:creationId xmlns="" xmlns:a16="http://schemas.microsoft.com/office/drawing/2014/main" id="{156CFB43-A758-4C91-92CF-CE16FD9510C5}"/>
+                <a16:creationId xmlns:a16="http://schemas.microsoft.com/office/drawing/2014/main" xmlns="" id="{156CFB43-A758-4C91-92CF-CE16FD9510C5}"/>
               </a:ext>
             </a:extLst>
           </p:cNvPr>
@@ -17301,7 +17410,7 @@
           <p:cNvPr id="7" name="Rectangle 6">
             <a:extLst>
               <a:ext uri="{FF2B5EF4-FFF2-40B4-BE49-F238E27FC236}">
-                <a16:creationId xmlns="" xmlns:a16="http://schemas.microsoft.com/office/drawing/2014/main" id="{6DBC621D-0104-4A55-9CA6-708AA45577CF}"/>
+                <a16:creationId xmlns:a16="http://schemas.microsoft.com/office/drawing/2014/main" xmlns="" id="{6DBC621D-0104-4A55-9CA6-708AA45577CF}"/>
               </a:ext>
             </a:extLst>
           </p:cNvPr>
@@ -17341,7 +17450,7 @@
           <p:cNvPr id="9" name="Connecteur droit avec flèche 8">
             <a:extLst>
               <a:ext uri="{FF2B5EF4-FFF2-40B4-BE49-F238E27FC236}">
-                <a16:creationId xmlns="" xmlns:a16="http://schemas.microsoft.com/office/drawing/2014/main" id="{6A9351DB-7B43-4246-B546-38DD0F44CA71}"/>
+                <a16:creationId xmlns:a16="http://schemas.microsoft.com/office/drawing/2014/main" xmlns="" id="{6A9351DB-7B43-4246-B546-38DD0F44CA71}"/>
               </a:ext>
             </a:extLst>
           </p:cNvPr>
@@ -17385,7 +17494,7 @@
           <p:cNvPr id="10" name="ZoneTexte 9">
             <a:extLst>
               <a:ext uri="{FF2B5EF4-FFF2-40B4-BE49-F238E27FC236}">
-                <a16:creationId xmlns="" xmlns:a16="http://schemas.microsoft.com/office/drawing/2014/main" id="{F70E61E1-5B45-400D-9A21-97440A88D143}"/>
+                <a16:creationId xmlns:a16="http://schemas.microsoft.com/office/drawing/2014/main" xmlns="" id="{F70E61E1-5B45-400D-9A21-97440A88D143}"/>
               </a:ext>
             </a:extLst>
           </p:cNvPr>
@@ -17437,7 +17546,7 @@
           <p:cNvPr id="11" name="Rectangle 10">
             <a:extLst>
               <a:ext uri="{FF2B5EF4-FFF2-40B4-BE49-F238E27FC236}">
-                <a16:creationId xmlns="" xmlns:a16="http://schemas.microsoft.com/office/drawing/2014/main" id="{AD8F2615-543F-4AAE-ADFC-D4C8A1FC70CB}"/>
+                <a16:creationId xmlns:a16="http://schemas.microsoft.com/office/drawing/2014/main" xmlns="" id="{AD8F2615-543F-4AAE-ADFC-D4C8A1FC70CB}"/>
               </a:ext>
             </a:extLst>
           </p:cNvPr>
@@ -17477,7 +17586,7 @@
           <p:cNvPr id="12" name="Rectangle 11">
             <a:extLst>
               <a:ext uri="{FF2B5EF4-FFF2-40B4-BE49-F238E27FC236}">
-                <a16:creationId xmlns="" xmlns:a16="http://schemas.microsoft.com/office/drawing/2014/main" id="{CD3967B8-9C66-4FC7-ACFC-C27C7C0A8A92}"/>
+                <a16:creationId xmlns:a16="http://schemas.microsoft.com/office/drawing/2014/main" xmlns="" id="{CD3967B8-9C66-4FC7-ACFC-C27C7C0A8A92}"/>
               </a:ext>
             </a:extLst>
           </p:cNvPr>
@@ -17517,7 +17626,7 @@
           <p:cNvPr id="13" name="Connecteur droit avec flèche 12">
             <a:extLst>
               <a:ext uri="{FF2B5EF4-FFF2-40B4-BE49-F238E27FC236}">
-                <a16:creationId xmlns="" xmlns:a16="http://schemas.microsoft.com/office/drawing/2014/main" id="{80EEE1CB-2C56-41A1-BAF1-26BEED32A73A}"/>
+                <a16:creationId xmlns:a16="http://schemas.microsoft.com/office/drawing/2014/main" xmlns="" id="{80EEE1CB-2C56-41A1-BAF1-26BEED32A73A}"/>
               </a:ext>
             </a:extLst>
           </p:cNvPr>
@@ -17561,7 +17670,7 @@
           <p:cNvPr id="14" name="ZoneTexte 13">
             <a:extLst>
               <a:ext uri="{FF2B5EF4-FFF2-40B4-BE49-F238E27FC236}">
-                <a16:creationId xmlns="" xmlns:a16="http://schemas.microsoft.com/office/drawing/2014/main" id="{296964F9-A51A-4A26-970E-15DF1157E452}"/>
+                <a16:creationId xmlns:a16="http://schemas.microsoft.com/office/drawing/2014/main" xmlns="" id="{296964F9-A51A-4A26-970E-15DF1157E452}"/>
               </a:ext>
             </a:extLst>
           </p:cNvPr>
@@ -17610,7 +17719,7 @@
           <p:cNvPr id="15" name="Connecteur droit avec flèche 14">
             <a:extLst>
               <a:ext uri="{FF2B5EF4-FFF2-40B4-BE49-F238E27FC236}">
-                <a16:creationId xmlns="" xmlns:a16="http://schemas.microsoft.com/office/drawing/2014/main" id="{BE3E30F0-EB16-4137-B1AE-754B29D77618}"/>
+                <a16:creationId xmlns:a16="http://schemas.microsoft.com/office/drawing/2014/main" xmlns="" id="{BE3E30F0-EB16-4137-B1AE-754B29D77618}"/>
               </a:ext>
             </a:extLst>
           </p:cNvPr>
@@ -17651,7 +17760,7 @@
           <p:cNvPr id="17" name="ZoneTexte 16">
             <a:extLst>
               <a:ext uri="{FF2B5EF4-FFF2-40B4-BE49-F238E27FC236}">
-                <a16:creationId xmlns="" xmlns:a16="http://schemas.microsoft.com/office/drawing/2014/main" id="{9E94760C-13EF-4F9C-B4AC-AA93BC4616BC}"/>
+                <a16:creationId xmlns:a16="http://schemas.microsoft.com/office/drawing/2014/main" xmlns="" id="{9E94760C-13EF-4F9C-B4AC-AA93BC4616BC}"/>
               </a:ext>
             </a:extLst>
           </p:cNvPr>
@@ -17704,7 +17813,7 @@
           <p:cNvPr id="19" name="Rectangle 18">
             <a:extLst>
               <a:ext uri="{FF2B5EF4-FFF2-40B4-BE49-F238E27FC236}">
-                <a16:creationId xmlns="" xmlns:a16="http://schemas.microsoft.com/office/drawing/2014/main" id="{BF62C291-9599-43B4-90AC-89CB3B4BB296}"/>
+                <a16:creationId xmlns:a16="http://schemas.microsoft.com/office/drawing/2014/main" xmlns="" id="{BF62C291-9599-43B4-90AC-89CB3B4BB296}"/>
               </a:ext>
             </a:extLst>
           </p:cNvPr>
@@ -17744,7 +17853,7 @@
           <p:cNvPr id="20" name="Rectangle 19">
             <a:extLst>
               <a:ext uri="{FF2B5EF4-FFF2-40B4-BE49-F238E27FC236}">
-                <a16:creationId xmlns="" xmlns:a16="http://schemas.microsoft.com/office/drawing/2014/main" id="{9E8DE3A5-4995-4CEA-9A3F-E63D9292C62A}"/>
+                <a16:creationId xmlns:a16="http://schemas.microsoft.com/office/drawing/2014/main" xmlns="" id="{9E8DE3A5-4995-4CEA-9A3F-E63D9292C62A}"/>
               </a:ext>
             </a:extLst>
           </p:cNvPr>
@@ -17784,7 +17893,7 @@
           <p:cNvPr id="22" name="ZoneTexte 21">
             <a:extLst>
               <a:ext uri="{FF2B5EF4-FFF2-40B4-BE49-F238E27FC236}">
-                <a16:creationId xmlns="" xmlns:a16="http://schemas.microsoft.com/office/drawing/2014/main" id="{099B2D03-0904-4C6A-B5E1-4F0E98635895}"/>
+                <a16:creationId xmlns:a16="http://schemas.microsoft.com/office/drawing/2014/main" xmlns="" id="{099B2D03-0904-4C6A-B5E1-4F0E98635895}"/>
               </a:ext>
             </a:extLst>
           </p:cNvPr>
@@ -17839,7 +17948,7 @@
           <p:cNvPr id="24" name="Rectangle 23">
             <a:extLst>
               <a:ext uri="{FF2B5EF4-FFF2-40B4-BE49-F238E27FC236}">
-                <a16:creationId xmlns="" xmlns:a16="http://schemas.microsoft.com/office/drawing/2014/main" id="{19EEA85B-5263-4248-9D79-772B3C66C301}"/>
+                <a16:creationId xmlns:a16="http://schemas.microsoft.com/office/drawing/2014/main" xmlns="" id="{19EEA85B-5263-4248-9D79-772B3C66C301}"/>
               </a:ext>
             </a:extLst>
           </p:cNvPr>
@@ -17997,7 +18106,7 @@
           <p:cNvPr id="2" name="Rectangle 1">
             <a:extLst>
               <a:ext uri="{FF2B5EF4-FFF2-40B4-BE49-F238E27FC236}">
-                <a16:creationId xmlns="" xmlns:a16="http://schemas.microsoft.com/office/drawing/2014/main" id="{6F66FF20-22EB-4493-B1EF-AB51D0FBE262}"/>
+                <a16:creationId xmlns:a16="http://schemas.microsoft.com/office/drawing/2014/main" xmlns="" id="{6F66FF20-22EB-4493-B1EF-AB51D0FBE262}"/>
               </a:ext>
             </a:extLst>
           </p:cNvPr>
@@ -18037,7 +18146,7 @@
           <p:cNvPr id="21" name="Connecteur droit avec flèche 20">
             <a:extLst>
               <a:ext uri="{FF2B5EF4-FFF2-40B4-BE49-F238E27FC236}">
-                <a16:creationId xmlns="" xmlns:a16="http://schemas.microsoft.com/office/drawing/2014/main" id="{1B9E9DBE-C1EA-475F-9225-5F5575DCAC7C}"/>
+                <a16:creationId xmlns:a16="http://schemas.microsoft.com/office/drawing/2014/main" xmlns="" id="{1B9E9DBE-C1EA-475F-9225-5F5575DCAC7C}"/>
               </a:ext>
             </a:extLst>
           </p:cNvPr>
@@ -18081,7 +18190,7 @@
           <p:cNvPr id="23" name="ZoneTexte 22">
             <a:extLst>
               <a:ext uri="{FF2B5EF4-FFF2-40B4-BE49-F238E27FC236}">
-                <a16:creationId xmlns="" xmlns:a16="http://schemas.microsoft.com/office/drawing/2014/main" id="{ED10DB8B-C81C-4D19-88F1-3EBA338CB700}"/>
+                <a16:creationId xmlns:a16="http://schemas.microsoft.com/office/drawing/2014/main" xmlns="" id="{ED10DB8B-C81C-4D19-88F1-3EBA338CB700}"/>
               </a:ext>
             </a:extLst>
           </p:cNvPr>
@@ -18128,7 +18237,7 @@
           <p:cNvPr id="3" name="Rectangle 2">
             <a:extLst>
               <a:ext uri="{FF2B5EF4-FFF2-40B4-BE49-F238E27FC236}">
-                <a16:creationId xmlns="" xmlns:a16="http://schemas.microsoft.com/office/drawing/2014/main" id="{DEBDC273-6406-438D-B9C0-08C52FB26D90}"/>
+                <a16:creationId xmlns:a16="http://schemas.microsoft.com/office/drawing/2014/main" xmlns="" id="{DEBDC273-6406-438D-B9C0-08C52FB26D90}"/>
               </a:ext>
             </a:extLst>
           </p:cNvPr>
@@ -18190,7 +18299,7 @@
           <p:cNvPr id="8" name="Rectangle 7">
             <a:extLst>
               <a:ext uri="{FF2B5EF4-FFF2-40B4-BE49-F238E27FC236}">
-                <a16:creationId xmlns="" xmlns:a16="http://schemas.microsoft.com/office/drawing/2014/main" id="{989BD6F3-E2EA-4273-803B-DAE20BB92BD3}"/>
+                <a16:creationId xmlns:a16="http://schemas.microsoft.com/office/drawing/2014/main" xmlns="" id="{989BD6F3-E2EA-4273-803B-DAE20BB92BD3}"/>
               </a:ext>
             </a:extLst>
           </p:cNvPr>
@@ -18230,7 +18339,7 @@
           <p:cNvPr id="18" name="Rectangle 17">
             <a:extLst>
               <a:ext uri="{FF2B5EF4-FFF2-40B4-BE49-F238E27FC236}">
-                <a16:creationId xmlns="" xmlns:a16="http://schemas.microsoft.com/office/drawing/2014/main" id="{1969E49F-0E16-4B9D-9102-54F7A1921F43}"/>
+                <a16:creationId xmlns:a16="http://schemas.microsoft.com/office/drawing/2014/main" xmlns="" id="{1969E49F-0E16-4B9D-9102-54F7A1921F43}"/>
               </a:ext>
             </a:extLst>
           </p:cNvPr>
@@ -18357,7 +18466,7 @@
           <p:cNvPr id="25" name="Rectangle 24">
             <a:extLst>
               <a:ext uri="{FF2B5EF4-FFF2-40B4-BE49-F238E27FC236}">
-                <a16:creationId xmlns="" xmlns:a16="http://schemas.microsoft.com/office/drawing/2014/main" id="{68B81455-9A5D-45A2-84BC-ABCBA7A75CEA}"/>
+                <a16:creationId xmlns:a16="http://schemas.microsoft.com/office/drawing/2014/main" xmlns="" id="{68B81455-9A5D-45A2-84BC-ABCBA7A75CEA}"/>
               </a:ext>
             </a:extLst>
           </p:cNvPr>
@@ -18443,7 +18552,7 @@
           <p:cNvPr id="26" name="Rectangle 25">
             <a:extLst>
               <a:ext uri="{FF2B5EF4-FFF2-40B4-BE49-F238E27FC236}">
-                <a16:creationId xmlns="" xmlns:a16="http://schemas.microsoft.com/office/drawing/2014/main" id="{0D1F2B18-A2F1-48DC-B472-FD556AC4C1C2}"/>
+                <a16:creationId xmlns:a16="http://schemas.microsoft.com/office/drawing/2014/main" xmlns="" id="{0D1F2B18-A2F1-48DC-B472-FD556AC4C1C2}"/>
               </a:ext>
             </a:extLst>
           </p:cNvPr>
@@ -18529,7 +18638,7 @@
           <p:cNvPr id="28" name="Rectangle 27">
             <a:extLst>
               <a:ext uri="{FF2B5EF4-FFF2-40B4-BE49-F238E27FC236}">
-                <a16:creationId xmlns="" xmlns:a16="http://schemas.microsoft.com/office/drawing/2014/main" id="{DC1C173E-6052-4EE1-AD7F-905A78456CFA}"/>
+                <a16:creationId xmlns:a16="http://schemas.microsoft.com/office/drawing/2014/main" xmlns="" id="{DC1C173E-6052-4EE1-AD7F-905A78456CFA}"/>
               </a:ext>
             </a:extLst>
           </p:cNvPr>
@@ -18615,7 +18724,7 @@
           <p:cNvPr id="30" name="Rectangle 29">
             <a:extLst>
               <a:ext uri="{FF2B5EF4-FFF2-40B4-BE49-F238E27FC236}">
-                <a16:creationId xmlns="" xmlns:a16="http://schemas.microsoft.com/office/drawing/2014/main" id="{E698C044-0226-4EF1-AA75-A4AF2938EEE4}"/>
+                <a16:creationId xmlns:a16="http://schemas.microsoft.com/office/drawing/2014/main" xmlns="" id="{E698C044-0226-4EF1-AA75-A4AF2938EEE4}"/>
               </a:ext>
             </a:extLst>
           </p:cNvPr>

--- a/User Guide/Figures.pptx
+++ b/User Guide/Figures.pptx
@@ -15,6 +15,7 @@
     <p:sldId id="264" r:id="rId9"/>
     <p:sldId id="261" r:id="rId10"/>
     <p:sldId id="265" r:id="rId11"/>
+    <p:sldId id="266" r:id="rId12"/>
   </p:sldIdLst>
   <p:sldSz cx="9144000" cy="6858000" type="screen4x3"/>
   <p:notesSz cx="7099300" cy="10234613"/>
@@ -311,7 +312,7 @@
           <a:p>
             <a:fld id="{98D7A7FD-AC4C-4F89-8B40-F1EA51214CCC}" type="datetimeFigureOut">
               <a:rPr lang="fr-FR" smtClean="0"/>
-              <a:t>07/08/2020</a:t>
+              <a:t>10/11/2020</a:t>
             </a:fld>
             <a:endParaRPr lang="fr-FR"/>
           </a:p>
@@ -479,7 +480,7 @@
           <a:p>
             <a:fld id="{98D7A7FD-AC4C-4F89-8B40-F1EA51214CCC}" type="datetimeFigureOut">
               <a:rPr lang="fr-FR" smtClean="0"/>
-              <a:t>07/08/2020</a:t>
+              <a:t>10/11/2020</a:t>
             </a:fld>
             <a:endParaRPr lang="fr-FR"/>
           </a:p>
@@ -657,7 +658,7 @@
           <a:p>
             <a:fld id="{98D7A7FD-AC4C-4F89-8B40-F1EA51214CCC}" type="datetimeFigureOut">
               <a:rPr lang="fr-FR" smtClean="0"/>
-              <a:t>07/08/2020</a:t>
+              <a:t>10/11/2020</a:t>
             </a:fld>
             <a:endParaRPr lang="fr-FR"/>
           </a:p>
@@ -825,7 +826,7 @@
           <a:p>
             <a:fld id="{98D7A7FD-AC4C-4F89-8B40-F1EA51214CCC}" type="datetimeFigureOut">
               <a:rPr lang="fr-FR" smtClean="0"/>
-              <a:t>07/08/2020</a:t>
+              <a:t>10/11/2020</a:t>
             </a:fld>
             <a:endParaRPr lang="fr-FR"/>
           </a:p>
@@ -1070,7 +1071,7 @@
           <a:p>
             <a:fld id="{98D7A7FD-AC4C-4F89-8B40-F1EA51214CCC}" type="datetimeFigureOut">
               <a:rPr lang="fr-FR" smtClean="0"/>
-              <a:t>07/08/2020</a:t>
+              <a:t>10/11/2020</a:t>
             </a:fld>
             <a:endParaRPr lang="fr-FR"/>
           </a:p>
@@ -1355,7 +1356,7 @@
           <a:p>
             <a:fld id="{98D7A7FD-AC4C-4F89-8B40-F1EA51214CCC}" type="datetimeFigureOut">
               <a:rPr lang="fr-FR" smtClean="0"/>
-              <a:t>07/08/2020</a:t>
+              <a:t>10/11/2020</a:t>
             </a:fld>
             <a:endParaRPr lang="fr-FR"/>
           </a:p>
@@ -1774,7 +1775,7 @@
           <a:p>
             <a:fld id="{98D7A7FD-AC4C-4F89-8B40-F1EA51214CCC}" type="datetimeFigureOut">
               <a:rPr lang="fr-FR" smtClean="0"/>
-              <a:t>07/08/2020</a:t>
+              <a:t>10/11/2020</a:t>
             </a:fld>
             <a:endParaRPr lang="fr-FR"/>
           </a:p>
@@ -1891,7 +1892,7 @@
           <a:p>
             <a:fld id="{98D7A7FD-AC4C-4F89-8B40-F1EA51214CCC}" type="datetimeFigureOut">
               <a:rPr lang="fr-FR" smtClean="0"/>
-              <a:t>07/08/2020</a:t>
+              <a:t>10/11/2020</a:t>
             </a:fld>
             <a:endParaRPr lang="fr-FR"/>
           </a:p>
@@ -1986,7 +1987,7 @@
           <a:p>
             <a:fld id="{98D7A7FD-AC4C-4F89-8B40-F1EA51214CCC}" type="datetimeFigureOut">
               <a:rPr lang="fr-FR" smtClean="0"/>
-              <a:t>07/08/2020</a:t>
+              <a:t>10/11/2020</a:t>
             </a:fld>
             <a:endParaRPr lang="fr-FR"/>
           </a:p>
@@ -2261,7 +2262,7 @@
           <a:p>
             <a:fld id="{98D7A7FD-AC4C-4F89-8B40-F1EA51214CCC}" type="datetimeFigureOut">
               <a:rPr lang="fr-FR" smtClean="0"/>
-              <a:t>07/08/2020</a:t>
+              <a:t>10/11/2020</a:t>
             </a:fld>
             <a:endParaRPr lang="fr-FR"/>
           </a:p>
@@ -2513,7 +2514,7 @@
           <a:p>
             <a:fld id="{98D7A7FD-AC4C-4F89-8B40-F1EA51214CCC}" type="datetimeFigureOut">
               <a:rPr lang="fr-FR" smtClean="0"/>
-              <a:t>07/08/2020</a:t>
+              <a:t>10/11/2020</a:t>
             </a:fld>
             <a:endParaRPr lang="fr-FR"/>
           </a:p>
@@ -2724,7 +2725,7 @@
           <a:p>
             <a:fld id="{98D7A7FD-AC4C-4F89-8B40-F1EA51214CCC}" type="datetimeFigureOut">
               <a:rPr lang="fr-FR" smtClean="0"/>
-              <a:t>07/08/2020</a:t>
+              <a:t>10/11/2020</a:t>
             </a:fld>
             <a:endParaRPr lang="fr-FR"/>
           </a:p>
@@ -3771,10 +3772,10 @@
       </p:grpSpPr>
       <p:grpSp>
         <p:nvGrpSpPr>
-          <p:cNvPr id="4" name="Groupe 3">
+          <p:cNvPr id="20" name="Groupe 19">
             <a:extLst>
               <a:ext uri="{FF2B5EF4-FFF2-40B4-BE49-F238E27FC236}">
-                <a16:creationId xmlns:a16="http://schemas.microsoft.com/office/drawing/2014/main" id="{6E352519-0F88-4F86-959A-7850C058659D}"/>
+                <a16:creationId xmlns:a16="http://schemas.microsoft.com/office/drawing/2014/main" id="{B59A1C3A-B6DF-4CE9-9D8C-57B3FE79E1E4}"/>
               </a:ext>
             </a:extLst>
           </p:cNvPr>
@@ -3783,91 +3784,88 @@
         </p:nvGrpSpPr>
         <p:grpSpPr>
           <a:xfrm>
-            <a:off x="323528" y="620688"/>
-            <a:ext cx="10690794" cy="4201111"/>
-            <a:chOff x="323528" y="620688"/>
-            <a:chExt cx="10690794" cy="4201111"/>
+            <a:off x="203005" y="202157"/>
+            <a:ext cx="8749552" cy="5438991"/>
+            <a:chOff x="203005" y="202157"/>
+            <a:chExt cx="8749552" cy="5438991"/>
           </a:xfrm>
         </p:grpSpPr>
-        <p:grpSp>
-          <p:nvGrpSpPr>
-            <p:cNvPr id="6" name="Groupe 5"/>
-            <p:cNvGrpSpPr/>
-            <p:nvPr/>
-          </p:nvGrpSpPr>
-          <p:grpSpPr>
-            <a:xfrm>
-              <a:off x="323528" y="620688"/>
-              <a:ext cx="10690794" cy="4201111"/>
-              <a:chOff x="19849" y="3220"/>
-              <a:chExt cx="10690794" cy="4201111"/>
-            </a:xfrm>
-          </p:grpSpPr>
-          <p:pic>
-            <p:nvPicPr>
-              <p:cNvPr id="2" name="Image 1"/>
-              <p:cNvPicPr>
-                <a:picLocks noChangeAspect="1"/>
-              </p:cNvPicPr>
-              <p:nvPr/>
-            </p:nvPicPr>
-            <p:blipFill>
-              <a:blip r:embed="rId2"/>
-              <a:stretch>
-                <a:fillRect/>
-              </a:stretch>
-            </p:blipFill>
-            <p:spPr>
-              <a:xfrm>
-                <a:off x="19849" y="3220"/>
-                <a:ext cx="4696480" cy="2219635"/>
-              </a:xfrm>
-              <a:prstGeom prst="rect">
-                <a:avLst/>
-              </a:prstGeom>
-              <a:ln w="28575">
-                <a:solidFill>
-                  <a:schemeClr val="accent1"/>
-                </a:solidFill>
-              </a:ln>
-            </p:spPr>
-          </p:pic>
-          <p:pic>
-            <p:nvPicPr>
-              <p:cNvPr id="11" name="Image 10"/>
-              <p:cNvPicPr>
-                <a:picLocks noChangeAspect="1"/>
-              </p:cNvPicPr>
-              <p:nvPr/>
-            </p:nvPicPr>
-            <p:blipFill>
-              <a:blip r:embed="rId3"/>
-              <a:stretch>
-                <a:fillRect/>
-              </a:stretch>
-            </p:blipFill>
-            <p:spPr>
-              <a:xfrm>
-                <a:off x="5204425" y="3220"/>
-                <a:ext cx="5506218" cy="4201111"/>
-              </a:xfrm>
-              <a:prstGeom prst="rect">
-                <a:avLst/>
-              </a:prstGeom>
-              <a:ln w="28575">
-                <a:solidFill>
-                  <a:schemeClr val="accent1"/>
-                </a:solidFill>
-              </a:ln>
-            </p:spPr>
-          </p:pic>
-        </p:grpSp>
         <p:pic>
           <p:nvPicPr>
-            <p:cNvPr id="3" name="Image 2">
+            <p:cNvPr id="5" name="Image 4">
               <a:extLst>
                 <a:ext uri="{FF2B5EF4-FFF2-40B4-BE49-F238E27FC236}">
-                  <a16:creationId xmlns:a16="http://schemas.microsoft.com/office/drawing/2014/main" id="{FCD8327E-0501-4CCD-A535-F2E0A26081DF}"/>
+                  <a16:creationId xmlns:a16="http://schemas.microsoft.com/office/drawing/2014/main" id="{4E58B09F-60E9-44E0-814B-26D8DF125AB0}"/>
+                </a:ext>
+              </a:extLst>
+            </p:cNvPr>
+            <p:cNvPicPr>
+              <a:picLocks noChangeAspect="1"/>
+            </p:cNvPicPr>
+            <p:nvPr/>
+          </p:nvPicPr>
+          <p:blipFill>
+            <a:blip r:embed="rId2"/>
+            <a:stretch>
+              <a:fillRect/>
+            </a:stretch>
+          </p:blipFill>
+          <p:spPr>
+            <a:xfrm>
+              <a:off x="323528" y="2924944"/>
+              <a:ext cx="3320309" cy="2716204"/>
+            </a:xfrm>
+            <a:prstGeom prst="rect">
+              <a:avLst/>
+            </a:prstGeom>
+            <a:ln w="28575">
+              <a:solidFill>
+                <a:schemeClr val="accent1"/>
+              </a:solidFill>
+            </a:ln>
+          </p:spPr>
+        </p:pic>
+        <p:pic>
+          <p:nvPicPr>
+            <p:cNvPr id="7" name="Image 6">
+              <a:extLst>
+                <a:ext uri="{FF2B5EF4-FFF2-40B4-BE49-F238E27FC236}">
+                  <a16:creationId xmlns:a16="http://schemas.microsoft.com/office/drawing/2014/main" id="{F0EEE7BD-737D-4F23-A7AB-476FC61C65B3}"/>
+                </a:ext>
+              </a:extLst>
+            </p:cNvPr>
+            <p:cNvPicPr>
+              <a:picLocks noChangeAspect="1"/>
+            </p:cNvPicPr>
+            <p:nvPr/>
+          </p:nvPicPr>
+          <p:blipFill>
+            <a:blip r:embed="rId3"/>
+            <a:stretch>
+              <a:fillRect/>
+            </a:stretch>
+          </p:blipFill>
+          <p:spPr>
+            <a:xfrm>
+              <a:off x="203005" y="202157"/>
+              <a:ext cx="3721456" cy="2536812"/>
+            </a:xfrm>
+            <a:prstGeom prst="rect">
+              <a:avLst/>
+            </a:prstGeom>
+            <a:ln w="28575">
+              <a:solidFill>
+                <a:schemeClr val="accent1"/>
+              </a:solidFill>
+            </a:ln>
+          </p:spPr>
+        </p:pic>
+        <p:pic>
+          <p:nvPicPr>
+            <p:cNvPr id="8" name="Image 7">
+              <a:extLst>
+                <a:ext uri="{FF2B5EF4-FFF2-40B4-BE49-F238E27FC236}">
+                  <a16:creationId xmlns:a16="http://schemas.microsoft.com/office/drawing/2014/main" id="{BD3AFA10-8BC6-408A-AC04-5776EFDC2689}"/>
                 </a:ext>
               </a:extLst>
             </p:cNvPr>
@@ -3884,13 +3882,118 @@
           </p:blipFill>
           <p:spPr>
             <a:xfrm>
-              <a:off x="338673" y="2969979"/>
-              <a:ext cx="4000847" cy="1851820"/>
+              <a:off x="4199299" y="534815"/>
+              <a:ext cx="1800733" cy="1483224"/>
             </a:xfrm>
             <a:prstGeom prst="rect">
               <a:avLst/>
             </a:prstGeom>
-            <a:ln w="38100">
+            <a:ln w="28575">
+              <a:solidFill>
+                <a:schemeClr val="accent1"/>
+              </a:solidFill>
+            </a:ln>
+          </p:spPr>
+        </p:pic>
+        <p:pic>
+          <p:nvPicPr>
+            <p:cNvPr id="10" name="Image 9">
+              <a:extLst>
+                <a:ext uri="{FF2B5EF4-FFF2-40B4-BE49-F238E27FC236}">
+                  <a16:creationId xmlns:a16="http://schemas.microsoft.com/office/drawing/2014/main" id="{7C2B32FD-AB9E-4222-97B6-CE25985843E2}"/>
+                </a:ext>
+              </a:extLst>
+            </p:cNvPr>
+            <p:cNvPicPr>
+              <a:picLocks noChangeAspect="1"/>
+            </p:cNvPicPr>
+            <p:nvPr/>
+          </p:nvPicPr>
+          <p:blipFill>
+            <a:blip r:embed="rId5"/>
+            <a:stretch>
+              <a:fillRect/>
+            </a:stretch>
+          </p:blipFill>
+          <p:spPr>
+            <a:xfrm>
+              <a:off x="6297994" y="507200"/>
+              <a:ext cx="2654563" cy="1630408"/>
+            </a:xfrm>
+            <a:prstGeom prst="rect">
+              <a:avLst/>
+            </a:prstGeom>
+            <a:ln w="28575">
+              <a:solidFill>
+                <a:schemeClr val="accent1"/>
+              </a:solidFill>
+            </a:ln>
+          </p:spPr>
+        </p:pic>
+        <p:pic>
+          <p:nvPicPr>
+            <p:cNvPr id="17" name="Image 16">
+              <a:extLst>
+                <a:ext uri="{FF2B5EF4-FFF2-40B4-BE49-F238E27FC236}">
+                  <a16:creationId xmlns:a16="http://schemas.microsoft.com/office/drawing/2014/main" id="{21F2F573-8AFF-46B8-9B9B-ECD77A89AEA4}"/>
+                </a:ext>
+              </a:extLst>
+            </p:cNvPr>
+            <p:cNvPicPr>
+              <a:picLocks noChangeAspect="1"/>
+            </p:cNvPicPr>
+            <p:nvPr/>
+          </p:nvPicPr>
+          <p:blipFill>
+            <a:blip r:embed="rId6"/>
+            <a:stretch>
+              <a:fillRect/>
+            </a:stretch>
+          </p:blipFill>
+          <p:spPr>
+            <a:xfrm>
+              <a:off x="6607377" y="3509896"/>
+              <a:ext cx="2345180" cy="1526389"/>
+            </a:xfrm>
+            <a:prstGeom prst="rect">
+              <a:avLst/>
+            </a:prstGeom>
+            <a:ln w="28575">
+              <a:solidFill>
+                <a:schemeClr val="accent1"/>
+              </a:solidFill>
+            </a:ln>
+          </p:spPr>
+        </p:pic>
+        <p:pic>
+          <p:nvPicPr>
+            <p:cNvPr id="18" name="Image 17">
+              <a:extLst>
+                <a:ext uri="{FF2B5EF4-FFF2-40B4-BE49-F238E27FC236}">
+                  <a16:creationId xmlns:a16="http://schemas.microsoft.com/office/drawing/2014/main" id="{22A81E76-6800-4D99-ABD1-B6A27055D4D8}"/>
+                </a:ext>
+              </a:extLst>
+            </p:cNvPr>
+            <p:cNvPicPr>
+              <a:picLocks noChangeAspect="1"/>
+            </p:cNvPicPr>
+            <p:nvPr/>
+          </p:nvPicPr>
+          <p:blipFill>
+            <a:blip r:embed="rId7"/>
+            <a:stretch>
+              <a:fillRect/>
+            </a:stretch>
+          </p:blipFill>
+          <p:spPr>
+            <a:xfrm>
+              <a:off x="4067944" y="3501008"/>
+              <a:ext cx="2365623" cy="1618584"/>
+            </a:xfrm>
+            <a:prstGeom prst="rect">
+              <a:avLst/>
+            </a:prstGeom>
+            <a:ln w="28575">
               <a:solidFill>
                 <a:schemeClr val="accent1"/>
               </a:solidFill>
@@ -3902,6 +4005,450 @@
     <p:extLst>
       <p:ext uri="{BB962C8B-B14F-4D97-AF65-F5344CB8AC3E}">
         <p14:creationId xmlns:p14="http://schemas.microsoft.com/office/powerpoint/2010/main" val="2216945433"/>
+      </p:ext>
+    </p:extLst>
+  </p:cSld>
+  <p:clrMapOvr>
+    <a:masterClrMapping/>
+  </p:clrMapOvr>
+</p:sld>
+</file>
+
+<file path=ppt/slides/slide11.xml><?xml version="1.0" encoding="utf-8"?>
+<p:sld xmlns:a="http://schemas.openxmlformats.org/drawingml/2006/main" xmlns:r="http://schemas.openxmlformats.org/officeDocument/2006/relationships" xmlns:p="http://schemas.openxmlformats.org/presentationml/2006/main">
+  <p:cSld>
+    <p:spTree>
+      <p:nvGrpSpPr>
+        <p:cNvPr id="1" name=""/>
+        <p:cNvGrpSpPr/>
+        <p:nvPr/>
+      </p:nvGrpSpPr>
+      <p:grpSpPr>
+        <a:xfrm>
+          <a:off x="0" y="0"/>
+          <a:ext cx="0" cy="0"/>
+          <a:chOff x="0" y="0"/>
+          <a:chExt cx="0" cy="0"/>
+        </a:xfrm>
+      </p:grpSpPr>
+      <p:sp>
+        <p:nvSpPr>
+          <p:cNvPr id="13" name="Rectangle 12"/>
+          <p:cNvSpPr/>
+          <p:nvPr/>
+        </p:nvSpPr>
+        <p:spPr>
+          <a:xfrm>
+            <a:off x="4249448" y="1086330"/>
+            <a:ext cx="4787047" cy="3134757"/>
+          </a:xfrm>
+          <a:prstGeom prst="rect">
+            <a:avLst/>
+          </a:prstGeom>
+          <a:solidFill>
+            <a:schemeClr val="bg1"/>
+          </a:solidFill>
+        </p:spPr>
+        <p:style>
+          <a:lnRef idx="2">
+            <a:schemeClr val="accent1">
+              <a:shade val="50000"/>
+            </a:schemeClr>
+          </a:lnRef>
+          <a:fillRef idx="1">
+            <a:schemeClr val="accent1"/>
+          </a:fillRef>
+          <a:effectRef idx="0">
+            <a:schemeClr val="accent1"/>
+          </a:effectRef>
+          <a:fontRef idx="minor">
+            <a:schemeClr val="lt1"/>
+          </a:fontRef>
+        </p:style>
+        <p:txBody>
+          <a:bodyPr rtlCol="0" anchor="ctr"/>
+          <a:lstStyle/>
+          <a:p>
+            <a:pPr algn="ctr"/>
+            <a:endParaRPr lang="fr-FR"/>
+          </a:p>
+        </p:txBody>
+      </p:sp>
+      <p:sp>
+        <p:nvSpPr>
+          <p:cNvPr id="12" name="Rectangle 11"/>
+          <p:cNvSpPr/>
+          <p:nvPr/>
+        </p:nvSpPr>
+        <p:spPr>
+          <a:xfrm>
+            <a:off x="35496" y="1086331"/>
+            <a:ext cx="4104456" cy="3134757"/>
+          </a:xfrm>
+          <a:prstGeom prst="rect">
+            <a:avLst/>
+          </a:prstGeom>
+          <a:solidFill>
+            <a:schemeClr val="bg1"/>
+          </a:solidFill>
+        </p:spPr>
+        <p:style>
+          <a:lnRef idx="2">
+            <a:schemeClr val="accent1">
+              <a:shade val="50000"/>
+            </a:schemeClr>
+          </a:lnRef>
+          <a:fillRef idx="1">
+            <a:schemeClr val="accent1"/>
+          </a:fillRef>
+          <a:effectRef idx="0">
+            <a:schemeClr val="accent1"/>
+          </a:effectRef>
+          <a:fontRef idx="minor">
+            <a:schemeClr val="lt1"/>
+          </a:fontRef>
+        </p:style>
+        <p:txBody>
+          <a:bodyPr rtlCol="0" anchor="ctr"/>
+          <a:lstStyle/>
+          <a:p>
+            <a:pPr algn="ctr"/>
+            <a:endParaRPr lang="fr-FR"/>
+          </a:p>
+        </p:txBody>
+      </p:sp>
+      <p:pic>
+        <p:nvPicPr>
+          <p:cNvPr id="4" name="Image 3"/>
+          <p:cNvPicPr>
+            <a:picLocks noChangeAspect="1"/>
+          </p:cNvPicPr>
+          <p:nvPr/>
+        </p:nvPicPr>
+        <p:blipFill rotWithShape="1">
+          <a:blip r:embed="rId2"/>
+          <a:srcRect t="12522"/>
+          <a:stretch/>
+        </p:blipFill>
+        <p:spPr>
+          <a:xfrm>
+            <a:off x="1331640" y="2060848"/>
+            <a:ext cx="2523299" cy="2012295"/>
+          </a:xfrm>
+          <a:prstGeom prst="rect">
+            <a:avLst/>
+          </a:prstGeom>
+        </p:spPr>
+      </p:pic>
+      <p:pic>
+        <p:nvPicPr>
+          <p:cNvPr id="5" name="Image 4"/>
+          <p:cNvPicPr>
+            <a:picLocks noChangeAspect="1"/>
+          </p:cNvPicPr>
+          <p:nvPr/>
+        </p:nvPicPr>
+        <p:blipFill>
+          <a:blip r:embed="rId3"/>
+          <a:stretch>
+            <a:fillRect/>
+          </a:stretch>
+        </p:blipFill>
+        <p:spPr>
+          <a:xfrm>
+            <a:off x="144992" y="1772816"/>
+            <a:ext cx="1047896" cy="2162477"/>
+          </a:xfrm>
+          <a:prstGeom prst="rect">
+            <a:avLst/>
+          </a:prstGeom>
+        </p:spPr>
+      </p:pic>
+      <p:sp>
+        <p:nvSpPr>
+          <p:cNvPr id="7" name="ZoneTexte 6"/>
+          <p:cNvSpPr txBox="1"/>
+          <p:nvPr/>
+        </p:nvSpPr>
+        <p:spPr>
+          <a:xfrm>
+            <a:off x="528125" y="1086331"/>
+            <a:ext cx="2815579" cy="369332"/>
+          </a:xfrm>
+          <a:prstGeom prst="rect">
+            <a:avLst/>
+          </a:prstGeom>
+          <a:noFill/>
+        </p:spPr>
+        <p:txBody>
+          <a:bodyPr wrap="none" rtlCol="0">
+            <a:spAutoFit/>
+          </a:bodyPr>
+          <a:lstStyle/>
+          <a:p>
+            <a:r>
+              <a:rPr lang="fr-FR" dirty="0"/>
+              <a:t>Laser </a:t>
+            </a:r>
+            <a:r>
+              <a:rPr lang="fr-FR" dirty="0" err="1"/>
+              <a:t>Intensity</a:t>
+            </a:r>
+            <a:r>
+              <a:rPr lang="fr-FR" dirty="0"/>
+              <a:t> (versus time)</a:t>
+            </a:r>
+          </a:p>
+        </p:txBody>
+      </p:sp>
+      <p:sp>
+        <p:nvSpPr>
+          <p:cNvPr id="8" name="ZoneTexte 7"/>
+          <p:cNvSpPr txBox="1"/>
+          <p:nvPr/>
+        </p:nvSpPr>
+        <p:spPr>
+          <a:xfrm>
+            <a:off x="5772386" y="1187460"/>
+            <a:ext cx="1487971" cy="369332"/>
+          </a:xfrm>
+          <a:prstGeom prst="rect">
+            <a:avLst/>
+          </a:prstGeom>
+          <a:noFill/>
+        </p:spPr>
+        <p:txBody>
+          <a:bodyPr wrap="none" rtlCol="0">
+            <a:spAutoFit/>
+          </a:bodyPr>
+          <a:lstStyle/>
+          <a:p>
+            <a:r>
+              <a:rPr lang="fr-FR" dirty="0"/>
+              <a:t>Laser </a:t>
+            </a:r>
+            <a:r>
+              <a:rPr lang="fr-FR" dirty="0" err="1"/>
+              <a:t>Spectra</a:t>
+            </a:r>
+            <a:r>
+              <a:rPr lang="fr-FR" dirty="0"/>
+              <a:t> </a:t>
+            </a:r>
+          </a:p>
+        </p:txBody>
+      </p:sp>
+      <p:sp>
+        <p:nvSpPr>
+          <p:cNvPr id="9" name="ZoneTexte 8"/>
+          <p:cNvSpPr txBox="1"/>
+          <p:nvPr/>
+        </p:nvSpPr>
+        <p:spPr>
+          <a:xfrm>
+            <a:off x="2152003" y="5589240"/>
+            <a:ext cx="3975897" cy="646331"/>
+          </a:xfrm>
+          <a:prstGeom prst="rect">
+            <a:avLst/>
+          </a:prstGeom>
+          <a:noFill/>
+        </p:spPr>
+        <p:txBody>
+          <a:bodyPr wrap="none" rtlCol="0">
+            <a:spAutoFit/>
+          </a:bodyPr>
+          <a:lstStyle/>
+          <a:p>
+            <a:r>
+              <a:rPr lang="fr-FR" dirty="0"/>
+              <a:t>File by default (</a:t>
+            </a:r>
+            <a:r>
+              <a:rPr lang="fr-FR" dirty="0" err="1"/>
+              <a:t>this</a:t>
+            </a:r>
+            <a:r>
+              <a:rPr lang="fr-FR" dirty="0"/>
+              <a:t> </a:t>
+            </a:r>
+            <a:r>
+              <a:rPr lang="fr-FR" dirty="0" err="1"/>
+              <a:t>is</a:t>
+            </a:r>
+            <a:r>
+              <a:rPr lang="fr-FR" dirty="0"/>
+              <a:t> the value if no file)</a:t>
+            </a:r>
+          </a:p>
+          <a:p>
+            <a:r>
+              <a:rPr lang="fr-FR" dirty="0"/>
+              <a:t>0	1</a:t>
+            </a:r>
+          </a:p>
+        </p:txBody>
+      </p:sp>
+      <p:pic>
+        <p:nvPicPr>
+          <p:cNvPr id="10" name="Image 9"/>
+          <p:cNvPicPr>
+            <a:picLocks noChangeAspect="1"/>
+          </p:cNvPicPr>
+          <p:nvPr/>
+        </p:nvPicPr>
+        <p:blipFill>
+          <a:blip r:embed="rId4"/>
+          <a:stretch>
+            <a:fillRect/>
+          </a:stretch>
+        </p:blipFill>
+        <p:spPr>
+          <a:xfrm>
+            <a:off x="4399551" y="1991679"/>
+            <a:ext cx="1257475" cy="971686"/>
+          </a:xfrm>
+          <a:prstGeom prst="rect">
+            <a:avLst/>
+          </a:prstGeom>
+        </p:spPr>
+      </p:pic>
+      <p:sp>
+        <p:nvSpPr>
+          <p:cNvPr id="6" name="ZoneTexte 5"/>
+          <p:cNvSpPr txBox="1"/>
+          <p:nvPr/>
+        </p:nvSpPr>
+        <p:spPr>
+          <a:xfrm>
+            <a:off x="2380659" y="1674298"/>
+            <a:ext cx="1386918" cy="338554"/>
+          </a:xfrm>
+          <a:prstGeom prst="rect">
+            <a:avLst/>
+          </a:prstGeom>
+          <a:solidFill>
+            <a:schemeClr val="bg1"/>
+          </a:solidFill>
+        </p:spPr>
+        <p:txBody>
+          <a:bodyPr wrap="none" rtlCol="0">
+            <a:spAutoFit/>
+          </a:bodyPr>
+          <a:lstStyle/>
+          <a:p>
+            <a:r>
+              <a:rPr lang="fr-FR" sz="800" dirty="0">
+                <a:solidFill>
+                  <a:srgbClr val="FF0000"/>
+                </a:solidFill>
+              </a:rPr>
+              <a:t>Transmission points in file</a:t>
+            </a:r>
+          </a:p>
+          <a:p>
+            <a:r>
+              <a:rPr lang="fr-FR" sz="800" dirty="0"/>
+              <a:t>Transmission </a:t>
+            </a:r>
+            <a:r>
+              <a:rPr lang="fr-FR" sz="800" dirty="0" err="1"/>
+              <a:t>see</a:t>
+            </a:r>
+            <a:r>
+              <a:rPr lang="fr-FR" sz="800" dirty="0"/>
+              <a:t> in the code</a:t>
+            </a:r>
+          </a:p>
+        </p:txBody>
+      </p:sp>
+      <p:pic>
+        <p:nvPicPr>
+          <p:cNvPr id="15" name="Image 14"/>
+          <p:cNvPicPr>
+            <a:picLocks noChangeAspect="1"/>
+          </p:cNvPicPr>
+          <p:nvPr/>
+        </p:nvPicPr>
+        <p:blipFill>
+          <a:blip r:embed="rId5"/>
+          <a:stretch>
+            <a:fillRect/>
+          </a:stretch>
+        </p:blipFill>
+        <p:spPr>
+          <a:xfrm>
+            <a:off x="2209988" y="1754803"/>
+            <a:ext cx="253214" cy="210053"/>
+          </a:xfrm>
+          <a:prstGeom prst="rect">
+            <a:avLst/>
+          </a:prstGeom>
+        </p:spPr>
+      </p:pic>
+      <p:pic>
+        <p:nvPicPr>
+          <p:cNvPr id="16" name="Image 15"/>
+          <p:cNvPicPr>
+            <a:picLocks noChangeAspect="1"/>
+          </p:cNvPicPr>
+          <p:nvPr/>
+        </p:nvPicPr>
+        <p:blipFill>
+          <a:blip r:embed="rId6"/>
+          <a:stretch>
+            <a:fillRect/>
+          </a:stretch>
+        </p:blipFill>
+        <p:spPr>
+          <a:xfrm>
+            <a:off x="5980563" y="1694116"/>
+            <a:ext cx="3055931" cy="2465939"/>
+          </a:xfrm>
+          <a:prstGeom prst="rect">
+            <a:avLst/>
+          </a:prstGeom>
+        </p:spPr>
+      </p:pic>
+      <p:sp>
+        <p:nvSpPr>
+          <p:cNvPr id="17" name="ZoneTexte 16"/>
+          <p:cNvSpPr txBox="1"/>
+          <p:nvPr/>
+        </p:nvSpPr>
+        <p:spPr>
+          <a:xfrm rot="16200000">
+            <a:off x="880808" y="2730653"/>
+            <a:ext cx="947695" cy="215444"/>
+          </a:xfrm>
+          <a:prstGeom prst="rect">
+            <a:avLst/>
+          </a:prstGeom>
+          <a:solidFill>
+            <a:schemeClr val="bg1"/>
+          </a:solidFill>
+        </p:spPr>
+        <p:txBody>
+          <a:bodyPr wrap="none" rtlCol="0">
+            <a:spAutoFit/>
+          </a:bodyPr>
+          <a:lstStyle/>
+          <a:p>
+            <a:r>
+              <a:rPr lang="fr-FR" sz="800" dirty="0" err="1"/>
+              <a:t>Intensity</a:t>
+            </a:r>
+            <a:r>
+              <a:rPr lang="fr-FR" sz="800" dirty="0"/>
+              <a:t> (relative)</a:t>
+            </a:r>
+          </a:p>
+        </p:txBody>
+      </p:sp>
+    </p:spTree>
+    <p:extLst>
+      <p:ext uri="{BB962C8B-B14F-4D97-AF65-F5344CB8AC3E}">
+        <p14:creationId xmlns:p14="http://schemas.microsoft.com/office/powerpoint/2010/main" val="1740835818"/>
       </p:ext>
     </p:extLst>
   </p:cSld>
@@ -4033,34 +4580,7 @@
               <a:buFont typeface="Arial" charset="0"/>
               <a:buChar char="•"/>
             </a:pPr>
-            <a:r>
-              <a:rPr lang="fr-FR" sz="1400" dirty="0"/>
-              <a:t>If </a:t>
-            </a:r>
-            <a:r>
-              <a:rPr lang="fr-FR" sz="1400" dirty="0" err="1"/>
-              <a:t>needed</a:t>
-            </a:r>
-            <a:r>
-              <a:rPr lang="fr-FR" sz="1400" dirty="0"/>
-              <a:t> </a:t>
-            </a:r>
-            <a:r>
-              <a:rPr lang="fr-FR" sz="1400" dirty="0" err="1"/>
-              <a:t>Create</a:t>
-            </a:r>
-            <a:r>
-              <a:rPr lang="fr-FR" sz="1400" dirty="0"/>
-              <a:t> new Levels (</a:t>
-            </a:r>
-            <a:r>
-              <a:rPr lang="fr-FR" sz="1400" dirty="0" err="1"/>
-              <a:t>from</a:t>
-            </a:r>
-            <a:r>
-              <a:rPr lang="fr-FR" sz="1400" dirty="0"/>
-              <a:t> Franck-Condon)</a:t>
-            </a:r>
+            <a:endParaRPr lang="fr-FR" sz="1400" dirty="0"/>
           </a:p>
           <a:p>
             <a:pPr marL="285750" indent="-285750">
@@ -4415,10 +4935,16 @@
               <a:t>) </a:t>
             </a:r>
             <a:r>
-              <a:rPr lang="fr-FR" sz="1400">
+              <a:rPr lang="fr-FR" sz="1400" dirty="0" err="1">
                 <a:sym typeface="Wingdings" panose="05000000000000000000" pitchFamily="2" charset="2"/>
               </a:rPr>
-              <a:t>evolves </a:t>
+              <a:t>evolves</a:t>
+            </a:r>
+            <a:r>
+              <a:rPr lang="fr-FR" sz="1400" dirty="0">
+                <a:sym typeface="Wingdings" panose="05000000000000000000" pitchFamily="2" charset="2"/>
+              </a:rPr>
+              <a:t> </a:t>
             </a:r>
             <a:r>
               <a:rPr lang="fr-FR" sz="1400" dirty="0" err="1">

--- a/User Guide/Figures.pptx
+++ b/User Guide/Figures.pptx
@@ -15,6 +15,7 @@
     <p:sldId id="264" r:id="rId9"/>
     <p:sldId id="261" r:id="rId10"/>
     <p:sldId id="265" r:id="rId11"/>
+    <p:sldId id="266" r:id="rId12"/>
   </p:sldIdLst>
   <p:sldSz cx="9144000" cy="6858000" type="screen4x3"/>
   <p:notesSz cx="7099300" cy="10234613"/>
@@ -311,7 +312,7 @@
           <a:p>
             <a:fld id="{98D7A7FD-AC4C-4F89-8B40-F1EA51214CCC}" type="datetimeFigureOut">
               <a:rPr lang="fr-FR" smtClean="0"/>
-              <a:t>07/08/2020</a:t>
+              <a:t>26/01/2021</a:t>
             </a:fld>
             <a:endParaRPr lang="fr-FR"/>
           </a:p>
@@ -479,7 +480,7 @@
           <a:p>
             <a:fld id="{98D7A7FD-AC4C-4F89-8B40-F1EA51214CCC}" type="datetimeFigureOut">
               <a:rPr lang="fr-FR" smtClean="0"/>
-              <a:t>07/08/2020</a:t>
+              <a:t>26/01/2021</a:t>
             </a:fld>
             <a:endParaRPr lang="fr-FR"/>
           </a:p>
@@ -657,7 +658,7 @@
           <a:p>
             <a:fld id="{98D7A7FD-AC4C-4F89-8B40-F1EA51214CCC}" type="datetimeFigureOut">
               <a:rPr lang="fr-FR" smtClean="0"/>
-              <a:t>07/08/2020</a:t>
+              <a:t>26/01/2021</a:t>
             </a:fld>
             <a:endParaRPr lang="fr-FR"/>
           </a:p>
@@ -825,7 +826,7 @@
           <a:p>
             <a:fld id="{98D7A7FD-AC4C-4F89-8B40-F1EA51214CCC}" type="datetimeFigureOut">
               <a:rPr lang="fr-FR" smtClean="0"/>
-              <a:t>07/08/2020</a:t>
+              <a:t>26/01/2021</a:t>
             </a:fld>
             <a:endParaRPr lang="fr-FR"/>
           </a:p>
@@ -1070,7 +1071,7 @@
           <a:p>
             <a:fld id="{98D7A7FD-AC4C-4F89-8B40-F1EA51214CCC}" type="datetimeFigureOut">
               <a:rPr lang="fr-FR" smtClean="0"/>
-              <a:t>07/08/2020</a:t>
+              <a:t>26/01/2021</a:t>
             </a:fld>
             <a:endParaRPr lang="fr-FR"/>
           </a:p>
@@ -1355,7 +1356,7 @@
           <a:p>
             <a:fld id="{98D7A7FD-AC4C-4F89-8B40-F1EA51214CCC}" type="datetimeFigureOut">
               <a:rPr lang="fr-FR" smtClean="0"/>
-              <a:t>07/08/2020</a:t>
+              <a:t>26/01/2021</a:t>
             </a:fld>
             <a:endParaRPr lang="fr-FR"/>
           </a:p>
@@ -1774,7 +1775,7 @@
           <a:p>
             <a:fld id="{98D7A7FD-AC4C-4F89-8B40-F1EA51214CCC}" type="datetimeFigureOut">
               <a:rPr lang="fr-FR" smtClean="0"/>
-              <a:t>07/08/2020</a:t>
+              <a:t>26/01/2021</a:t>
             </a:fld>
             <a:endParaRPr lang="fr-FR"/>
           </a:p>
@@ -1891,7 +1892,7 @@
           <a:p>
             <a:fld id="{98D7A7FD-AC4C-4F89-8B40-F1EA51214CCC}" type="datetimeFigureOut">
               <a:rPr lang="fr-FR" smtClean="0"/>
-              <a:t>07/08/2020</a:t>
+              <a:t>26/01/2021</a:t>
             </a:fld>
             <a:endParaRPr lang="fr-FR"/>
           </a:p>
@@ -1986,7 +1987,7 @@
           <a:p>
             <a:fld id="{98D7A7FD-AC4C-4F89-8B40-F1EA51214CCC}" type="datetimeFigureOut">
               <a:rPr lang="fr-FR" smtClean="0"/>
-              <a:t>07/08/2020</a:t>
+              <a:t>26/01/2021</a:t>
             </a:fld>
             <a:endParaRPr lang="fr-FR"/>
           </a:p>
@@ -2261,7 +2262,7 @@
           <a:p>
             <a:fld id="{98D7A7FD-AC4C-4F89-8B40-F1EA51214CCC}" type="datetimeFigureOut">
               <a:rPr lang="fr-FR" smtClean="0"/>
-              <a:t>07/08/2020</a:t>
+              <a:t>26/01/2021</a:t>
             </a:fld>
             <a:endParaRPr lang="fr-FR"/>
           </a:p>
@@ -2513,7 +2514,7 @@
           <a:p>
             <a:fld id="{98D7A7FD-AC4C-4F89-8B40-F1EA51214CCC}" type="datetimeFigureOut">
               <a:rPr lang="fr-FR" smtClean="0"/>
-              <a:t>07/08/2020</a:t>
+              <a:t>26/01/2021</a:t>
             </a:fld>
             <a:endParaRPr lang="fr-FR"/>
           </a:p>
@@ -2724,7 +2725,7 @@
           <a:p>
             <a:fld id="{98D7A7FD-AC4C-4F89-8B40-F1EA51214CCC}" type="datetimeFigureOut">
               <a:rPr lang="fr-FR" smtClean="0"/>
-              <a:t>07/08/2020</a:t>
+              <a:t>26/01/2021</a:t>
             </a:fld>
             <a:endParaRPr lang="fr-FR"/>
           </a:p>
@@ -3771,10 +3772,10 @@
       </p:grpSpPr>
       <p:grpSp>
         <p:nvGrpSpPr>
-          <p:cNvPr id="4" name="Groupe 3">
+          <p:cNvPr id="20" name="Groupe 19">
             <a:extLst>
               <a:ext uri="{FF2B5EF4-FFF2-40B4-BE49-F238E27FC236}">
-                <a16:creationId xmlns:a16="http://schemas.microsoft.com/office/drawing/2014/main" id="{6E352519-0F88-4F86-959A-7850C058659D}"/>
+                <a16:creationId xmlns:a16="http://schemas.microsoft.com/office/drawing/2014/main" id="{B59A1C3A-B6DF-4CE9-9D8C-57B3FE79E1E4}"/>
               </a:ext>
             </a:extLst>
           </p:cNvPr>
@@ -3783,91 +3784,88 @@
         </p:nvGrpSpPr>
         <p:grpSpPr>
           <a:xfrm>
-            <a:off x="323528" y="620688"/>
-            <a:ext cx="10690794" cy="4201111"/>
-            <a:chOff x="323528" y="620688"/>
-            <a:chExt cx="10690794" cy="4201111"/>
+            <a:off x="203005" y="202157"/>
+            <a:ext cx="8749552" cy="5438991"/>
+            <a:chOff x="203005" y="202157"/>
+            <a:chExt cx="8749552" cy="5438991"/>
           </a:xfrm>
         </p:grpSpPr>
-        <p:grpSp>
-          <p:nvGrpSpPr>
-            <p:cNvPr id="6" name="Groupe 5"/>
-            <p:cNvGrpSpPr/>
-            <p:nvPr/>
-          </p:nvGrpSpPr>
-          <p:grpSpPr>
-            <a:xfrm>
-              <a:off x="323528" y="620688"/>
-              <a:ext cx="10690794" cy="4201111"/>
-              <a:chOff x="19849" y="3220"/>
-              <a:chExt cx="10690794" cy="4201111"/>
-            </a:xfrm>
-          </p:grpSpPr>
-          <p:pic>
-            <p:nvPicPr>
-              <p:cNvPr id="2" name="Image 1"/>
-              <p:cNvPicPr>
-                <a:picLocks noChangeAspect="1"/>
-              </p:cNvPicPr>
-              <p:nvPr/>
-            </p:nvPicPr>
-            <p:blipFill>
-              <a:blip r:embed="rId2"/>
-              <a:stretch>
-                <a:fillRect/>
-              </a:stretch>
-            </p:blipFill>
-            <p:spPr>
-              <a:xfrm>
-                <a:off x="19849" y="3220"/>
-                <a:ext cx="4696480" cy="2219635"/>
-              </a:xfrm>
-              <a:prstGeom prst="rect">
-                <a:avLst/>
-              </a:prstGeom>
-              <a:ln w="28575">
-                <a:solidFill>
-                  <a:schemeClr val="accent1"/>
-                </a:solidFill>
-              </a:ln>
-            </p:spPr>
-          </p:pic>
-          <p:pic>
-            <p:nvPicPr>
-              <p:cNvPr id="11" name="Image 10"/>
-              <p:cNvPicPr>
-                <a:picLocks noChangeAspect="1"/>
-              </p:cNvPicPr>
-              <p:nvPr/>
-            </p:nvPicPr>
-            <p:blipFill>
-              <a:blip r:embed="rId3"/>
-              <a:stretch>
-                <a:fillRect/>
-              </a:stretch>
-            </p:blipFill>
-            <p:spPr>
-              <a:xfrm>
-                <a:off x="5204425" y="3220"/>
-                <a:ext cx="5506218" cy="4201111"/>
-              </a:xfrm>
-              <a:prstGeom prst="rect">
-                <a:avLst/>
-              </a:prstGeom>
-              <a:ln w="28575">
-                <a:solidFill>
-                  <a:schemeClr val="accent1"/>
-                </a:solidFill>
-              </a:ln>
-            </p:spPr>
-          </p:pic>
-        </p:grpSp>
         <p:pic>
           <p:nvPicPr>
-            <p:cNvPr id="3" name="Image 2">
+            <p:cNvPr id="5" name="Image 4">
               <a:extLst>
                 <a:ext uri="{FF2B5EF4-FFF2-40B4-BE49-F238E27FC236}">
-                  <a16:creationId xmlns:a16="http://schemas.microsoft.com/office/drawing/2014/main" id="{FCD8327E-0501-4CCD-A535-F2E0A26081DF}"/>
+                  <a16:creationId xmlns:a16="http://schemas.microsoft.com/office/drawing/2014/main" id="{4E58B09F-60E9-44E0-814B-26D8DF125AB0}"/>
+                </a:ext>
+              </a:extLst>
+            </p:cNvPr>
+            <p:cNvPicPr>
+              <a:picLocks noChangeAspect="1"/>
+            </p:cNvPicPr>
+            <p:nvPr/>
+          </p:nvPicPr>
+          <p:blipFill>
+            <a:blip r:embed="rId2"/>
+            <a:stretch>
+              <a:fillRect/>
+            </a:stretch>
+          </p:blipFill>
+          <p:spPr>
+            <a:xfrm>
+              <a:off x="323528" y="2924944"/>
+              <a:ext cx="3320309" cy="2716204"/>
+            </a:xfrm>
+            <a:prstGeom prst="rect">
+              <a:avLst/>
+            </a:prstGeom>
+            <a:ln w="28575">
+              <a:solidFill>
+                <a:schemeClr val="accent1"/>
+              </a:solidFill>
+            </a:ln>
+          </p:spPr>
+        </p:pic>
+        <p:pic>
+          <p:nvPicPr>
+            <p:cNvPr id="7" name="Image 6">
+              <a:extLst>
+                <a:ext uri="{FF2B5EF4-FFF2-40B4-BE49-F238E27FC236}">
+                  <a16:creationId xmlns:a16="http://schemas.microsoft.com/office/drawing/2014/main" id="{F0EEE7BD-737D-4F23-A7AB-476FC61C65B3}"/>
+                </a:ext>
+              </a:extLst>
+            </p:cNvPr>
+            <p:cNvPicPr>
+              <a:picLocks noChangeAspect="1"/>
+            </p:cNvPicPr>
+            <p:nvPr/>
+          </p:nvPicPr>
+          <p:blipFill>
+            <a:blip r:embed="rId3"/>
+            <a:stretch>
+              <a:fillRect/>
+            </a:stretch>
+          </p:blipFill>
+          <p:spPr>
+            <a:xfrm>
+              <a:off x="203005" y="202157"/>
+              <a:ext cx="3721456" cy="2536812"/>
+            </a:xfrm>
+            <a:prstGeom prst="rect">
+              <a:avLst/>
+            </a:prstGeom>
+            <a:ln w="28575">
+              <a:solidFill>
+                <a:schemeClr val="accent1"/>
+              </a:solidFill>
+            </a:ln>
+          </p:spPr>
+        </p:pic>
+        <p:pic>
+          <p:nvPicPr>
+            <p:cNvPr id="8" name="Image 7">
+              <a:extLst>
+                <a:ext uri="{FF2B5EF4-FFF2-40B4-BE49-F238E27FC236}">
+                  <a16:creationId xmlns:a16="http://schemas.microsoft.com/office/drawing/2014/main" id="{BD3AFA10-8BC6-408A-AC04-5776EFDC2689}"/>
                 </a:ext>
               </a:extLst>
             </p:cNvPr>
@@ -3884,13 +3882,118 @@
           </p:blipFill>
           <p:spPr>
             <a:xfrm>
-              <a:off x="338673" y="2969979"/>
-              <a:ext cx="4000847" cy="1851820"/>
+              <a:off x="4199299" y="534815"/>
+              <a:ext cx="1800733" cy="1483224"/>
             </a:xfrm>
             <a:prstGeom prst="rect">
               <a:avLst/>
             </a:prstGeom>
-            <a:ln w="38100">
+            <a:ln w="28575">
+              <a:solidFill>
+                <a:schemeClr val="accent1"/>
+              </a:solidFill>
+            </a:ln>
+          </p:spPr>
+        </p:pic>
+        <p:pic>
+          <p:nvPicPr>
+            <p:cNvPr id="10" name="Image 9">
+              <a:extLst>
+                <a:ext uri="{FF2B5EF4-FFF2-40B4-BE49-F238E27FC236}">
+                  <a16:creationId xmlns:a16="http://schemas.microsoft.com/office/drawing/2014/main" id="{7C2B32FD-AB9E-4222-97B6-CE25985843E2}"/>
+                </a:ext>
+              </a:extLst>
+            </p:cNvPr>
+            <p:cNvPicPr>
+              <a:picLocks noChangeAspect="1"/>
+            </p:cNvPicPr>
+            <p:nvPr/>
+          </p:nvPicPr>
+          <p:blipFill>
+            <a:blip r:embed="rId5"/>
+            <a:stretch>
+              <a:fillRect/>
+            </a:stretch>
+          </p:blipFill>
+          <p:spPr>
+            <a:xfrm>
+              <a:off x="6297994" y="507200"/>
+              <a:ext cx="2654563" cy="1630408"/>
+            </a:xfrm>
+            <a:prstGeom prst="rect">
+              <a:avLst/>
+            </a:prstGeom>
+            <a:ln w="28575">
+              <a:solidFill>
+                <a:schemeClr val="accent1"/>
+              </a:solidFill>
+            </a:ln>
+          </p:spPr>
+        </p:pic>
+        <p:pic>
+          <p:nvPicPr>
+            <p:cNvPr id="17" name="Image 16">
+              <a:extLst>
+                <a:ext uri="{FF2B5EF4-FFF2-40B4-BE49-F238E27FC236}">
+                  <a16:creationId xmlns:a16="http://schemas.microsoft.com/office/drawing/2014/main" id="{21F2F573-8AFF-46B8-9B9B-ECD77A89AEA4}"/>
+                </a:ext>
+              </a:extLst>
+            </p:cNvPr>
+            <p:cNvPicPr>
+              <a:picLocks noChangeAspect="1"/>
+            </p:cNvPicPr>
+            <p:nvPr/>
+          </p:nvPicPr>
+          <p:blipFill>
+            <a:blip r:embed="rId6"/>
+            <a:stretch>
+              <a:fillRect/>
+            </a:stretch>
+          </p:blipFill>
+          <p:spPr>
+            <a:xfrm>
+              <a:off x="6607377" y="3509896"/>
+              <a:ext cx="2345180" cy="1526389"/>
+            </a:xfrm>
+            <a:prstGeom prst="rect">
+              <a:avLst/>
+            </a:prstGeom>
+            <a:ln w="28575">
+              <a:solidFill>
+                <a:schemeClr val="accent1"/>
+              </a:solidFill>
+            </a:ln>
+          </p:spPr>
+        </p:pic>
+        <p:pic>
+          <p:nvPicPr>
+            <p:cNvPr id="18" name="Image 17">
+              <a:extLst>
+                <a:ext uri="{FF2B5EF4-FFF2-40B4-BE49-F238E27FC236}">
+                  <a16:creationId xmlns:a16="http://schemas.microsoft.com/office/drawing/2014/main" id="{22A81E76-6800-4D99-ABD1-B6A27055D4D8}"/>
+                </a:ext>
+              </a:extLst>
+            </p:cNvPr>
+            <p:cNvPicPr>
+              <a:picLocks noChangeAspect="1"/>
+            </p:cNvPicPr>
+            <p:nvPr/>
+          </p:nvPicPr>
+          <p:blipFill>
+            <a:blip r:embed="rId7"/>
+            <a:stretch>
+              <a:fillRect/>
+            </a:stretch>
+          </p:blipFill>
+          <p:spPr>
+            <a:xfrm>
+              <a:off x="4067944" y="3501008"/>
+              <a:ext cx="2365623" cy="1618584"/>
+            </a:xfrm>
+            <a:prstGeom prst="rect">
+              <a:avLst/>
+            </a:prstGeom>
+            <a:ln w="28575">
               <a:solidFill>
                 <a:schemeClr val="accent1"/>
               </a:solidFill>
@@ -3902,6 +4005,450 @@
     <p:extLst>
       <p:ext uri="{BB962C8B-B14F-4D97-AF65-F5344CB8AC3E}">
         <p14:creationId xmlns:p14="http://schemas.microsoft.com/office/powerpoint/2010/main" val="2216945433"/>
+      </p:ext>
+    </p:extLst>
+  </p:cSld>
+  <p:clrMapOvr>
+    <a:masterClrMapping/>
+  </p:clrMapOvr>
+</p:sld>
+</file>
+
+<file path=ppt/slides/slide11.xml><?xml version="1.0" encoding="utf-8"?>
+<p:sld xmlns:a="http://schemas.openxmlformats.org/drawingml/2006/main" xmlns:r="http://schemas.openxmlformats.org/officeDocument/2006/relationships" xmlns:p="http://schemas.openxmlformats.org/presentationml/2006/main">
+  <p:cSld>
+    <p:spTree>
+      <p:nvGrpSpPr>
+        <p:cNvPr id="1" name=""/>
+        <p:cNvGrpSpPr/>
+        <p:nvPr/>
+      </p:nvGrpSpPr>
+      <p:grpSpPr>
+        <a:xfrm>
+          <a:off x="0" y="0"/>
+          <a:ext cx="0" cy="0"/>
+          <a:chOff x="0" y="0"/>
+          <a:chExt cx="0" cy="0"/>
+        </a:xfrm>
+      </p:grpSpPr>
+      <p:sp>
+        <p:nvSpPr>
+          <p:cNvPr id="13" name="Rectangle 12"/>
+          <p:cNvSpPr/>
+          <p:nvPr/>
+        </p:nvSpPr>
+        <p:spPr>
+          <a:xfrm>
+            <a:off x="4249448" y="1086330"/>
+            <a:ext cx="4787047" cy="3134757"/>
+          </a:xfrm>
+          <a:prstGeom prst="rect">
+            <a:avLst/>
+          </a:prstGeom>
+          <a:solidFill>
+            <a:schemeClr val="bg1"/>
+          </a:solidFill>
+        </p:spPr>
+        <p:style>
+          <a:lnRef idx="2">
+            <a:schemeClr val="accent1">
+              <a:shade val="50000"/>
+            </a:schemeClr>
+          </a:lnRef>
+          <a:fillRef idx="1">
+            <a:schemeClr val="accent1"/>
+          </a:fillRef>
+          <a:effectRef idx="0">
+            <a:schemeClr val="accent1"/>
+          </a:effectRef>
+          <a:fontRef idx="minor">
+            <a:schemeClr val="lt1"/>
+          </a:fontRef>
+        </p:style>
+        <p:txBody>
+          <a:bodyPr rtlCol="0" anchor="ctr"/>
+          <a:lstStyle/>
+          <a:p>
+            <a:pPr algn="ctr"/>
+            <a:endParaRPr lang="fr-FR"/>
+          </a:p>
+        </p:txBody>
+      </p:sp>
+      <p:sp>
+        <p:nvSpPr>
+          <p:cNvPr id="12" name="Rectangle 11"/>
+          <p:cNvSpPr/>
+          <p:nvPr/>
+        </p:nvSpPr>
+        <p:spPr>
+          <a:xfrm>
+            <a:off x="35496" y="1086331"/>
+            <a:ext cx="4104456" cy="3134757"/>
+          </a:xfrm>
+          <a:prstGeom prst="rect">
+            <a:avLst/>
+          </a:prstGeom>
+          <a:solidFill>
+            <a:schemeClr val="bg1"/>
+          </a:solidFill>
+        </p:spPr>
+        <p:style>
+          <a:lnRef idx="2">
+            <a:schemeClr val="accent1">
+              <a:shade val="50000"/>
+            </a:schemeClr>
+          </a:lnRef>
+          <a:fillRef idx="1">
+            <a:schemeClr val="accent1"/>
+          </a:fillRef>
+          <a:effectRef idx="0">
+            <a:schemeClr val="accent1"/>
+          </a:effectRef>
+          <a:fontRef idx="minor">
+            <a:schemeClr val="lt1"/>
+          </a:fontRef>
+        </p:style>
+        <p:txBody>
+          <a:bodyPr rtlCol="0" anchor="ctr"/>
+          <a:lstStyle/>
+          <a:p>
+            <a:pPr algn="ctr"/>
+            <a:endParaRPr lang="fr-FR"/>
+          </a:p>
+        </p:txBody>
+      </p:sp>
+      <p:pic>
+        <p:nvPicPr>
+          <p:cNvPr id="4" name="Image 3"/>
+          <p:cNvPicPr>
+            <a:picLocks noChangeAspect="1"/>
+          </p:cNvPicPr>
+          <p:nvPr/>
+        </p:nvPicPr>
+        <p:blipFill rotWithShape="1">
+          <a:blip r:embed="rId2"/>
+          <a:srcRect t="12522"/>
+          <a:stretch/>
+        </p:blipFill>
+        <p:spPr>
+          <a:xfrm>
+            <a:off x="1331640" y="2060848"/>
+            <a:ext cx="2523299" cy="2012295"/>
+          </a:xfrm>
+          <a:prstGeom prst="rect">
+            <a:avLst/>
+          </a:prstGeom>
+        </p:spPr>
+      </p:pic>
+      <p:pic>
+        <p:nvPicPr>
+          <p:cNvPr id="5" name="Image 4"/>
+          <p:cNvPicPr>
+            <a:picLocks noChangeAspect="1"/>
+          </p:cNvPicPr>
+          <p:nvPr/>
+        </p:nvPicPr>
+        <p:blipFill>
+          <a:blip r:embed="rId3"/>
+          <a:stretch>
+            <a:fillRect/>
+          </a:stretch>
+        </p:blipFill>
+        <p:spPr>
+          <a:xfrm>
+            <a:off x="144992" y="1772816"/>
+            <a:ext cx="1047896" cy="2162477"/>
+          </a:xfrm>
+          <a:prstGeom prst="rect">
+            <a:avLst/>
+          </a:prstGeom>
+        </p:spPr>
+      </p:pic>
+      <p:sp>
+        <p:nvSpPr>
+          <p:cNvPr id="7" name="ZoneTexte 6"/>
+          <p:cNvSpPr txBox="1"/>
+          <p:nvPr/>
+        </p:nvSpPr>
+        <p:spPr>
+          <a:xfrm>
+            <a:off x="528125" y="1086331"/>
+            <a:ext cx="2815579" cy="369332"/>
+          </a:xfrm>
+          <a:prstGeom prst="rect">
+            <a:avLst/>
+          </a:prstGeom>
+          <a:noFill/>
+        </p:spPr>
+        <p:txBody>
+          <a:bodyPr wrap="none" rtlCol="0">
+            <a:spAutoFit/>
+          </a:bodyPr>
+          <a:lstStyle/>
+          <a:p>
+            <a:r>
+              <a:rPr lang="fr-FR" dirty="0"/>
+              <a:t>Laser </a:t>
+            </a:r>
+            <a:r>
+              <a:rPr lang="fr-FR" dirty="0" err="1"/>
+              <a:t>Intensity</a:t>
+            </a:r>
+            <a:r>
+              <a:rPr lang="fr-FR" dirty="0"/>
+              <a:t> (versus time)</a:t>
+            </a:r>
+          </a:p>
+        </p:txBody>
+      </p:sp>
+      <p:sp>
+        <p:nvSpPr>
+          <p:cNvPr id="8" name="ZoneTexte 7"/>
+          <p:cNvSpPr txBox="1"/>
+          <p:nvPr/>
+        </p:nvSpPr>
+        <p:spPr>
+          <a:xfrm>
+            <a:off x="5772386" y="1187460"/>
+            <a:ext cx="1487971" cy="369332"/>
+          </a:xfrm>
+          <a:prstGeom prst="rect">
+            <a:avLst/>
+          </a:prstGeom>
+          <a:noFill/>
+        </p:spPr>
+        <p:txBody>
+          <a:bodyPr wrap="none" rtlCol="0">
+            <a:spAutoFit/>
+          </a:bodyPr>
+          <a:lstStyle/>
+          <a:p>
+            <a:r>
+              <a:rPr lang="fr-FR" dirty="0"/>
+              <a:t>Laser </a:t>
+            </a:r>
+            <a:r>
+              <a:rPr lang="fr-FR" dirty="0" err="1"/>
+              <a:t>Spectra</a:t>
+            </a:r>
+            <a:r>
+              <a:rPr lang="fr-FR" dirty="0"/>
+              <a:t> </a:t>
+            </a:r>
+          </a:p>
+        </p:txBody>
+      </p:sp>
+      <p:sp>
+        <p:nvSpPr>
+          <p:cNvPr id="9" name="ZoneTexte 8"/>
+          <p:cNvSpPr txBox="1"/>
+          <p:nvPr/>
+        </p:nvSpPr>
+        <p:spPr>
+          <a:xfrm>
+            <a:off x="2152003" y="5589240"/>
+            <a:ext cx="3975897" cy="646331"/>
+          </a:xfrm>
+          <a:prstGeom prst="rect">
+            <a:avLst/>
+          </a:prstGeom>
+          <a:noFill/>
+        </p:spPr>
+        <p:txBody>
+          <a:bodyPr wrap="none" rtlCol="0">
+            <a:spAutoFit/>
+          </a:bodyPr>
+          <a:lstStyle/>
+          <a:p>
+            <a:r>
+              <a:rPr lang="fr-FR" dirty="0"/>
+              <a:t>File by default (</a:t>
+            </a:r>
+            <a:r>
+              <a:rPr lang="fr-FR" dirty="0" err="1"/>
+              <a:t>this</a:t>
+            </a:r>
+            <a:r>
+              <a:rPr lang="fr-FR" dirty="0"/>
+              <a:t> </a:t>
+            </a:r>
+            <a:r>
+              <a:rPr lang="fr-FR" dirty="0" err="1"/>
+              <a:t>is</a:t>
+            </a:r>
+            <a:r>
+              <a:rPr lang="fr-FR" dirty="0"/>
+              <a:t> the value if no file)</a:t>
+            </a:r>
+          </a:p>
+          <a:p>
+            <a:r>
+              <a:rPr lang="fr-FR" dirty="0"/>
+              <a:t>0	1</a:t>
+            </a:r>
+          </a:p>
+        </p:txBody>
+      </p:sp>
+      <p:pic>
+        <p:nvPicPr>
+          <p:cNvPr id="10" name="Image 9"/>
+          <p:cNvPicPr>
+            <a:picLocks noChangeAspect="1"/>
+          </p:cNvPicPr>
+          <p:nvPr/>
+        </p:nvPicPr>
+        <p:blipFill>
+          <a:blip r:embed="rId4"/>
+          <a:stretch>
+            <a:fillRect/>
+          </a:stretch>
+        </p:blipFill>
+        <p:spPr>
+          <a:xfrm>
+            <a:off x="4399551" y="1991679"/>
+            <a:ext cx="1257475" cy="971686"/>
+          </a:xfrm>
+          <a:prstGeom prst="rect">
+            <a:avLst/>
+          </a:prstGeom>
+        </p:spPr>
+      </p:pic>
+      <p:sp>
+        <p:nvSpPr>
+          <p:cNvPr id="6" name="ZoneTexte 5"/>
+          <p:cNvSpPr txBox="1"/>
+          <p:nvPr/>
+        </p:nvSpPr>
+        <p:spPr>
+          <a:xfrm>
+            <a:off x="2380659" y="1674298"/>
+            <a:ext cx="1386918" cy="338554"/>
+          </a:xfrm>
+          <a:prstGeom prst="rect">
+            <a:avLst/>
+          </a:prstGeom>
+          <a:solidFill>
+            <a:schemeClr val="bg1"/>
+          </a:solidFill>
+        </p:spPr>
+        <p:txBody>
+          <a:bodyPr wrap="none" rtlCol="0">
+            <a:spAutoFit/>
+          </a:bodyPr>
+          <a:lstStyle/>
+          <a:p>
+            <a:r>
+              <a:rPr lang="fr-FR" sz="800" dirty="0">
+                <a:solidFill>
+                  <a:srgbClr val="FF0000"/>
+                </a:solidFill>
+              </a:rPr>
+              <a:t>Transmission points in file</a:t>
+            </a:r>
+          </a:p>
+          <a:p>
+            <a:r>
+              <a:rPr lang="fr-FR" sz="800" dirty="0"/>
+              <a:t>Transmission </a:t>
+            </a:r>
+            <a:r>
+              <a:rPr lang="fr-FR" sz="800" dirty="0" err="1"/>
+              <a:t>see</a:t>
+            </a:r>
+            <a:r>
+              <a:rPr lang="fr-FR" sz="800" dirty="0"/>
+              <a:t> in the code</a:t>
+            </a:r>
+          </a:p>
+        </p:txBody>
+      </p:sp>
+      <p:pic>
+        <p:nvPicPr>
+          <p:cNvPr id="15" name="Image 14"/>
+          <p:cNvPicPr>
+            <a:picLocks noChangeAspect="1"/>
+          </p:cNvPicPr>
+          <p:nvPr/>
+        </p:nvPicPr>
+        <p:blipFill>
+          <a:blip r:embed="rId5"/>
+          <a:stretch>
+            <a:fillRect/>
+          </a:stretch>
+        </p:blipFill>
+        <p:spPr>
+          <a:xfrm>
+            <a:off x="2209988" y="1754803"/>
+            <a:ext cx="253214" cy="210053"/>
+          </a:xfrm>
+          <a:prstGeom prst="rect">
+            <a:avLst/>
+          </a:prstGeom>
+        </p:spPr>
+      </p:pic>
+      <p:pic>
+        <p:nvPicPr>
+          <p:cNvPr id="16" name="Image 15"/>
+          <p:cNvPicPr>
+            <a:picLocks noChangeAspect="1"/>
+          </p:cNvPicPr>
+          <p:nvPr/>
+        </p:nvPicPr>
+        <p:blipFill>
+          <a:blip r:embed="rId6"/>
+          <a:stretch>
+            <a:fillRect/>
+          </a:stretch>
+        </p:blipFill>
+        <p:spPr>
+          <a:xfrm>
+            <a:off x="5980563" y="1694116"/>
+            <a:ext cx="3055931" cy="2465939"/>
+          </a:xfrm>
+          <a:prstGeom prst="rect">
+            <a:avLst/>
+          </a:prstGeom>
+        </p:spPr>
+      </p:pic>
+      <p:sp>
+        <p:nvSpPr>
+          <p:cNvPr id="17" name="ZoneTexte 16"/>
+          <p:cNvSpPr txBox="1"/>
+          <p:nvPr/>
+        </p:nvSpPr>
+        <p:spPr>
+          <a:xfrm rot="16200000">
+            <a:off x="880808" y="2730653"/>
+            <a:ext cx="947695" cy="215444"/>
+          </a:xfrm>
+          <a:prstGeom prst="rect">
+            <a:avLst/>
+          </a:prstGeom>
+          <a:solidFill>
+            <a:schemeClr val="bg1"/>
+          </a:solidFill>
+        </p:spPr>
+        <p:txBody>
+          <a:bodyPr wrap="none" rtlCol="0">
+            <a:spAutoFit/>
+          </a:bodyPr>
+          <a:lstStyle/>
+          <a:p>
+            <a:r>
+              <a:rPr lang="fr-FR" sz="800" dirty="0" err="1"/>
+              <a:t>Intensity</a:t>
+            </a:r>
+            <a:r>
+              <a:rPr lang="fr-FR" sz="800" dirty="0"/>
+              <a:t> (relative)</a:t>
+            </a:r>
+          </a:p>
+        </p:txBody>
+      </p:sp>
+    </p:spTree>
+    <p:extLst>
+      <p:ext uri="{BB962C8B-B14F-4D97-AF65-F5344CB8AC3E}">
+        <p14:creationId xmlns:p14="http://schemas.microsoft.com/office/powerpoint/2010/main" val="1740835818"/>
       </p:ext>
     </p:extLst>
   </p:cSld>
@@ -4033,34 +4580,7 @@
               <a:buFont typeface="Arial" charset="0"/>
               <a:buChar char="•"/>
             </a:pPr>
-            <a:r>
-              <a:rPr lang="fr-FR" sz="1400" dirty="0"/>
-              <a:t>If </a:t>
-            </a:r>
-            <a:r>
-              <a:rPr lang="fr-FR" sz="1400" dirty="0" err="1"/>
-              <a:t>needed</a:t>
-            </a:r>
-            <a:r>
-              <a:rPr lang="fr-FR" sz="1400" dirty="0"/>
-              <a:t> </a:t>
-            </a:r>
-            <a:r>
-              <a:rPr lang="fr-FR" sz="1400" dirty="0" err="1"/>
-              <a:t>Create</a:t>
-            </a:r>
-            <a:r>
-              <a:rPr lang="fr-FR" sz="1400" dirty="0"/>
-              <a:t> new Levels (</a:t>
-            </a:r>
-            <a:r>
-              <a:rPr lang="fr-FR" sz="1400" dirty="0" err="1"/>
-              <a:t>from</a:t>
-            </a:r>
-            <a:r>
-              <a:rPr lang="fr-FR" sz="1400" dirty="0"/>
-              <a:t> Franck-Condon)</a:t>
-            </a:r>
+            <a:endParaRPr lang="fr-FR" sz="1400" dirty="0"/>
           </a:p>
           <a:p>
             <a:pPr marL="285750" indent="-285750">
@@ -4415,10 +4935,16 @@
               <a:t>) </a:t>
             </a:r>
             <a:r>
-              <a:rPr lang="fr-FR" sz="1400">
+              <a:rPr lang="fr-FR" sz="1400" dirty="0" err="1">
                 <a:sym typeface="Wingdings" panose="05000000000000000000" pitchFamily="2" charset="2"/>
               </a:rPr>
-              <a:t>evolves </a:t>
+              <a:t>evolves</a:t>
+            </a:r>
+            <a:r>
+              <a:rPr lang="fr-FR" sz="1400" dirty="0">
+                <a:sym typeface="Wingdings" panose="05000000000000000000" pitchFamily="2" charset="2"/>
+              </a:rPr>
+              <a:t> </a:t>
             </a:r>
             <a:r>
               <a:rPr lang="fr-FR" sz="1400" dirty="0" err="1">
@@ -6350,23 +6876,7 @@
           <a:p>
             <a:r>
               <a:rPr lang="fr-FR" dirty="0"/>
-              <a:t>	 </a:t>
-            </a:r>
-            <a:r>
-              <a:rPr lang="fr-FR" dirty="0" err="1"/>
-              <a:t>Energy</a:t>
-            </a:r>
-            <a:r>
-              <a:rPr lang="fr-FR" dirty="0"/>
-              <a:t> (0 </a:t>
-            </a:r>
-            <a:r>
-              <a:rPr lang="fr-FR" dirty="0" err="1"/>
-              <a:t>field</a:t>
-            </a:r>
-            <a:r>
-              <a:rPr lang="fr-FR" dirty="0"/>
-              <a:t> and </a:t>
+              <a:t>	 Energy (0 field and </a:t>
             </a:r>
             <a:r>
               <a:rPr lang="fr-FR" dirty="0" err="1"/>
@@ -7208,30 +7718,18 @@
             </a:r>
             <a:r>
               <a:rPr lang="fr-FR" sz="1400" dirty="0"/>
-              <a:t>=(-</a:t>
-            </a:r>
-            <a:r>
-              <a:rPr lang="fr-FR" sz="1400" dirty="0" err="1"/>
-              <a:t>e’</a:t>
-            </a:r>
-            <a:r>
-              <a:rPr lang="fr-FR" sz="1400" baseline="-25000" dirty="0" err="1"/>
-              <a:t>x</a:t>
+              <a:t>=(-e’</a:t>
             </a:r>
             <a:r>
               <a:rPr lang="fr-FR" sz="1400" baseline="-25000" dirty="0"/>
-              <a:t> </a:t>
+              <a:t>x </a:t>
             </a:r>
             <a:r>
               <a:rPr lang="fr-FR" sz="1400" dirty="0"/>
-              <a:t>- i </a:t>
-            </a:r>
-            <a:r>
-              <a:rPr lang="fr-FR" sz="1400" dirty="0" err="1"/>
-              <a:t>e’</a:t>
-            </a:r>
-            <a:r>
-              <a:rPr lang="fr-FR" sz="1400" baseline="-25000" dirty="0" err="1"/>
+              <a:t>- i e’</a:t>
+            </a:r>
+            <a:r>
+              <a:rPr lang="fr-FR" sz="1400" baseline="-25000" dirty="0"/>
               <a:t>y</a:t>
             </a:r>
             <a:r>
@@ -7279,26 +7777,18 @@
             </a:r>
             <a:r>
               <a:rPr lang="fr-FR" sz="1400" dirty="0"/>
-              <a:t>=( </a:t>
-            </a:r>
-            <a:r>
-              <a:rPr lang="fr-FR" sz="1400" dirty="0" err="1"/>
-              <a:t>e’</a:t>
-            </a:r>
-            <a:r>
-              <a:rPr lang="fr-FR" sz="1400" baseline="-25000" dirty="0" err="1"/>
+              <a:t>=( e’</a:t>
+            </a:r>
+            <a:r>
+              <a:rPr lang="fr-FR" sz="1400" baseline="-25000" dirty="0"/>
               <a:t>x</a:t>
             </a:r>
             <a:r>
               <a:rPr lang="fr-FR" sz="1400" dirty="0"/>
-              <a:t> - i </a:t>
-            </a:r>
-            <a:r>
-              <a:rPr lang="fr-FR" sz="1400" dirty="0" err="1"/>
-              <a:t>e’</a:t>
-            </a:r>
-            <a:r>
-              <a:rPr lang="fr-FR" sz="1400" baseline="-25000" dirty="0" err="1"/>
+              <a:t> - i e’</a:t>
+            </a:r>
+            <a:r>
+              <a:rPr lang="fr-FR" sz="1400" baseline="-25000" dirty="0"/>
               <a:t>y</a:t>
             </a:r>
             <a:r>
@@ -7342,14 +7832,10 @@
             </a:r>
             <a:r>
               <a:rPr lang="fr-FR" sz="1400" dirty="0"/>
-              <a:t>= </a:t>
-            </a:r>
-            <a:r>
-              <a:rPr lang="fr-FR" sz="1400" dirty="0" err="1"/>
-              <a:t>e’</a:t>
-            </a:r>
-            <a:r>
-              <a:rPr lang="fr-FR" sz="1400" baseline="-25000" dirty="0" err="1"/>
+              <a:t>= e’</a:t>
+            </a:r>
+            <a:r>
+              <a:rPr lang="fr-FR" sz="1400" baseline="-25000" dirty="0"/>
               <a:t>z</a:t>
             </a:r>
             <a:endParaRPr lang="fr-FR" sz="1400" dirty="0"/>
@@ -7439,7 +7925,7 @@
         <p:spPr>
           <a:xfrm>
             <a:off x="6416004" y="2275506"/>
-            <a:ext cx="419795" cy="369332"/>
+            <a:ext cx="444865" cy="400110"/>
           </a:xfrm>
           <a:prstGeom prst="rect">
             <a:avLst/>
@@ -7453,26 +7939,23 @@
           <a:lstStyle/>
           <a:p>
             <a:r>
-              <a:rPr lang="fr-FR" dirty="0" err="1">
+              <a:rPr lang="fr-FR" sz="2000" dirty="0">
                 <a:solidFill>
                   <a:srgbClr val="FF0000"/>
                 </a:solidFill>
+                <a:latin typeface="+mj-lt"/>
               </a:rPr>
               <a:t>e’</a:t>
             </a:r>
             <a:r>
-              <a:rPr lang="fr-FR" baseline="-25000" dirty="0" err="1">
+              <a:rPr lang="fr-FR" sz="2000" baseline="-25000" dirty="0">
                 <a:solidFill>
                   <a:srgbClr val="FF0000"/>
                 </a:solidFill>
+                <a:latin typeface="+mj-lt"/>
               </a:rPr>
               <a:t>x</a:t>
             </a:r>
-            <a:endParaRPr lang="fr-FR" baseline="-25000" dirty="0">
-              <a:solidFill>
-                <a:srgbClr val="FF0000"/>
-              </a:solidFill>
-            </a:endParaRPr>
           </a:p>
         </p:txBody>
       </p:sp>
@@ -7485,7 +7968,7 @@
         <p:spPr>
           <a:xfrm>
             <a:off x="6799500" y="1410147"/>
-            <a:ext cx="421847" cy="369332"/>
+            <a:ext cx="448584" cy="400110"/>
           </a:xfrm>
           <a:prstGeom prst="rect">
             <a:avLst/>
@@ -7499,26 +7982,23 @@
           <a:lstStyle/>
           <a:p>
             <a:r>
-              <a:rPr lang="fr-FR" dirty="0" err="1">
+              <a:rPr lang="fr-FR" sz="2000" dirty="0">
                 <a:solidFill>
                   <a:srgbClr val="FF0000"/>
                 </a:solidFill>
+                <a:latin typeface="+mj-lt"/>
               </a:rPr>
               <a:t>e’</a:t>
             </a:r>
             <a:r>
-              <a:rPr lang="fr-FR" baseline="-25000" dirty="0" err="1">
+              <a:rPr lang="fr-FR" sz="2000" baseline="-25000" dirty="0">
                 <a:solidFill>
                   <a:srgbClr val="FF0000"/>
                 </a:solidFill>
+                <a:latin typeface="+mj-lt"/>
               </a:rPr>
               <a:t>y</a:t>
             </a:r>
-            <a:endParaRPr lang="fr-FR" baseline="-25000" dirty="0">
-              <a:solidFill>
-                <a:srgbClr val="FF0000"/>
-              </a:solidFill>
-            </a:endParaRPr>
           </a:p>
         </p:txBody>
       </p:sp>
@@ -7531,7 +8011,7 @@
         <p:spPr>
           <a:xfrm>
             <a:off x="6188388" y="1006930"/>
-            <a:ext cx="415883" cy="369332"/>
+            <a:ext cx="441211" cy="400110"/>
           </a:xfrm>
           <a:prstGeom prst="rect">
             <a:avLst/>
@@ -7545,26 +8025,23 @@
           <a:lstStyle/>
           <a:p>
             <a:r>
-              <a:rPr lang="fr-FR" dirty="0" err="1">
+              <a:rPr lang="fr-FR" sz="2000" dirty="0">
                 <a:solidFill>
                   <a:srgbClr val="FF0000"/>
                 </a:solidFill>
+                <a:latin typeface="+mj-lt"/>
               </a:rPr>
               <a:t>e’</a:t>
             </a:r>
             <a:r>
-              <a:rPr lang="fr-FR" baseline="-25000" dirty="0" err="1">
+              <a:rPr lang="fr-FR" sz="2000" baseline="-25000" dirty="0">
                 <a:solidFill>
                   <a:srgbClr val="FF0000"/>
                 </a:solidFill>
+                <a:latin typeface="+mj-lt"/>
               </a:rPr>
               <a:t>z</a:t>
             </a:r>
-            <a:endParaRPr lang="fr-FR" baseline="-25000" dirty="0">
-              <a:solidFill>
-                <a:srgbClr val="FF0000"/>
-              </a:solidFill>
-            </a:endParaRPr>
           </a:p>
         </p:txBody>
       </p:sp>
@@ -7612,10 +8089,11 @@
           <a:lstStyle/>
           <a:p>
             <a:pPr algn="ctr"/>
-            <a:endParaRPr lang="fr-FR">
+            <a:endParaRPr lang="fr-FR" sz="2000">
               <a:solidFill>
                 <a:srgbClr val="FF0000"/>
               </a:solidFill>
+              <a:latin typeface="+mj-lt"/>
             </a:endParaRPr>
           </a:p>
         </p:txBody>
@@ -7629,7 +8107,7 @@
         <p:spPr>
           <a:xfrm>
             <a:off x="6313823" y="1760721"/>
-            <a:ext cx="314837" cy="369332"/>
+            <a:ext cx="360996" cy="400110"/>
           </a:xfrm>
           <a:prstGeom prst="rect">
             <a:avLst/>
@@ -7643,7 +8121,7 @@
           <a:lstStyle/>
           <a:p>
             <a:r>
-              <a:rPr lang="fr-FR" dirty="0">
+              <a:rPr lang="fr-FR" sz="2000" dirty="0">
                 <a:solidFill>
                   <a:srgbClr val="00B050"/>
                 </a:solidFill>
@@ -7651,7 +8129,7 @@
               </a:rPr>
               <a:t>y</a:t>
             </a:r>
-            <a:endParaRPr lang="fr-FR" baseline="-25000" dirty="0">
+            <a:endParaRPr lang="fr-FR" sz="2000" baseline="-25000" dirty="0">
               <a:solidFill>
                 <a:srgbClr val="00B050"/>
               </a:solidFill>
@@ -7669,7 +8147,7 @@
         <p:spPr>
           <a:xfrm>
             <a:off x="6686436" y="574865"/>
-            <a:ext cx="1134734" cy="646331"/>
+            <a:ext cx="1241878" cy="707886"/>
           </a:xfrm>
           <a:prstGeom prst="rect">
             <a:avLst/>
@@ -7683,20 +8161,22 @@
           <a:lstStyle/>
           <a:p>
             <a:r>
-              <a:rPr lang="fr-FR" dirty="0">
+              <a:rPr lang="fr-FR" sz="2000" dirty="0">
                 <a:solidFill>
                   <a:srgbClr val="FF0000"/>
                 </a:solidFill>
+                <a:latin typeface="+mj-lt"/>
               </a:rPr>
               <a:t>Laser axis </a:t>
             </a:r>
           </a:p>
           <a:p>
             <a:r>
-              <a:rPr lang="fr-FR" dirty="0">
+              <a:rPr lang="fr-FR" sz="2000" dirty="0">
                 <a:solidFill>
                   <a:srgbClr val="FF0000"/>
                 </a:solidFill>
+                <a:latin typeface="+mj-lt"/>
               </a:rPr>
               <a:t>(0x’y’z’)</a:t>
             </a:r>
@@ -7712,7 +8192,7 @@
         <p:spPr>
           <a:xfrm>
             <a:off x="5468920" y="2382260"/>
-            <a:ext cx="264863" cy="369332"/>
+            <a:ext cx="301686" cy="400110"/>
           </a:xfrm>
           <a:prstGeom prst="rect">
             <a:avLst/>
@@ -7726,10 +8206,11 @@
           <a:lstStyle/>
           <a:p>
             <a:r>
-              <a:rPr lang="fr-FR" dirty="0">
+              <a:rPr lang="fr-FR" sz="2000" dirty="0">
                 <a:solidFill>
                   <a:srgbClr val="FF0000"/>
                 </a:solidFill>
+                <a:latin typeface="+mj-lt"/>
               </a:rPr>
               <a:t>k</a:t>
             </a:r>
@@ -7781,7 +8262,7 @@
         <p:spPr>
           <a:xfrm>
             <a:off x="6960006" y="1933219"/>
-            <a:ext cx="958443" cy="523220"/>
+            <a:ext cx="1412053" cy="707886"/>
           </a:xfrm>
           <a:prstGeom prst="rect">
             <a:avLst/>
@@ -7797,33 +8278,25 @@
           <a:lstStyle/>
           <a:p>
             <a:r>
-              <a:rPr lang="fr-FR" sz="1400" dirty="0" err="1">
+              <a:rPr lang="fr-FR" sz="2000" dirty="0">
                 <a:solidFill>
                   <a:srgbClr val="00B050"/>
                 </a:solidFill>
+                <a:latin typeface="+mj-lt"/>
               </a:rPr>
               <a:t>Polarization</a:t>
             </a:r>
-            <a:endParaRPr lang="fr-FR" sz="1400" dirty="0">
-              <a:solidFill>
-                <a:srgbClr val="00B050"/>
-              </a:solidFill>
-            </a:endParaRPr>
-          </a:p>
-          <a:p>
-            <a:r>
-              <a:rPr lang="fr-FR" sz="1400" dirty="0" err="1">
+          </a:p>
+          <a:p>
+            <a:r>
+              <a:rPr lang="fr-FR" sz="2000" dirty="0">
                 <a:solidFill>
                   <a:srgbClr val="00B050"/>
                 </a:solidFill>
+                <a:latin typeface="+mj-lt"/>
               </a:rPr>
               <a:t>vector</a:t>
             </a:r>
-            <a:endParaRPr lang="fr-FR" sz="1400" dirty="0">
-              <a:solidFill>
-                <a:srgbClr val="00B050"/>
-              </a:solidFill>
-            </a:endParaRPr>
           </a:p>
         </p:txBody>
       </p:sp>
@@ -7836,7 +8309,7 @@
         <p:spPr>
           <a:xfrm>
             <a:off x="4963271" y="313610"/>
-            <a:ext cx="971228" cy="646331"/>
+            <a:ext cx="1057534" cy="707886"/>
           </a:xfrm>
           <a:prstGeom prst="rect">
             <a:avLst/>
@@ -7850,26 +8323,18 @@
           <a:lstStyle/>
           <a:p>
             <a:r>
-              <a:rPr lang="fr-FR" dirty="0" err="1"/>
-              <a:t>Lab</a:t>
-            </a:r>
-            <a:r>
-              <a:rPr lang="fr-FR" dirty="0"/>
-              <a:t> axis </a:t>
-            </a:r>
-          </a:p>
-          <a:p>
-            <a:r>
-              <a:rPr lang="fr-FR" dirty="0"/>
-              <a:t>(</a:t>
-            </a:r>
-            <a:r>
-              <a:rPr lang="fr-FR" dirty="0" err="1"/>
-              <a:t>Oxyz</a:t>
-            </a:r>
-            <a:r>
-              <a:rPr lang="fr-FR" dirty="0"/>
-              <a:t>)</a:t>
+              <a:rPr lang="fr-FR" sz="2000" dirty="0">
+                <a:latin typeface="+mj-lt"/>
+              </a:rPr>
+              <a:t>Lab axis </a:t>
+            </a:r>
+          </a:p>
+          <a:p>
+            <a:r>
+              <a:rPr lang="fr-FR" sz="2000" dirty="0">
+                <a:latin typeface="+mj-lt"/>
+              </a:rPr>
+              <a:t>(Oxyz)</a:t>
             </a:r>
           </a:p>
         </p:txBody>
@@ -8131,15 +8596,7 @@
             </a:r>
             <a:r>
               <a:rPr lang="fr-FR" sz="2000" i="1" dirty="0"/>
-              <a:t> the direction of the  k </a:t>
-            </a:r>
-            <a:r>
-              <a:rPr lang="fr-FR" sz="2000" i="1" dirty="0" err="1"/>
-              <a:t>vector</a:t>
-            </a:r>
-            <a:r>
-              <a:rPr lang="fr-FR" sz="2000" i="1" dirty="0"/>
-              <a:t> (in </a:t>
+              <a:t> the direction of the  k vector (in </a:t>
             </a:r>
             <a:r>
               <a:rPr lang="fr-FR" sz="2000" i="1" dirty="0" err="1"/>
@@ -8179,14 +8636,10 @@
             </a:r>
             <a:r>
               <a:rPr lang="fr-FR" sz="2000" i="1" dirty="0"/>
-              <a:t> axis x’(</a:t>
-            </a:r>
-            <a:r>
-              <a:rPr lang="fr-FR" sz="2000" i="1" dirty="0" err="1"/>
-              <a:t>e’</a:t>
-            </a:r>
-            <a:r>
-              <a:rPr lang="fr-FR" sz="2000" i="1" baseline="-25000" dirty="0" err="1"/>
+              <a:t> axis x’(e’</a:t>
+            </a:r>
+            <a:r>
+              <a:rPr lang="fr-FR" sz="2000" i="1" baseline="-25000" dirty="0"/>
               <a:t>x</a:t>
             </a:r>
             <a:r>
@@ -8201,14 +8654,10 @@
             </a:r>
             <a:r>
               <a:rPr lang="fr-FR" sz="2000" i="1" dirty="0"/>
-              <a:t>) and y’ (</a:t>
-            </a:r>
-            <a:r>
-              <a:rPr lang="fr-FR" sz="2000" i="1" dirty="0" err="1"/>
-              <a:t>e’</a:t>
-            </a:r>
-            <a:r>
-              <a:rPr lang="fr-FR" sz="2000" i="1" baseline="-25000" dirty="0" err="1"/>
+              <a:t>) and y’ (e’</a:t>
+            </a:r>
+            <a:r>
+              <a:rPr lang="fr-FR" sz="2000" i="1" baseline="-25000" dirty="0"/>
               <a:t>y</a:t>
             </a:r>
             <a:r>
@@ -8347,7 +8796,7 @@
             </a:r>
             <a:r>
               <a:rPr lang="fr-FR" sz="2000" dirty="0" err="1"/>
-              <a:t>e</a:t>
+              <a:t>e’</a:t>
             </a:r>
             <a:r>
               <a:rPr lang="fr-FR" sz="2000" baseline="-25000" dirty="0" err="1"/>
@@ -8623,8 +9072,8 @@
         </p:nvSpPr>
         <p:spPr>
           <a:xfrm>
-            <a:off x="6163294" y="2525284"/>
-            <a:ext cx="2928277" cy="646331"/>
+            <a:off x="6416004" y="2617642"/>
+            <a:ext cx="2618296" cy="707886"/>
           </a:xfrm>
           <a:prstGeom prst="rect">
             <a:avLst/>
@@ -8639,47 +9088,25 @@
           <a:p>
             <a:pPr algn="ctr"/>
             <a:r>
-              <a:rPr lang="fr-FR" dirty="0" err="1">
+              <a:rPr lang="fr-FR" sz="2000" dirty="0">
                 <a:solidFill>
                   <a:srgbClr val="002060"/>
                 </a:solidFill>
-              </a:rPr>
-              <a:t>Quantization</a:t>
-            </a:r>
-            <a:r>
-              <a:rPr lang="fr-FR" dirty="0">
+                <a:latin typeface="+mj-lt"/>
+              </a:rPr>
+              <a:t>Quantization field axis </a:t>
+            </a:r>
+          </a:p>
+          <a:p>
+            <a:pPr algn="ctr"/>
+            <a:r>
+              <a:rPr lang="fr-FR" sz="2000" dirty="0">
                 <a:solidFill>
                   <a:srgbClr val="002060"/>
                 </a:solidFill>
-              </a:rPr>
-              <a:t> </a:t>
-            </a:r>
-            <a:r>
-              <a:rPr lang="fr-FR" dirty="0" err="1">
-                <a:solidFill>
-                  <a:srgbClr val="002060"/>
-                </a:solidFill>
-              </a:rPr>
-              <a:t>field</a:t>
-            </a:r>
-            <a:r>
-              <a:rPr lang="fr-FR" dirty="0">
-                <a:solidFill>
-                  <a:srgbClr val="002060"/>
-                </a:solidFill>
-              </a:rPr>
-              <a:t> axis </a:t>
-            </a:r>
-          </a:p>
-          <a:p>
-            <a:pPr algn="ctr"/>
-            <a:r>
-              <a:rPr lang="fr-FR" dirty="0">
-                <a:solidFill>
-                  <a:srgbClr val="002060"/>
-                </a:solidFill>
-              </a:rPr>
-              <a:t>(0XYZ)</a:t>
+                <a:latin typeface="+mj-lt"/>
+              </a:rPr>
+              <a:t>                  (0XYZ)</a:t>
             </a:r>
           </a:p>
         </p:txBody>
@@ -8729,7 +9156,7 @@
         <p:spPr>
           <a:xfrm>
             <a:off x="4864380" y="2552582"/>
-            <a:ext cx="670440" cy="646331"/>
+            <a:ext cx="724557" cy="707886"/>
           </a:xfrm>
           <a:prstGeom prst="rect">
             <a:avLst/>
@@ -8742,20 +9169,22 @@
           <a:lstStyle/>
           <a:p>
             <a:r>
-              <a:rPr lang="fr-FR" dirty="0">
+              <a:rPr lang="fr-FR" sz="2000" dirty="0">
                 <a:solidFill>
                   <a:srgbClr val="00B0F0"/>
                 </a:solidFill>
+                <a:latin typeface="+mj-lt"/>
               </a:rPr>
               <a:t>Field</a:t>
             </a:r>
           </a:p>
           <a:p>
             <a:r>
-              <a:rPr lang="fr-FR" dirty="0">
+              <a:rPr lang="fr-FR" sz="2000" dirty="0">
                 <a:solidFill>
                   <a:srgbClr val="00B0F0"/>
                 </a:solidFill>
+                <a:latin typeface="+mj-lt"/>
               </a:rPr>
               <a:t>(B,E) </a:t>
             </a:r>
@@ -8869,7 +9298,9 @@
           <a:lstStyle/>
           <a:p>
             <a:pPr algn="ctr"/>
-            <a:endParaRPr lang="fr-FR"/>
+            <a:endParaRPr lang="fr-FR" sz="2000">
+              <a:latin typeface="+mj-lt"/>
+            </a:endParaRPr>
           </a:p>
         </p:txBody>
       </p:sp>
@@ -9000,7 +9431,9 @@
           <a:lstStyle/>
           <a:p>
             <a:pPr algn="ctr"/>
-            <a:endParaRPr lang="fr-FR" dirty="0"/>
+            <a:endParaRPr lang="fr-FR" sz="2000" dirty="0">
+              <a:latin typeface="+mj-lt"/>
+            </a:endParaRPr>
           </a:p>
         </p:txBody>
       </p:sp>
@@ -9161,7 +9594,9 @@
           <a:lstStyle/>
           <a:p>
             <a:pPr algn="ctr"/>
-            <a:endParaRPr lang="fr-FR"/>
+            <a:endParaRPr lang="fr-FR" sz="2000">
+              <a:latin typeface="+mj-lt"/>
+            </a:endParaRPr>
           </a:p>
         </p:txBody>
       </p:sp>
@@ -9322,7 +9757,9 @@
           <a:lstStyle/>
           <a:p>
             <a:pPr algn="ctr"/>
-            <a:endParaRPr lang="fr-FR"/>
+            <a:endParaRPr lang="fr-FR" sz="2000">
+              <a:latin typeface="+mj-lt"/>
+            </a:endParaRPr>
           </a:p>
         </p:txBody>
       </p:sp>
@@ -9471,7 +9908,7 @@
         <p:spPr>
           <a:xfrm>
             <a:off x="4397540" y="3594399"/>
-            <a:ext cx="284052" cy="369332"/>
+            <a:ext cx="295274" cy="400110"/>
           </a:xfrm>
           <a:prstGeom prst="rect">
             <a:avLst/>
@@ -9485,7 +9922,9 @@
           <a:lstStyle/>
           <a:p>
             <a:r>
-              <a:rPr lang="fr-FR" dirty="0"/>
+              <a:rPr lang="fr-FR" sz="2000" dirty="0">
+                <a:latin typeface="+mj-lt"/>
+              </a:rPr>
               <a:t>x</a:t>
             </a:r>
           </a:p>
@@ -9506,7 +9945,7 @@
         <p:spPr>
           <a:xfrm>
             <a:off x="7413369" y="2980855"/>
-            <a:ext cx="288862" cy="369332"/>
+            <a:ext cx="300082" cy="400110"/>
           </a:xfrm>
           <a:prstGeom prst="rect">
             <a:avLst/>
@@ -9520,7 +9959,9 @@
           <a:lstStyle/>
           <a:p>
             <a:r>
-              <a:rPr lang="fr-FR" dirty="0"/>
+              <a:rPr lang="fr-FR" sz="2000" dirty="0">
+                <a:latin typeface="+mj-lt"/>
+              </a:rPr>
               <a:t>y</a:t>
             </a:r>
           </a:p>
@@ -9541,7 +9982,7 @@
         <p:spPr>
           <a:xfrm>
             <a:off x="5206334" y="909884"/>
-            <a:ext cx="276038" cy="369332"/>
+            <a:ext cx="285656" cy="400110"/>
           </a:xfrm>
           <a:prstGeom prst="rect">
             <a:avLst/>
@@ -9555,7 +9996,9 @@
           <a:lstStyle/>
           <a:p>
             <a:r>
-              <a:rPr lang="fr-FR" dirty="0"/>
+              <a:rPr lang="fr-FR" sz="2000" dirty="0">
+                <a:latin typeface="+mj-lt"/>
+              </a:rPr>
               <a:t>z</a:t>
             </a:r>
           </a:p>
@@ -9609,7 +10052,9 @@
           <a:lstStyle/>
           <a:p>
             <a:pPr algn="ctr"/>
-            <a:endParaRPr lang="fr-FR"/>
+            <a:endParaRPr lang="fr-FR" sz="2000">
+              <a:latin typeface="+mj-lt"/>
+            </a:endParaRPr>
           </a:p>
         </p:txBody>
       </p:sp>
@@ -9751,7 +10196,9 @@
           <a:lstStyle/>
           <a:p>
             <a:pPr algn="ctr"/>
-            <a:endParaRPr lang="fr-FR"/>
+            <a:endParaRPr lang="fr-FR" sz="2000">
+              <a:latin typeface="+mj-lt"/>
+            </a:endParaRPr>
           </a:p>
         </p:txBody>
       </p:sp>
@@ -9770,7 +10217,7 @@
         <p:spPr>
           <a:xfrm>
             <a:off x="5528465" y="1852472"/>
-            <a:ext cx="304892" cy="369332"/>
+            <a:ext cx="319318" cy="400110"/>
           </a:xfrm>
           <a:prstGeom prst="rect">
             <a:avLst/>
@@ -9784,12 +10231,11 @@
           <a:lstStyle/>
           <a:p>
             <a:r>
-              <a:rPr lang="fr-FR" dirty="0">
+              <a:rPr lang="fr-FR" sz="2000" dirty="0">
                 <a:latin typeface="Symbol" panose="05050102010706020507" pitchFamily="18" charset="2"/>
               </a:rPr>
               <a:t>q</a:t>
             </a:r>
-            <a:endParaRPr lang="fr-FR" dirty="0"/>
           </a:p>
         </p:txBody>
       </p:sp>
@@ -9808,7 +10254,7 @@
         <p:spPr>
           <a:xfrm>
             <a:off x="5247729" y="3272254"/>
-            <a:ext cx="304892" cy="369332"/>
+            <a:ext cx="317716" cy="400110"/>
           </a:xfrm>
           <a:prstGeom prst="rect">
             <a:avLst/>
@@ -9822,12 +10268,11 @@
           <a:lstStyle/>
           <a:p>
             <a:r>
-              <a:rPr lang="fr-FR" dirty="0">
+              <a:rPr lang="fr-FR" sz="2000" dirty="0">
                 <a:latin typeface="Symbol" panose="05050102010706020507" pitchFamily="18" charset="2"/>
               </a:rPr>
               <a:t>f</a:t>
             </a:r>
-            <a:endParaRPr lang="fr-FR" dirty="0"/>
           </a:p>
         </p:txBody>
       </p:sp>
@@ -10132,23 +10577,7 @@
                   <a:srgbClr val="00B0F0"/>
                 </a:solidFill>
               </a:rPr>
-              <a:t>Levels (in 0 </a:t>
-            </a:r>
-            <a:r>
-              <a:rPr lang="fr-FR" dirty="0" err="1">
-                <a:solidFill>
-                  <a:srgbClr val="00B0F0"/>
-                </a:solidFill>
-              </a:rPr>
-              <a:t>field</a:t>
-            </a:r>
-            <a:r>
-              <a:rPr lang="fr-FR" dirty="0">
-                <a:solidFill>
-                  <a:srgbClr val="00B0F0"/>
-                </a:solidFill>
-              </a:rPr>
-              <a:t>)</a:t>
+              <a:t>Levels (in 0 field)</a:t>
             </a:r>
           </a:p>
           <a:p>
@@ -16053,23 +16482,7 @@
                   <a:srgbClr val="FF0000"/>
                 </a:solidFill>
               </a:rPr>
-              <a:t> not a real </a:t>
-            </a:r>
-            <a:r>
-              <a:rPr lang="fr-FR" dirty="0" err="1">
-                <a:solidFill>
-                  <a:srgbClr val="FF0000"/>
-                </a:solidFill>
-              </a:rPr>
-              <a:t>vector</a:t>
-            </a:r>
-            <a:r>
-              <a:rPr lang="fr-FR" dirty="0">
-                <a:solidFill>
-                  <a:srgbClr val="FF0000"/>
-                </a:solidFill>
-              </a:rPr>
-              <a:t>.</a:t>
+              <a:t> not a real vector.</a:t>
             </a:r>
           </a:p>
           <a:p>
@@ -18584,15 +18997,7 @@
             </a:r>
             <a:r>
               <a:rPr lang="fr-FR" sz="2400" i="1" dirty="0"/>
-              <a:t> the direction of the  k </a:t>
-            </a:r>
-            <a:r>
-              <a:rPr lang="fr-FR" sz="2400" i="1" dirty="0" err="1"/>
-              <a:t>vector</a:t>
-            </a:r>
-            <a:r>
-              <a:rPr lang="fr-FR" sz="2400" i="1" dirty="0"/>
-              <a:t> (in </a:t>
+              <a:t> the direction of the  k vector (in </a:t>
             </a:r>
             <a:r>
               <a:rPr lang="fr-FR" sz="2400" i="1" dirty="0" err="1"/>
@@ -18698,15 +19103,7 @@
             </a:r>
             <a:r>
               <a:rPr lang="fr-FR" sz="2400" dirty="0"/>
-              <a:t> the Z (k) axis.  </a:t>
-            </a:r>
-            <a:r>
-              <a:rPr lang="fr-FR" sz="2400" dirty="0" err="1"/>
-              <a:t>Example</a:t>
-            </a:r>
-            <a:r>
-              <a:rPr lang="fr-FR" sz="2400" dirty="0"/>
-              <a:t>: </a:t>
+              <a:t> the Z (k) axis.  Example: </a:t>
             </a:r>
             <a:r>
               <a:rPr lang="fr-FR" sz="2400" dirty="0" err="1"/>
@@ -19027,20 +19424,12 @@
           <a:lstStyle/>
           <a:p>
             <a:r>
-              <a:rPr lang="fr-FR" dirty="0" err="1">
+              <a:rPr lang="fr-FR" dirty="0">
                 <a:solidFill>
                   <a:srgbClr val="00B0F0"/>
                 </a:solidFill>
               </a:rPr>
-              <a:t>Lab</a:t>
-            </a:r>
-            <a:r>
-              <a:rPr lang="fr-FR" dirty="0">
-                <a:solidFill>
-                  <a:srgbClr val="00B0F0"/>
-                </a:solidFill>
-              </a:rPr>
-              <a:t> axis</a:t>
+              <a:t>Lab axis</a:t>
             </a:r>
           </a:p>
         </p:txBody>
@@ -19311,33 +19700,23 @@
           <a:lstStyle/>
           <a:p>
             <a:r>
-              <a:rPr lang="fr-FR" dirty="0" err="1">
+              <a:rPr lang="fr-FR" dirty="0">
                 <a:solidFill>
                   <a:srgbClr val="002060"/>
                 </a:solidFill>
               </a:rPr>
               <a:t>Polarization</a:t>
             </a:r>
-            <a:endParaRPr lang="fr-FR" dirty="0">
-              <a:solidFill>
-                <a:srgbClr val="002060"/>
-              </a:solidFill>
-            </a:endParaRPr>
-          </a:p>
-          <a:p>
-            <a:r>
-              <a:rPr lang="fr-FR" dirty="0" err="1">
+          </a:p>
+          <a:p>
+            <a:r>
+              <a:rPr lang="fr-FR" dirty="0">
                 <a:solidFill>
                   <a:srgbClr val="002060"/>
                 </a:solidFill>
               </a:rPr>
               <a:t>vector</a:t>
             </a:r>
-            <a:endParaRPr lang="fr-FR" dirty="0">
-              <a:solidFill>
-                <a:srgbClr val="002060"/>
-              </a:solidFill>
-            </a:endParaRPr>
           </a:p>
         </p:txBody>
       </p:sp>

--- a/User Guide/Figures.pptx
+++ b/User Guide/Figures.pptx
@@ -312,7 +312,7 @@
           <a:p>
             <a:fld id="{98D7A7FD-AC4C-4F89-8B40-F1EA51214CCC}" type="datetimeFigureOut">
               <a:rPr lang="fr-FR" smtClean="0"/>
-              <a:t>10/11/2020</a:t>
+              <a:t>26/01/2021</a:t>
             </a:fld>
             <a:endParaRPr lang="fr-FR"/>
           </a:p>
@@ -480,7 +480,7 @@
           <a:p>
             <a:fld id="{98D7A7FD-AC4C-4F89-8B40-F1EA51214CCC}" type="datetimeFigureOut">
               <a:rPr lang="fr-FR" smtClean="0"/>
-              <a:t>10/11/2020</a:t>
+              <a:t>26/01/2021</a:t>
             </a:fld>
             <a:endParaRPr lang="fr-FR"/>
           </a:p>
@@ -658,7 +658,7 @@
           <a:p>
             <a:fld id="{98D7A7FD-AC4C-4F89-8B40-F1EA51214CCC}" type="datetimeFigureOut">
               <a:rPr lang="fr-FR" smtClean="0"/>
-              <a:t>10/11/2020</a:t>
+              <a:t>26/01/2021</a:t>
             </a:fld>
             <a:endParaRPr lang="fr-FR"/>
           </a:p>
@@ -826,7 +826,7 @@
           <a:p>
             <a:fld id="{98D7A7FD-AC4C-4F89-8B40-F1EA51214CCC}" type="datetimeFigureOut">
               <a:rPr lang="fr-FR" smtClean="0"/>
-              <a:t>10/11/2020</a:t>
+              <a:t>26/01/2021</a:t>
             </a:fld>
             <a:endParaRPr lang="fr-FR"/>
           </a:p>
@@ -1071,7 +1071,7 @@
           <a:p>
             <a:fld id="{98D7A7FD-AC4C-4F89-8B40-F1EA51214CCC}" type="datetimeFigureOut">
               <a:rPr lang="fr-FR" smtClean="0"/>
-              <a:t>10/11/2020</a:t>
+              <a:t>26/01/2021</a:t>
             </a:fld>
             <a:endParaRPr lang="fr-FR"/>
           </a:p>
@@ -1356,7 +1356,7 @@
           <a:p>
             <a:fld id="{98D7A7FD-AC4C-4F89-8B40-F1EA51214CCC}" type="datetimeFigureOut">
               <a:rPr lang="fr-FR" smtClean="0"/>
-              <a:t>10/11/2020</a:t>
+              <a:t>26/01/2021</a:t>
             </a:fld>
             <a:endParaRPr lang="fr-FR"/>
           </a:p>
@@ -1775,7 +1775,7 @@
           <a:p>
             <a:fld id="{98D7A7FD-AC4C-4F89-8B40-F1EA51214CCC}" type="datetimeFigureOut">
               <a:rPr lang="fr-FR" smtClean="0"/>
-              <a:t>10/11/2020</a:t>
+              <a:t>26/01/2021</a:t>
             </a:fld>
             <a:endParaRPr lang="fr-FR"/>
           </a:p>
@@ -1892,7 +1892,7 @@
           <a:p>
             <a:fld id="{98D7A7FD-AC4C-4F89-8B40-F1EA51214CCC}" type="datetimeFigureOut">
               <a:rPr lang="fr-FR" smtClean="0"/>
-              <a:t>10/11/2020</a:t>
+              <a:t>26/01/2021</a:t>
             </a:fld>
             <a:endParaRPr lang="fr-FR"/>
           </a:p>
@@ -1987,7 +1987,7 @@
           <a:p>
             <a:fld id="{98D7A7FD-AC4C-4F89-8B40-F1EA51214CCC}" type="datetimeFigureOut">
               <a:rPr lang="fr-FR" smtClean="0"/>
-              <a:t>10/11/2020</a:t>
+              <a:t>26/01/2021</a:t>
             </a:fld>
             <a:endParaRPr lang="fr-FR"/>
           </a:p>
@@ -2262,7 +2262,7 @@
           <a:p>
             <a:fld id="{98D7A7FD-AC4C-4F89-8B40-F1EA51214CCC}" type="datetimeFigureOut">
               <a:rPr lang="fr-FR" smtClean="0"/>
-              <a:t>10/11/2020</a:t>
+              <a:t>26/01/2021</a:t>
             </a:fld>
             <a:endParaRPr lang="fr-FR"/>
           </a:p>
@@ -2514,7 +2514,7 @@
           <a:p>
             <a:fld id="{98D7A7FD-AC4C-4F89-8B40-F1EA51214CCC}" type="datetimeFigureOut">
               <a:rPr lang="fr-FR" smtClean="0"/>
-              <a:t>10/11/2020</a:t>
+              <a:t>26/01/2021</a:t>
             </a:fld>
             <a:endParaRPr lang="fr-FR"/>
           </a:p>
@@ -2725,7 +2725,7 @@
           <a:p>
             <a:fld id="{98D7A7FD-AC4C-4F89-8B40-F1EA51214CCC}" type="datetimeFigureOut">
               <a:rPr lang="fr-FR" smtClean="0"/>
-              <a:t>10/11/2020</a:t>
+              <a:t>26/01/2021</a:t>
             </a:fld>
             <a:endParaRPr lang="fr-FR"/>
           </a:p>
@@ -6876,23 +6876,7 @@
           <a:p>
             <a:r>
               <a:rPr lang="fr-FR" dirty="0"/>
-              <a:t>	 </a:t>
-            </a:r>
-            <a:r>
-              <a:rPr lang="fr-FR" dirty="0" err="1"/>
-              <a:t>Energy</a:t>
-            </a:r>
-            <a:r>
-              <a:rPr lang="fr-FR" dirty="0"/>
-              <a:t> (0 </a:t>
-            </a:r>
-            <a:r>
-              <a:rPr lang="fr-FR" dirty="0" err="1"/>
-              <a:t>field</a:t>
-            </a:r>
-            <a:r>
-              <a:rPr lang="fr-FR" dirty="0"/>
-              <a:t> and </a:t>
+              <a:t>	 Energy (0 field and </a:t>
             </a:r>
             <a:r>
               <a:rPr lang="fr-FR" dirty="0" err="1"/>
@@ -7734,30 +7718,18 @@
             </a:r>
             <a:r>
               <a:rPr lang="fr-FR" sz="1400" dirty="0"/>
-              <a:t>=(-</a:t>
-            </a:r>
-            <a:r>
-              <a:rPr lang="fr-FR" sz="1400" dirty="0" err="1"/>
-              <a:t>e’</a:t>
-            </a:r>
-            <a:r>
-              <a:rPr lang="fr-FR" sz="1400" baseline="-25000" dirty="0" err="1"/>
-              <a:t>x</a:t>
+              <a:t>=(-e’</a:t>
             </a:r>
             <a:r>
               <a:rPr lang="fr-FR" sz="1400" baseline="-25000" dirty="0"/>
-              <a:t> </a:t>
+              <a:t>x </a:t>
             </a:r>
             <a:r>
               <a:rPr lang="fr-FR" sz="1400" dirty="0"/>
-              <a:t>- i </a:t>
-            </a:r>
-            <a:r>
-              <a:rPr lang="fr-FR" sz="1400" dirty="0" err="1"/>
-              <a:t>e’</a:t>
-            </a:r>
-            <a:r>
-              <a:rPr lang="fr-FR" sz="1400" baseline="-25000" dirty="0" err="1"/>
+              <a:t>- i e’</a:t>
+            </a:r>
+            <a:r>
+              <a:rPr lang="fr-FR" sz="1400" baseline="-25000" dirty="0"/>
               <a:t>y</a:t>
             </a:r>
             <a:r>
@@ -7805,26 +7777,18 @@
             </a:r>
             <a:r>
               <a:rPr lang="fr-FR" sz="1400" dirty="0"/>
-              <a:t>=( </a:t>
-            </a:r>
-            <a:r>
-              <a:rPr lang="fr-FR" sz="1400" dirty="0" err="1"/>
-              <a:t>e’</a:t>
-            </a:r>
-            <a:r>
-              <a:rPr lang="fr-FR" sz="1400" baseline="-25000" dirty="0" err="1"/>
+              <a:t>=( e’</a:t>
+            </a:r>
+            <a:r>
+              <a:rPr lang="fr-FR" sz="1400" baseline="-25000" dirty="0"/>
               <a:t>x</a:t>
             </a:r>
             <a:r>
               <a:rPr lang="fr-FR" sz="1400" dirty="0"/>
-              <a:t> - i </a:t>
-            </a:r>
-            <a:r>
-              <a:rPr lang="fr-FR" sz="1400" dirty="0" err="1"/>
-              <a:t>e’</a:t>
-            </a:r>
-            <a:r>
-              <a:rPr lang="fr-FR" sz="1400" baseline="-25000" dirty="0" err="1"/>
+              <a:t> - i e’</a:t>
+            </a:r>
+            <a:r>
+              <a:rPr lang="fr-FR" sz="1400" baseline="-25000" dirty="0"/>
               <a:t>y</a:t>
             </a:r>
             <a:r>
@@ -7868,14 +7832,10 @@
             </a:r>
             <a:r>
               <a:rPr lang="fr-FR" sz="1400" dirty="0"/>
-              <a:t>= </a:t>
-            </a:r>
-            <a:r>
-              <a:rPr lang="fr-FR" sz="1400" dirty="0" err="1"/>
-              <a:t>e’</a:t>
-            </a:r>
-            <a:r>
-              <a:rPr lang="fr-FR" sz="1400" baseline="-25000" dirty="0" err="1"/>
+              <a:t>= e’</a:t>
+            </a:r>
+            <a:r>
+              <a:rPr lang="fr-FR" sz="1400" baseline="-25000" dirty="0"/>
               <a:t>z</a:t>
             </a:r>
             <a:endParaRPr lang="fr-FR" sz="1400" dirty="0"/>
@@ -7965,7 +7925,7 @@
         <p:spPr>
           <a:xfrm>
             <a:off x="6416004" y="2275506"/>
-            <a:ext cx="419795" cy="369332"/>
+            <a:ext cx="444865" cy="400110"/>
           </a:xfrm>
           <a:prstGeom prst="rect">
             <a:avLst/>
@@ -7979,26 +7939,23 @@
           <a:lstStyle/>
           <a:p>
             <a:r>
-              <a:rPr lang="fr-FR" dirty="0" err="1">
+              <a:rPr lang="fr-FR" sz="2000" dirty="0">
                 <a:solidFill>
                   <a:srgbClr val="FF0000"/>
                 </a:solidFill>
+                <a:latin typeface="+mj-lt"/>
               </a:rPr>
               <a:t>e’</a:t>
             </a:r>
             <a:r>
-              <a:rPr lang="fr-FR" baseline="-25000" dirty="0" err="1">
+              <a:rPr lang="fr-FR" sz="2000" baseline="-25000" dirty="0">
                 <a:solidFill>
                   <a:srgbClr val="FF0000"/>
                 </a:solidFill>
+                <a:latin typeface="+mj-lt"/>
               </a:rPr>
               <a:t>x</a:t>
             </a:r>
-            <a:endParaRPr lang="fr-FR" baseline="-25000" dirty="0">
-              <a:solidFill>
-                <a:srgbClr val="FF0000"/>
-              </a:solidFill>
-            </a:endParaRPr>
           </a:p>
         </p:txBody>
       </p:sp>
@@ -8011,7 +7968,7 @@
         <p:spPr>
           <a:xfrm>
             <a:off x="6799500" y="1410147"/>
-            <a:ext cx="421847" cy="369332"/>
+            <a:ext cx="448584" cy="400110"/>
           </a:xfrm>
           <a:prstGeom prst="rect">
             <a:avLst/>
@@ -8025,26 +7982,23 @@
           <a:lstStyle/>
           <a:p>
             <a:r>
-              <a:rPr lang="fr-FR" dirty="0" err="1">
+              <a:rPr lang="fr-FR" sz="2000" dirty="0">
                 <a:solidFill>
                   <a:srgbClr val="FF0000"/>
                 </a:solidFill>
+                <a:latin typeface="+mj-lt"/>
               </a:rPr>
               <a:t>e’</a:t>
             </a:r>
             <a:r>
-              <a:rPr lang="fr-FR" baseline="-25000" dirty="0" err="1">
+              <a:rPr lang="fr-FR" sz="2000" baseline="-25000" dirty="0">
                 <a:solidFill>
                   <a:srgbClr val="FF0000"/>
                 </a:solidFill>
+                <a:latin typeface="+mj-lt"/>
               </a:rPr>
               <a:t>y</a:t>
             </a:r>
-            <a:endParaRPr lang="fr-FR" baseline="-25000" dirty="0">
-              <a:solidFill>
-                <a:srgbClr val="FF0000"/>
-              </a:solidFill>
-            </a:endParaRPr>
           </a:p>
         </p:txBody>
       </p:sp>
@@ -8057,7 +8011,7 @@
         <p:spPr>
           <a:xfrm>
             <a:off x="6188388" y="1006930"/>
-            <a:ext cx="415883" cy="369332"/>
+            <a:ext cx="441211" cy="400110"/>
           </a:xfrm>
           <a:prstGeom prst="rect">
             <a:avLst/>
@@ -8071,26 +8025,23 @@
           <a:lstStyle/>
           <a:p>
             <a:r>
-              <a:rPr lang="fr-FR" dirty="0" err="1">
+              <a:rPr lang="fr-FR" sz="2000" dirty="0">
                 <a:solidFill>
                   <a:srgbClr val="FF0000"/>
                 </a:solidFill>
+                <a:latin typeface="+mj-lt"/>
               </a:rPr>
               <a:t>e’</a:t>
             </a:r>
             <a:r>
-              <a:rPr lang="fr-FR" baseline="-25000" dirty="0" err="1">
+              <a:rPr lang="fr-FR" sz="2000" baseline="-25000" dirty="0">
                 <a:solidFill>
                   <a:srgbClr val="FF0000"/>
                 </a:solidFill>
+                <a:latin typeface="+mj-lt"/>
               </a:rPr>
               <a:t>z</a:t>
             </a:r>
-            <a:endParaRPr lang="fr-FR" baseline="-25000" dirty="0">
-              <a:solidFill>
-                <a:srgbClr val="FF0000"/>
-              </a:solidFill>
-            </a:endParaRPr>
           </a:p>
         </p:txBody>
       </p:sp>
@@ -8138,10 +8089,11 @@
           <a:lstStyle/>
           <a:p>
             <a:pPr algn="ctr"/>
-            <a:endParaRPr lang="fr-FR">
+            <a:endParaRPr lang="fr-FR" sz="2000">
               <a:solidFill>
                 <a:srgbClr val="FF0000"/>
               </a:solidFill>
+              <a:latin typeface="+mj-lt"/>
             </a:endParaRPr>
           </a:p>
         </p:txBody>
@@ -8155,7 +8107,7 @@
         <p:spPr>
           <a:xfrm>
             <a:off x="6313823" y="1760721"/>
-            <a:ext cx="314837" cy="369332"/>
+            <a:ext cx="360996" cy="400110"/>
           </a:xfrm>
           <a:prstGeom prst="rect">
             <a:avLst/>
@@ -8169,7 +8121,7 @@
           <a:lstStyle/>
           <a:p>
             <a:r>
-              <a:rPr lang="fr-FR" dirty="0">
+              <a:rPr lang="fr-FR" sz="2000" dirty="0">
                 <a:solidFill>
                   <a:srgbClr val="00B050"/>
                 </a:solidFill>
@@ -8177,7 +8129,7 @@
               </a:rPr>
               <a:t>y</a:t>
             </a:r>
-            <a:endParaRPr lang="fr-FR" baseline="-25000" dirty="0">
+            <a:endParaRPr lang="fr-FR" sz="2000" baseline="-25000" dirty="0">
               <a:solidFill>
                 <a:srgbClr val="00B050"/>
               </a:solidFill>
@@ -8195,7 +8147,7 @@
         <p:spPr>
           <a:xfrm>
             <a:off x="6686436" y="574865"/>
-            <a:ext cx="1134734" cy="646331"/>
+            <a:ext cx="1241878" cy="707886"/>
           </a:xfrm>
           <a:prstGeom prst="rect">
             <a:avLst/>
@@ -8209,20 +8161,22 @@
           <a:lstStyle/>
           <a:p>
             <a:r>
-              <a:rPr lang="fr-FR" dirty="0">
+              <a:rPr lang="fr-FR" sz="2000" dirty="0">
                 <a:solidFill>
                   <a:srgbClr val="FF0000"/>
                 </a:solidFill>
+                <a:latin typeface="+mj-lt"/>
               </a:rPr>
               <a:t>Laser axis </a:t>
             </a:r>
           </a:p>
           <a:p>
             <a:r>
-              <a:rPr lang="fr-FR" dirty="0">
+              <a:rPr lang="fr-FR" sz="2000" dirty="0">
                 <a:solidFill>
                   <a:srgbClr val="FF0000"/>
                 </a:solidFill>
+                <a:latin typeface="+mj-lt"/>
               </a:rPr>
               <a:t>(0x’y’z’)</a:t>
             </a:r>
@@ -8238,7 +8192,7 @@
         <p:spPr>
           <a:xfrm>
             <a:off x="5468920" y="2382260"/>
-            <a:ext cx="264863" cy="369332"/>
+            <a:ext cx="301686" cy="400110"/>
           </a:xfrm>
           <a:prstGeom prst="rect">
             <a:avLst/>
@@ -8252,10 +8206,11 @@
           <a:lstStyle/>
           <a:p>
             <a:r>
-              <a:rPr lang="fr-FR" dirty="0">
+              <a:rPr lang="fr-FR" sz="2000" dirty="0">
                 <a:solidFill>
                   <a:srgbClr val="FF0000"/>
                 </a:solidFill>
+                <a:latin typeface="+mj-lt"/>
               </a:rPr>
               <a:t>k</a:t>
             </a:r>
@@ -8307,7 +8262,7 @@
         <p:spPr>
           <a:xfrm>
             <a:off x="6960006" y="1933219"/>
-            <a:ext cx="958443" cy="523220"/>
+            <a:ext cx="1412053" cy="707886"/>
           </a:xfrm>
           <a:prstGeom prst="rect">
             <a:avLst/>
@@ -8323,33 +8278,25 @@
           <a:lstStyle/>
           <a:p>
             <a:r>
-              <a:rPr lang="fr-FR" sz="1400" dirty="0" err="1">
+              <a:rPr lang="fr-FR" sz="2000" dirty="0">
                 <a:solidFill>
                   <a:srgbClr val="00B050"/>
                 </a:solidFill>
+                <a:latin typeface="+mj-lt"/>
               </a:rPr>
               <a:t>Polarization</a:t>
             </a:r>
-            <a:endParaRPr lang="fr-FR" sz="1400" dirty="0">
-              <a:solidFill>
-                <a:srgbClr val="00B050"/>
-              </a:solidFill>
-            </a:endParaRPr>
-          </a:p>
-          <a:p>
-            <a:r>
-              <a:rPr lang="fr-FR" sz="1400" dirty="0" err="1">
+          </a:p>
+          <a:p>
+            <a:r>
+              <a:rPr lang="fr-FR" sz="2000" dirty="0">
                 <a:solidFill>
                   <a:srgbClr val="00B050"/>
                 </a:solidFill>
+                <a:latin typeface="+mj-lt"/>
               </a:rPr>
               <a:t>vector</a:t>
             </a:r>
-            <a:endParaRPr lang="fr-FR" sz="1400" dirty="0">
-              <a:solidFill>
-                <a:srgbClr val="00B050"/>
-              </a:solidFill>
-            </a:endParaRPr>
           </a:p>
         </p:txBody>
       </p:sp>
@@ -8362,7 +8309,7 @@
         <p:spPr>
           <a:xfrm>
             <a:off x="4963271" y="313610"/>
-            <a:ext cx="971228" cy="646331"/>
+            <a:ext cx="1057534" cy="707886"/>
           </a:xfrm>
           <a:prstGeom prst="rect">
             <a:avLst/>
@@ -8376,26 +8323,18 @@
           <a:lstStyle/>
           <a:p>
             <a:r>
-              <a:rPr lang="fr-FR" dirty="0" err="1"/>
-              <a:t>Lab</a:t>
-            </a:r>
-            <a:r>
-              <a:rPr lang="fr-FR" dirty="0"/>
-              <a:t> axis </a:t>
-            </a:r>
-          </a:p>
-          <a:p>
-            <a:r>
-              <a:rPr lang="fr-FR" dirty="0"/>
-              <a:t>(</a:t>
-            </a:r>
-            <a:r>
-              <a:rPr lang="fr-FR" dirty="0" err="1"/>
-              <a:t>Oxyz</a:t>
-            </a:r>
-            <a:r>
-              <a:rPr lang="fr-FR" dirty="0"/>
-              <a:t>)</a:t>
+              <a:rPr lang="fr-FR" sz="2000" dirty="0">
+                <a:latin typeface="+mj-lt"/>
+              </a:rPr>
+              <a:t>Lab axis </a:t>
+            </a:r>
+          </a:p>
+          <a:p>
+            <a:r>
+              <a:rPr lang="fr-FR" sz="2000" dirty="0">
+                <a:latin typeface="+mj-lt"/>
+              </a:rPr>
+              <a:t>(Oxyz)</a:t>
             </a:r>
           </a:p>
         </p:txBody>
@@ -8657,15 +8596,7 @@
             </a:r>
             <a:r>
               <a:rPr lang="fr-FR" sz="2000" i="1" dirty="0"/>
-              <a:t> the direction of the  k </a:t>
-            </a:r>
-            <a:r>
-              <a:rPr lang="fr-FR" sz="2000" i="1" dirty="0" err="1"/>
-              <a:t>vector</a:t>
-            </a:r>
-            <a:r>
-              <a:rPr lang="fr-FR" sz="2000" i="1" dirty="0"/>
-              <a:t> (in </a:t>
+              <a:t> the direction of the  k vector (in </a:t>
             </a:r>
             <a:r>
               <a:rPr lang="fr-FR" sz="2000" i="1" dirty="0" err="1"/>
@@ -8705,14 +8636,10 @@
             </a:r>
             <a:r>
               <a:rPr lang="fr-FR" sz="2000" i="1" dirty="0"/>
-              <a:t> axis x’(</a:t>
-            </a:r>
-            <a:r>
-              <a:rPr lang="fr-FR" sz="2000" i="1" dirty="0" err="1"/>
-              <a:t>e’</a:t>
-            </a:r>
-            <a:r>
-              <a:rPr lang="fr-FR" sz="2000" i="1" baseline="-25000" dirty="0" err="1"/>
+              <a:t> axis x’(e’</a:t>
+            </a:r>
+            <a:r>
+              <a:rPr lang="fr-FR" sz="2000" i="1" baseline="-25000" dirty="0"/>
               <a:t>x</a:t>
             </a:r>
             <a:r>
@@ -8727,14 +8654,10 @@
             </a:r>
             <a:r>
               <a:rPr lang="fr-FR" sz="2000" i="1" dirty="0"/>
-              <a:t>) and y’ (</a:t>
-            </a:r>
-            <a:r>
-              <a:rPr lang="fr-FR" sz="2000" i="1" dirty="0" err="1"/>
-              <a:t>e’</a:t>
-            </a:r>
-            <a:r>
-              <a:rPr lang="fr-FR" sz="2000" i="1" baseline="-25000" dirty="0" err="1"/>
+              <a:t>) and y’ (e’</a:t>
+            </a:r>
+            <a:r>
+              <a:rPr lang="fr-FR" sz="2000" i="1" baseline="-25000" dirty="0"/>
               <a:t>y</a:t>
             </a:r>
             <a:r>
@@ -8873,7 +8796,7 @@
             </a:r>
             <a:r>
               <a:rPr lang="fr-FR" sz="2000" dirty="0" err="1"/>
-              <a:t>e</a:t>
+              <a:t>e’</a:t>
             </a:r>
             <a:r>
               <a:rPr lang="fr-FR" sz="2000" baseline="-25000" dirty="0" err="1"/>
@@ -9149,8 +9072,8 @@
         </p:nvSpPr>
         <p:spPr>
           <a:xfrm>
-            <a:off x="6163294" y="2525284"/>
-            <a:ext cx="2928277" cy="646331"/>
+            <a:off x="6416004" y="2617642"/>
+            <a:ext cx="2618296" cy="707886"/>
           </a:xfrm>
           <a:prstGeom prst="rect">
             <a:avLst/>
@@ -9165,47 +9088,25 @@
           <a:p>
             <a:pPr algn="ctr"/>
             <a:r>
-              <a:rPr lang="fr-FR" dirty="0" err="1">
+              <a:rPr lang="fr-FR" sz="2000" dirty="0">
                 <a:solidFill>
                   <a:srgbClr val="002060"/>
                 </a:solidFill>
-              </a:rPr>
-              <a:t>Quantization</a:t>
-            </a:r>
-            <a:r>
-              <a:rPr lang="fr-FR" dirty="0">
+                <a:latin typeface="+mj-lt"/>
+              </a:rPr>
+              <a:t>Quantization field axis </a:t>
+            </a:r>
+          </a:p>
+          <a:p>
+            <a:pPr algn="ctr"/>
+            <a:r>
+              <a:rPr lang="fr-FR" sz="2000" dirty="0">
                 <a:solidFill>
                   <a:srgbClr val="002060"/>
                 </a:solidFill>
-              </a:rPr>
-              <a:t> </a:t>
-            </a:r>
-            <a:r>
-              <a:rPr lang="fr-FR" dirty="0" err="1">
-                <a:solidFill>
-                  <a:srgbClr val="002060"/>
-                </a:solidFill>
-              </a:rPr>
-              <a:t>field</a:t>
-            </a:r>
-            <a:r>
-              <a:rPr lang="fr-FR" dirty="0">
-                <a:solidFill>
-                  <a:srgbClr val="002060"/>
-                </a:solidFill>
-              </a:rPr>
-              <a:t> axis </a:t>
-            </a:r>
-          </a:p>
-          <a:p>
-            <a:pPr algn="ctr"/>
-            <a:r>
-              <a:rPr lang="fr-FR" dirty="0">
-                <a:solidFill>
-                  <a:srgbClr val="002060"/>
-                </a:solidFill>
-              </a:rPr>
-              <a:t>(0XYZ)</a:t>
+                <a:latin typeface="+mj-lt"/>
+              </a:rPr>
+              <a:t>                  (0XYZ)</a:t>
             </a:r>
           </a:p>
         </p:txBody>
@@ -9255,7 +9156,7 @@
         <p:spPr>
           <a:xfrm>
             <a:off x="4864380" y="2552582"/>
-            <a:ext cx="670440" cy="646331"/>
+            <a:ext cx="724557" cy="707886"/>
           </a:xfrm>
           <a:prstGeom prst="rect">
             <a:avLst/>
@@ -9268,20 +9169,22 @@
           <a:lstStyle/>
           <a:p>
             <a:r>
-              <a:rPr lang="fr-FR" dirty="0">
+              <a:rPr lang="fr-FR" sz="2000" dirty="0">
                 <a:solidFill>
                   <a:srgbClr val="00B0F0"/>
                 </a:solidFill>
+                <a:latin typeface="+mj-lt"/>
               </a:rPr>
               <a:t>Field</a:t>
             </a:r>
           </a:p>
           <a:p>
             <a:r>
-              <a:rPr lang="fr-FR" dirty="0">
+              <a:rPr lang="fr-FR" sz="2000" dirty="0">
                 <a:solidFill>
                   <a:srgbClr val="00B0F0"/>
                 </a:solidFill>
+                <a:latin typeface="+mj-lt"/>
               </a:rPr>
               <a:t>(B,E) </a:t>
             </a:r>
@@ -9395,7 +9298,9 @@
           <a:lstStyle/>
           <a:p>
             <a:pPr algn="ctr"/>
-            <a:endParaRPr lang="fr-FR"/>
+            <a:endParaRPr lang="fr-FR" sz="2000">
+              <a:latin typeface="+mj-lt"/>
+            </a:endParaRPr>
           </a:p>
         </p:txBody>
       </p:sp>
@@ -9526,7 +9431,9 @@
           <a:lstStyle/>
           <a:p>
             <a:pPr algn="ctr"/>
-            <a:endParaRPr lang="fr-FR" dirty="0"/>
+            <a:endParaRPr lang="fr-FR" sz="2000" dirty="0">
+              <a:latin typeface="+mj-lt"/>
+            </a:endParaRPr>
           </a:p>
         </p:txBody>
       </p:sp>
@@ -9687,7 +9594,9 @@
           <a:lstStyle/>
           <a:p>
             <a:pPr algn="ctr"/>
-            <a:endParaRPr lang="fr-FR"/>
+            <a:endParaRPr lang="fr-FR" sz="2000">
+              <a:latin typeface="+mj-lt"/>
+            </a:endParaRPr>
           </a:p>
         </p:txBody>
       </p:sp>
@@ -9848,7 +9757,9 @@
           <a:lstStyle/>
           <a:p>
             <a:pPr algn="ctr"/>
-            <a:endParaRPr lang="fr-FR"/>
+            <a:endParaRPr lang="fr-FR" sz="2000">
+              <a:latin typeface="+mj-lt"/>
+            </a:endParaRPr>
           </a:p>
         </p:txBody>
       </p:sp>
@@ -9997,7 +9908,7 @@
         <p:spPr>
           <a:xfrm>
             <a:off x="4397540" y="3594399"/>
-            <a:ext cx="284052" cy="369332"/>
+            <a:ext cx="295274" cy="400110"/>
           </a:xfrm>
           <a:prstGeom prst="rect">
             <a:avLst/>
@@ -10011,7 +9922,9 @@
           <a:lstStyle/>
           <a:p>
             <a:r>
-              <a:rPr lang="fr-FR" dirty="0"/>
+              <a:rPr lang="fr-FR" sz="2000" dirty="0">
+                <a:latin typeface="+mj-lt"/>
+              </a:rPr>
               <a:t>x</a:t>
             </a:r>
           </a:p>
@@ -10032,7 +9945,7 @@
         <p:spPr>
           <a:xfrm>
             <a:off x="7413369" y="2980855"/>
-            <a:ext cx="288862" cy="369332"/>
+            <a:ext cx="300082" cy="400110"/>
           </a:xfrm>
           <a:prstGeom prst="rect">
             <a:avLst/>
@@ -10046,7 +9959,9 @@
           <a:lstStyle/>
           <a:p>
             <a:r>
-              <a:rPr lang="fr-FR" dirty="0"/>
+              <a:rPr lang="fr-FR" sz="2000" dirty="0">
+                <a:latin typeface="+mj-lt"/>
+              </a:rPr>
               <a:t>y</a:t>
             </a:r>
           </a:p>
@@ -10067,7 +9982,7 @@
         <p:spPr>
           <a:xfrm>
             <a:off x="5206334" y="909884"/>
-            <a:ext cx="276038" cy="369332"/>
+            <a:ext cx="285656" cy="400110"/>
           </a:xfrm>
           <a:prstGeom prst="rect">
             <a:avLst/>
@@ -10081,7 +9996,9 @@
           <a:lstStyle/>
           <a:p>
             <a:r>
-              <a:rPr lang="fr-FR" dirty="0"/>
+              <a:rPr lang="fr-FR" sz="2000" dirty="0">
+                <a:latin typeface="+mj-lt"/>
+              </a:rPr>
               <a:t>z</a:t>
             </a:r>
           </a:p>
@@ -10135,7 +10052,9 @@
           <a:lstStyle/>
           <a:p>
             <a:pPr algn="ctr"/>
-            <a:endParaRPr lang="fr-FR"/>
+            <a:endParaRPr lang="fr-FR" sz="2000">
+              <a:latin typeface="+mj-lt"/>
+            </a:endParaRPr>
           </a:p>
         </p:txBody>
       </p:sp>
@@ -10277,7 +10196,9 @@
           <a:lstStyle/>
           <a:p>
             <a:pPr algn="ctr"/>
-            <a:endParaRPr lang="fr-FR"/>
+            <a:endParaRPr lang="fr-FR" sz="2000">
+              <a:latin typeface="+mj-lt"/>
+            </a:endParaRPr>
           </a:p>
         </p:txBody>
       </p:sp>
@@ -10296,7 +10217,7 @@
         <p:spPr>
           <a:xfrm>
             <a:off x="5528465" y="1852472"/>
-            <a:ext cx="304892" cy="369332"/>
+            <a:ext cx="319318" cy="400110"/>
           </a:xfrm>
           <a:prstGeom prst="rect">
             <a:avLst/>
@@ -10310,12 +10231,11 @@
           <a:lstStyle/>
           <a:p>
             <a:r>
-              <a:rPr lang="fr-FR" dirty="0">
+              <a:rPr lang="fr-FR" sz="2000" dirty="0">
                 <a:latin typeface="Symbol" panose="05050102010706020507" pitchFamily="18" charset="2"/>
               </a:rPr>
               <a:t>q</a:t>
             </a:r>
-            <a:endParaRPr lang="fr-FR" dirty="0"/>
           </a:p>
         </p:txBody>
       </p:sp>
@@ -10334,7 +10254,7 @@
         <p:spPr>
           <a:xfrm>
             <a:off x="5247729" y="3272254"/>
-            <a:ext cx="304892" cy="369332"/>
+            <a:ext cx="317716" cy="400110"/>
           </a:xfrm>
           <a:prstGeom prst="rect">
             <a:avLst/>
@@ -10348,12 +10268,11 @@
           <a:lstStyle/>
           <a:p>
             <a:r>
-              <a:rPr lang="fr-FR" dirty="0">
+              <a:rPr lang="fr-FR" sz="2000" dirty="0">
                 <a:latin typeface="Symbol" panose="05050102010706020507" pitchFamily="18" charset="2"/>
               </a:rPr>
               <a:t>f</a:t>
             </a:r>
-            <a:endParaRPr lang="fr-FR" dirty="0"/>
           </a:p>
         </p:txBody>
       </p:sp>
@@ -10658,23 +10577,7 @@
                   <a:srgbClr val="00B0F0"/>
                 </a:solidFill>
               </a:rPr>
-              <a:t>Levels (in 0 </a:t>
-            </a:r>
-            <a:r>
-              <a:rPr lang="fr-FR" dirty="0" err="1">
-                <a:solidFill>
-                  <a:srgbClr val="00B0F0"/>
-                </a:solidFill>
-              </a:rPr>
-              <a:t>field</a:t>
-            </a:r>
-            <a:r>
-              <a:rPr lang="fr-FR" dirty="0">
-                <a:solidFill>
-                  <a:srgbClr val="00B0F0"/>
-                </a:solidFill>
-              </a:rPr>
-              <a:t>)</a:t>
+              <a:t>Levels (in 0 field)</a:t>
             </a:r>
           </a:p>
           <a:p>
@@ -16579,23 +16482,7 @@
                   <a:srgbClr val="FF0000"/>
                 </a:solidFill>
               </a:rPr>
-              <a:t> not a real </a:t>
-            </a:r>
-            <a:r>
-              <a:rPr lang="fr-FR" dirty="0" err="1">
-                <a:solidFill>
-                  <a:srgbClr val="FF0000"/>
-                </a:solidFill>
-              </a:rPr>
-              <a:t>vector</a:t>
-            </a:r>
-            <a:r>
-              <a:rPr lang="fr-FR" dirty="0">
-                <a:solidFill>
-                  <a:srgbClr val="FF0000"/>
-                </a:solidFill>
-              </a:rPr>
-              <a:t>.</a:t>
+              <a:t> not a real vector.</a:t>
             </a:r>
           </a:p>
           <a:p>
@@ -19110,15 +18997,7 @@
             </a:r>
             <a:r>
               <a:rPr lang="fr-FR" sz="2400" i="1" dirty="0"/>
-              <a:t> the direction of the  k </a:t>
-            </a:r>
-            <a:r>
-              <a:rPr lang="fr-FR" sz="2400" i="1" dirty="0" err="1"/>
-              <a:t>vector</a:t>
-            </a:r>
-            <a:r>
-              <a:rPr lang="fr-FR" sz="2400" i="1" dirty="0"/>
-              <a:t> (in </a:t>
+              <a:t> the direction of the  k vector (in </a:t>
             </a:r>
             <a:r>
               <a:rPr lang="fr-FR" sz="2400" i="1" dirty="0" err="1"/>
@@ -19224,15 +19103,7 @@
             </a:r>
             <a:r>
               <a:rPr lang="fr-FR" sz="2400" dirty="0"/>
-              <a:t> the Z (k) axis.  </a:t>
-            </a:r>
-            <a:r>
-              <a:rPr lang="fr-FR" sz="2400" dirty="0" err="1"/>
-              <a:t>Example</a:t>
-            </a:r>
-            <a:r>
-              <a:rPr lang="fr-FR" sz="2400" dirty="0"/>
-              <a:t>: </a:t>
+              <a:t> the Z (k) axis.  Example: </a:t>
             </a:r>
             <a:r>
               <a:rPr lang="fr-FR" sz="2400" dirty="0" err="1"/>
@@ -19553,20 +19424,12 @@
           <a:lstStyle/>
           <a:p>
             <a:r>
-              <a:rPr lang="fr-FR" dirty="0" err="1">
+              <a:rPr lang="fr-FR" dirty="0">
                 <a:solidFill>
                   <a:srgbClr val="00B0F0"/>
                 </a:solidFill>
               </a:rPr>
-              <a:t>Lab</a:t>
-            </a:r>
-            <a:r>
-              <a:rPr lang="fr-FR" dirty="0">
-                <a:solidFill>
-                  <a:srgbClr val="00B0F0"/>
-                </a:solidFill>
-              </a:rPr>
-              <a:t> axis</a:t>
+              <a:t>Lab axis</a:t>
             </a:r>
           </a:p>
         </p:txBody>
@@ -19837,33 +19700,23 @@
           <a:lstStyle/>
           <a:p>
             <a:r>
-              <a:rPr lang="fr-FR" dirty="0" err="1">
+              <a:rPr lang="fr-FR" dirty="0">
                 <a:solidFill>
                   <a:srgbClr val="002060"/>
                 </a:solidFill>
               </a:rPr>
               <a:t>Polarization</a:t>
             </a:r>
-            <a:endParaRPr lang="fr-FR" dirty="0">
-              <a:solidFill>
-                <a:srgbClr val="002060"/>
-              </a:solidFill>
-            </a:endParaRPr>
-          </a:p>
-          <a:p>
-            <a:r>
-              <a:rPr lang="fr-FR" dirty="0" err="1">
+          </a:p>
+          <a:p>
+            <a:r>
+              <a:rPr lang="fr-FR" dirty="0">
                 <a:solidFill>
                   <a:srgbClr val="002060"/>
                 </a:solidFill>
               </a:rPr>
               <a:t>vector</a:t>
             </a:r>
-            <a:endParaRPr lang="fr-FR" dirty="0">
-              <a:solidFill>
-                <a:srgbClr val="002060"/>
-              </a:solidFill>
-            </a:endParaRPr>
           </a:p>
         </p:txBody>
       </p:sp>
